--- a/最終課題用/report-23vr008n.pptx
+++ b/最終課題用/report-23vr008n.pptx
@@ -5,7 +5,7 @@
     <p:sldMasterId id="2147483660" r:id="rId1"/>
   </p:sldMasterIdLst>
   <p:notesMasterIdLst>
-    <p:notesMasterId r:id="rId12"/>
+    <p:notesMasterId r:id="rId17"/>
   </p:notesMasterIdLst>
   <p:sldIdLst>
     <p:sldId id="355" r:id="rId2"/>
@@ -13,11 +13,16 @@
     <p:sldId id="358" r:id="rId4"/>
     <p:sldId id="359" r:id="rId5"/>
     <p:sldId id="360" r:id="rId6"/>
-    <p:sldId id="361" r:id="rId7"/>
-    <p:sldId id="362" r:id="rId8"/>
-    <p:sldId id="363" r:id="rId9"/>
-    <p:sldId id="364" r:id="rId10"/>
-    <p:sldId id="365" r:id="rId11"/>
+    <p:sldId id="366" r:id="rId7"/>
+    <p:sldId id="361" r:id="rId8"/>
+    <p:sldId id="362" r:id="rId9"/>
+    <p:sldId id="363" r:id="rId10"/>
+    <p:sldId id="364" r:id="rId11"/>
+    <p:sldId id="368" r:id="rId12"/>
+    <p:sldId id="367" r:id="rId13"/>
+    <p:sldId id="369" r:id="rId14"/>
+    <p:sldId id="370" r:id="rId15"/>
+    <p:sldId id="365" r:id="rId16"/>
   </p:sldIdLst>
   <p:sldSz cx="12192000" cy="6858000"/>
   <p:notesSz cx="6858000" cy="9144000"/>
@@ -206,7 +211,7 @@
           <a:p>
             <a:fld id="{EDE1E143-EBBA-40ED-A0A5-1114E1AA7266}" type="datetimeFigureOut">
               <a:rPr kumimoji="1" lang="ja-JP" altLang="en-US" smtClean="0"/>
-              <a:t>2024/6/25</a:t>
+              <a:t>2024/7/5</a:t>
             </a:fld>
             <a:endParaRPr kumimoji="1" lang="ja-JP" altLang="en-US"/>
           </a:p>
@@ -585,6 +590,150 @@
     <p:extLst>
       <p:ext uri="{BB962C8B-B14F-4D97-AF65-F5344CB8AC3E}">
         <p14:creationId xmlns:p14="http://schemas.microsoft.com/office/powerpoint/2010/main" val="1368113832"/>
+      </p:ext>
+    </p:extLst>
+  </p:cSld>
+  <p:clrMapOvr>
+    <a:masterClrMapping/>
+  </p:clrMapOvr>
+</p:notes>
+</file>
+
+<file path=ppt/notesSlides/notesSlide2.xml><?xml version="1.0" encoding="utf-8"?>
+<p:notes xmlns:a="http://schemas.openxmlformats.org/drawingml/2006/main" xmlns:r="http://schemas.openxmlformats.org/officeDocument/2006/relationships" xmlns:p="http://schemas.openxmlformats.org/presentationml/2006/main">
+  <p:cSld>
+    <p:spTree>
+      <p:nvGrpSpPr>
+        <p:cNvPr id="1" name=""/>
+        <p:cNvGrpSpPr/>
+        <p:nvPr/>
+      </p:nvGrpSpPr>
+      <p:grpSpPr>
+        <a:xfrm>
+          <a:off x="0" y="0"/>
+          <a:ext cx="0" cy="0"/>
+          <a:chOff x="0" y="0"/>
+          <a:chExt cx="0" cy="0"/>
+        </a:xfrm>
+      </p:grpSpPr>
+      <p:sp>
+        <p:nvSpPr>
+          <p:cNvPr id="2" name="スライド イメージ プレースホルダー 1"/>
+          <p:cNvSpPr>
+            <a:spLocks noGrp="1" noRot="1" noChangeAspect="1"/>
+          </p:cNvSpPr>
+          <p:nvPr>
+            <p:ph type="sldImg"/>
+          </p:nvPr>
+        </p:nvSpPr>
+        <p:spPr/>
+      </p:sp>
+      <p:sp>
+        <p:nvSpPr>
+          <p:cNvPr id="3" name="ノート プレースホルダー 2"/>
+          <p:cNvSpPr>
+            <a:spLocks noGrp="1"/>
+          </p:cNvSpPr>
+          <p:nvPr>
+            <p:ph type="body" idx="1"/>
+          </p:nvPr>
+        </p:nvSpPr>
+        <p:spPr/>
+        <p:txBody>
+          <a:bodyPr/>
+          <a:lstStyle/>
+          <a:p>
+            <a:r>
+              <a:rPr lang="en-US" altLang="ja-JP" b="0" i="0" dirty="0" err="1">
+                <a:effectLst/>
+                <a:highlight>
+                  <a:srgbClr val="2F3232"/>
+                </a:highlight>
+                <a:latin typeface="YakuHanJPs"/>
+              </a:rPr>
+              <a:t>Series.dt.dayofweek</a:t>
+            </a:r>
+            <a:r>
+              <a:rPr lang="ja-JP" altLang="en-US" b="0" i="0" dirty="0">
+                <a:effectLst/>
+                <a:highlight>
+                  <a:srgbClr val="2F3232"/>
+                </a:highlight>
+                <a:latin typeface="YakuHanJPs"/>
+              </a:rPr>
+              <a:t>を使うと、月曜日</a:t>
+            </a:r>
+            <a:r>
+              <a:rPr lang="en-US" altLang="ja-JP" b="0" i="0" dirty="0">
+                <a:effectLst/>
+                <a:highlight>
+                  <a:srgbClr val="2F3232"/>
+                </a:highlight>
+                <a:latin typeface="YakuHanJPs"/>
+              </a:rPr>
+              <a:t>= 0</a:t>
+            </a:r>
+            <a:r>
+              <a:rPr lang="ja-JP" altLang="en-US" b="0" i="0" dirty="0">
+                <a:effectLst/>
+                <a:highlight>
+                  <a:srgbClr val="2F3232"/>
+                </a:highlight>
+                <a:latin typeface="YakuHanJPs"/>
+              </a:rPr>
+              <a:t>、日曜日</a:t>
+            </a:r>
+            <a:r>
+              <a:rPr lang="en-US" altLang="ja-JP" b="0" i="0" dirty="0">
+                <a:effectLst/>
+                <a:highlight>
+                  <a:srgbClr val="2F3232"/>
+                </a:highlight>
+                <a:latin typeface="YakuHanJPs"/>
+              </a:rPr>
+              <a:t>= 6</a:t>
+            </a:r>
+            <a:r>
+              <a:rPr lang="ja-JP" altLang="en-US" b="0" i="0" dirty="0">
+                <a:effectLst/>
+                <a:highlight>
+                  <a:srgbClr val="2F3232"/>
+                </a:highlight>
+                <a:latin typeface="YakuHanJPs"/>
+              </a:rPr>
+              <a:t>にして返してくれます。</a:t>
+            </a:r>
+            <a:endParaRPr kumimoji="1" lang="ja-JP" altLang="en-US" dirty="0"/>
+          </a:p>
+        </p:txBody>
+      </p:sp>
+      <p:sp>
+        <p:nvSpPr>
+          <p:cNvPr id="4" name="スライド番号プレースホルダー 3"/>
+          <p:cNvSpPr>
+            <a:spLocks noGrp="1"/>
+          </p:cNvSpPr>
+          <p:nvPr>
+            <p:ph type="sldNum" sz="quarter" idx="5"/>
+          </p:nvPr>
+        </p:nvSpPr>
+        <p:spPr/>
+        <p:txBody>
+          <a:bodyPr/>
+          <a:lstStyle/>
+          <a:p>
+            <a:fld id="{BD6E8395-3981-4CD0-AAD4-84EF36F56E5A}" type="slidenum">
+              <a:rPr kumimoji="1" lang="ja-JP" altLang="en-US" smtClean="0"/>
+              <a:t>6</a:t>
+            </a:fld>
+            <a:endParaRPr kumimoji="1" lang="ja-JP" altLang="en-US"/>
+          </a:p>
+        </p:txBody>
+      </p:sp>
+    </p:spTree>
+    <p:extLst>
+      <p:ext uri="{BB962C8B-B14F-4D97-AF65-F5344CB8AC3E}">
+        <p14:creationId xmlns:p14="http://schemas.microsoft.com/office/powerpoint/2010/main" val="1810357809"/>
       </p:ext>
     </p:extLst>
   </p:cSld>
@@ -1281,7 +1430,7 @@
           <a:p>
             <a:fld id="{AC5A8613-8163-4006-92EF-E9067108B09D}" type="datetimeFigureOut">
               <a:rPr kumimoji="1" lang="ja-JP" altLang="en-US" smtClean="0"/>
-              <a:t>2024/6/25</a:t>
+              <a:t>2024/7/5</a:t>
             </a:fld>
             <a:endParaRPr kumimoji="1" lang="ja-JP" altLang="en-US"/>
           </a:p>
@@ -2212,7 +2361,7 @@
           <a:p>
             <a:fld id="{AC5A8613-8163-4006-92EF-E9067108B09D}" type="datetimeFigureOut">
               <a:rPr kumimoji="1" lang="ja-JP" altLang="en-US" smtClean="0"/>
-              <a:t>2024/6/25</a:t>
+              <a:t>2024/7/5</a:t>
             </a:fld>
             <a:endParaRPr kumimoji="1" lang="ja-JP" altLang="en-US"/>
           </a:p>
@@ -3166,7 +3315,7 @@
           <a:p>
             <a:fld id="{AC5A8613-8163-4006-92EF-E9067108B09D}" type="datetimeFigureOut">
               <a:rPr kumimoji="1" lang="ja-JP" altLang="en-US" smtClean="0"/>
-              <a:t>2024/6/25</a:t>
+              <a:t>2024/7/5</a:t>
             </a:fld>
             <a:endParaRPr kumimoji="1" lang="ja-JP" altLang="en-US"/>
           </a:p>
@@ -3956,7 +4105,7 @@
           <a:p>
             <a:fld id="{AC5A8613-8163-4006-92EF-E9067108B09D}" type="datetimeFigureOut">
               <a:rPr kumimoji="1" lang="ja-JP" altLang="en-US" smtClean="0"/>
-              <a:t>2024/6/25</a:t>
+              <a:t>2024/7/5</a:t>
             </a:fld>
             <a:endParaRPr kumimoji="1" lang="ja-JP" altLang="en-US"/>
           </a:p>
@@ -4553,7 +4702,7 @@
           <a:p>
             <a:fld id="{AC5A8613-8163-4006-92EF-E9067108B09D}" type="datetimeFigureOut">
               <a:rPr kumimoji="1" lang="ja-JP" altLang="en-US" smtClean="0"/>
-              <a:t>2024/6/25</a:t>
+              <a:t>2024/7/5</a:t>
             </a:fld>
             <a:endParaRPr kumimoji="1" lang="ja-JP" altLang="en-US"/>
           </a:p>
@@ -4790,7 +4939,7 @@
           <a:p>
             <a:fld id="{AC5A8613-8163-4006-92EF-E9067108B09D}" type="datetimeFigureOut">
               <a:rPr kumimoji="1" lang="ja-JP" altLang="en-US" smtClean="0"/>
-              <a:t>2024/6/25</a:t>
+              <a:t>2024/7/5</a:t>
             </a:fld>
             <a:endParaRPr kumimoji="1" lang="ja-JP" altLang="en-US"/>
           </a:p>
@@ -5889,7 +6038,7 @@
           <a:p>
             <a:fld id="{AC5A8613-8163-4006-92EF-E9067108B09D}" type="datetimeFigureOut">
               <a:rPr kumimoji="1" lang="ja-JP" altLang="en-US" smtClean="0"/>
-              <a:t>2024/6/25</a:t>
+              <a:t>2024/7/5</a:t>
             </a:fld>
             <a:endParaRPr kumimoji="1" lang="ja-JP" altLang="en-US"/>
           </a:p>
@@ -6481,7 +6630,7 @@
           <a:p>
             <a:fld id="{AC5A8613-8163-4006-92EF-E9067108B09D}" type="datetimeFigureOut">
               <a:rPr kumimoji="1" lang="ja-JP" altLang="en-US" smtClean="0"/>
-              <a:t>2024/6/25</a:t>
+              <a:t>2024/7/5</a:t>
             </a:fld>
             <a:endParaRPr kumimoji="1" lang="ja-JP" altLang="en-US"/>
           </a:p>
@@ -7031,7 +7180,7 @@
           <a:p>
             <a:fld id="{AC5A8613-8163-4006-92EF-E9067108B09D}" type="datetimeFigureOut">
               <a:rPr kumimoji="1" lang="ja-JP" altLang="en-US" smtClean="0"/>
-              <a:t>2024/6/25</a:t>
+              <a:t>2024/7/5</a:t>
             </a:fld>
             <a:endParaRPr kumimoji="1" lang="ja-JP" altLang="en-US"/>
           </a:p>
@@ -7849,7 +7998,7 @@
           <a:p>
             <a:fld id="{AC5A8613-8163-4006-92EF-E9067108B09D}" type="datetimeFigureOut">
               <a:rPr kumimoji="1" lang="ja-JP" altLang="en-US" smtClean="0"/>
-              <a:t>2024/6/25</a:t>
+              <a:t>2024/7/5</a:t>
             </a:fld>
             <a:endParaRPr kumimoji="1" lang="ja-JP" altLang="en-US"/>
           </a:p>
@@ -8440,7 +8589,7 @@
           <a:p>
             <a:fld id="{AC5A8613-8163-4006-92EF-E9067108B09D}" type="datetimeFigureOut">
               <a:rPr kumimoji="1" lang="ja-JP" altLang="en-US" smtClean="0"/>
-              <a:t>2024/6/25</a:t>
+              <a:t>2024/7/5</a:t>
             </a:fld>
             <a:endParaRPr kumimoji="1" lang="ja-JP" altLang="en-US"/>
           </a:p>
@@ -8800,7 +8949,7 @@
           <a:p>
             <a:fld id="{AC5A8613-8163-4006-92EF-E9067108B09D}" type="datetimeFigureOut">
               <a:rPr kumimoji="1" lang="ja-JP" altLang="en-US" smtClean="0"/>
-              <a:t>2024/6/25</a:t>
+              <a:t>2024/7/5</a:t>
             </a:fld>
             <a:endParaRPr kumimoji="1" lang="ja-JP" altLang="en-US"/>
           </a:p>
@@ -9561,2502 +9710,6 @@
           <p:cNvPr id="2" name="タイトル 1">
             <a:extLst>
               <a:ext uri="{FF2B5EF4-FFF2-40B4-BE49-F238E27FC236}">
-                <a16:creationId xmlns:a16="http://schemas.microsoft.com/office/drawing/2014/main" id="{6F709592-47F4-D909-37CF-98C6D4AEE7A0}"/>
-              </a:ext>
-            </a:extLst>
-          </p:cNvPr>
-          <p:cNvSpPr>
-            <a:spLocks noGrp="1"/>
-          </p:cNvSpPr>
-          <p:nvPr>
-            <p:ph type="title"/>
-          </p:nvPr>
-        </p:nvSpPr>
-        <p:spPr/>
-        <p:txBody>
-          <a:bodyPr/>
-          <a:lstStyle/>
-          <a:p>
-            <a:r>
-              <a:rPr kumimoji="1" lang="en-US" altLang="ja-JP" dirty="0">
-                <a:solidFill>
-                  <a:schemeClr val="accent6"/>
-                </a:solidFill>
-              </a:rPr>
-              <a:t>6. </a:t>
-            </a:r>
-            <a:r>
-              <a:rPr kumimoji="1" lang="ja-JP" altLang="en-US" dirty="0"/>
-              <a:t>まとめ</a:t>
-            </a:r>
-          </a:p>
-        </p:txBody>
-      </p:sp>
-      <p:sp>
-        <p:nvSpPr>
-          <p:cNvPr id="3" name="コンテンツ プレースホルダー 2">
-            <a:extLst>
-              <a:ext uri="{FF2B5EF4-FFF2-40B4-BE49-F238E27FC236}">
-                <a16:creationId xmlns:a16="http://schemas.microsoft.com/office/drawing/2014/main" id="{7764D337-3D53-2761-BAE7-50DFD6B2BD12}"/>
-              </a:ext>
-            </a:extLst>
-          </p:cNvPr>
-          <p:cNvSpPr>
-            <a:spLocks noGrp="1"/>
-          </p:cNvSpPr>
-          <p:nvPr>
-            <p:ph sz="quarter" idx="13"/>
-          </p:nvPr>
-        </p:nvSpPr>
-        <p:spPr/>
-        <p:txBody>
-          <a:bodyPr/>
-          <a:lstStyle/>
-          <a:p>
-            <a:pPr marL="285750" indent="-285750">
-              <a:buFont typeface="Arial" panose="020B0604020202020204" pitchFamily="34" charset="0"/>
-              <a:buChar char="•"/>
-            </a:pPr>
-            <a:r>
-              <a:rPr kumimoji="1" lang="ja-JP" altLang="en-US" dirty="0"/>
-              <a:t>横浜ベイスターズの</a:t>
-            </a:r>
-            <a:r>
-              <a:rPr kumimoji="1" lang="en-US" altLang="ja-JP" dirty="0"/>
-              <a:t>2009</a:t>
-            </a:r>
-            <a:r>
-              <a:rPr kumimoji="1" lang="ja-JP" altLang="en-US" dirty="0"/>
-              <a:t>年～</a:t>
-            </a:r>
-            <a:r>
-              <a:rPr kumimoji="1" lang="en-US" altLang="ja-JP" dirty="0"/>
-              <a:t>2023</a:t>
-            </a:r>
-            <a:r>
-              <a:rPr kumimoji="1" lang="ja-JP" altLang="en-US" dirty="0"/>
-              <a:t>年のホームゲームの観客数を予測する回帰モデルを作成した。</a:t>
-            </a:r>
-            <a:endParaRPr kumimoji="1" lang="en-US" altLang="ja-JP" dirty="0"/>
-          </a:p>
-          <a:p>
-            <a:pPr marL="285750" indent="-285750">
-              <a:buFont typeface="Arial" panose="020B0604020202020204" pitchFamily="34" charset="0"/>
-              <a:buChar char="•"/>
-            </a:pPr>
-            <a:r>
-              <a:rPr kumimoji="1" lang="ja-JP" altLang="en-US" dirty="0"/>
-              <a:t>決定木ベースのモデルを採用</a:t>
-            </a:r>
-            <a:endParaRPr kumimoji="1" lang="en-US" altLang="ja-JP" dirty="0"/>
-          </a:p>
-          <a:p>
-            <a:pPr marL="285750" indent="-285750">
-              <a:buFont typeface="Arial" panose="020B0604020202020204" pitchFamily="34" charset="0"/>
-              <a:buChar char="•"/>
-            </a:pPr>
-            <a:r>
-              <a:rPr lang="ja-JP" altLang="en-US" dirty="0"/>
-              <a:t>標準化と交差検証、グリッドサーチによるハイパーパラメータ探索で可能な限り精度向上に努めた。</a:t>
-            </a:r>
-            <a:endParaRPr lang="en-US" altLang="ja-JP" dirty="0"/>
-          </a:p>
-          <a:p>
-            <a:pPr marL="285750" indent="-285750">
-              <a:buFont typeface="Arial" panose="020B0604020202020204" pitchFamily="34" charset="0"/>
-              <a:buChar char="•"/>
-            </a:pPr>
-            <a:r>
-              <a:rPr kumimoji="1" lang="ja-JP" altLang="en-US" dirty="0"/>
-              <a:t>結果</a:t>
-            </a:r>
-            <a:r>
-              <a:rPr lang="ja-JP" altLang="en-US" dirty="0"/>
-              <a:t>、訓練時よりも、テスト時の</a:t>
-            </a:r>
-            <a:r>
-              <a:rPr lang="en-US" altLang="ja-JP" dirty="0"/>
-              <a:t>R2</a:t>
-            </a:r>
-            <a:r>
-              <a:rPr lang="ja-JP" altLang="en-US" dirty="0"/>
-              <a:t>スコアの方を高くすることができ、一定の精度を確保できた。</a:t>
-            </a:r>
-            <a:endParaRPr lang="en-US" altLang="ja-JP" dirty="0"/>
-          </a:p>
-          <a:p>
-            <a:pPr marL="285750" indent="-285750">
-              <a:buFont typeface="Arial" panose="020B0604020202020204" pitchFamily="34" charset="0"/>
-              <a:buChar char="•"/>
-            </a:pPr>
-            <a:r>
-              <a:rPr lang="ja-JP" altLang="en-US" dirty="0"/>
-              <a:t>特徴重要度の計算から、年数と曜日が結果に影響を与えていると推測。</a:t>
-            </a:r>
-            <a:endParaRPr lang="en-US" altLang="ja-JP" dirty="0"/>
-          </a:p>
-          <a:p>
-            <a:r>
-              <a:rPr lang="en-US" altLang="ja-JP" dirty="0"/>
-              <a:t>【</a:t>
-            </a:r>
-            <a:r>
-              <a:rPr lang="ja-JP" altLang="en-US" dirty="0"/>
-              <a:t>感想</a:t>
-            </a:r>
-            <a:r>
-              <a:rPr lang="en-US" altLang="ja-JP" dirty="0"/>
-              <a:t>】</a:t>
-            </a:r>
-          </a:p>
-          <a:p>
-            <a:pPr marL="285750" indent="-285750">
-              <a:buFont typeface="Arial" panose="020B0604020202020204" pitchFamily="34" charset="0"/>
-              <a:buChar char="•"/>
-            </a:pPr>
-            <a:r>
-              <a:rPr lang="ja-JP" altLang="en-US" dirty="0"/>
-              <a:t>データのサンプリングを行えば、もう少し精度を出せたかも</a:t>
-            </a:r>
-            <a:endParaRPr lang="en-US" altLang="ja-JP" dirty="0"/>
-          </a:p>
-          <a:p>
-            <a:pPr marL="742950" lvl="1" indent="-285750">
-              <a:buFont typeface="Arial" panose="020B0604020202020204" pitchFamily="34" charset="0"/>
-              <a:buChar char="•"/>
-            </a:pPr>
-            <a:r>
-              <a:rPr kumimoji="1" lang="ja-JP" altLang="en-US" dirty="0"/>
-              <a:t>チーム別 </a:t>
-            </a:r>
-            <a:r>
-              <a:rPr kumimoji="1" lang="en-US" altLang="ja-JP" dirty="0"/>
-              <a:t>× </a:t>
-            </a:r>
-            <a:r>
-              <a:rPr kumimoji="1" lang="ja-JP" altLang="en-US" dirty="0"/>
-              <a:t>観客数</a:t>
-            </a:r>
-            <a:r>
-              <a:rPr lang="ja-JP" altLang="en-US" dirty="0"/>
-              <a:t>を</a:t>
-            </a:r>
-            <a:r>
-              <a:rPr kumimoji="1" lang="ja-JP" altLang="en-US" dirty="0"/>
-              <a:t>プロットし、偏りを確認すべき？</a:t>
-            </a:r>
-            <a:endParaRPr kumimoji="1" lang="en-US" altLang="ja-JP" dirty="0"/>
-          </a:p>
-          <a:p>
-            <a:pPr marL="285750" indent="-285750">
-              <a:buFont typeface="Arial" panose="020B0604020202020204" pitchFamily="34" charset="0"/>
-              <a:buChar char="•"/>
-            </a:pPr>
-            <a:r>
-              <a:rPr lang="ja-JP" altLang="en-US" dirty="0"/>
-              <a:t>生データ整形に時間がかかり、もっと適切な精度向上のため　　　　　　　　　　　　　　　　　　　　　　　　　　　　　　の前処理を組めたかもしれない。。。</a:t>
-            </a:r>
-            <a:endParaRPr kumimoji="1" lang="en-US" altLang="ja-JP" dirty="0"/>
-          </a:p>
-        </p:txBody>
-      </p:sp>
-      <p:pic>
-        <p:nvPicPr>
-          <p:cNvPr id="4" name="図 3">
-            <a:extLst>
-              <a:ext uri="{FF2B5EF4-FFF2-40B4-BE49-F238E27FC236}">
-                <a16:creationId xmlns:a16="http://schemas.microsoft.com/office/drawing/2014/main" id="{AC7F926F-F60B-91C5-18A5-5D5584E15F32}"/>
-              </a:ext>
-            </a:extLst>
-          </p:cNvPr>
-          <p:cNvPicPr>
-            <a:picLocks noChangeAspect="1"/>
-          </p:cNvPicPr>
-          <p:nvPr/>
-        </p:nvPicPr>
-        <p:blipFill>
-          <a:blip r:embed="rId2"/>
-          <a:stretch>
-            <a:fillRect/>
-          </a:stretch>
-        </p:blipFill>
-        <p:spPr>
-          <a:xfrm>
-            <a:off x="7241449" y="4110036"/>
-            <a:ext cx="4454097" cy="2652440"/>
-          </a:xfrm>
-          <a:prstGeom prst="rect">
-            <a:avLst/>
-          </a:prstGeom>
-        </p:spPr>
-      </p:pic>
-    </p:spTree>
-    <p:extLst>
-      <p:ext uri="{BB962C8B-B14F-4D97-AF65-F5344CB8AC3E}">
-        <p14:creationId xmlns:p14="http://schemas.microsoft.com/office/powerpoint/2010/main" val="3466519553"/>
-      </p:ext>
-    </p:extLst>
-  </p:cSld>
-  <p:clrMapOvr>
-    <a:masterClrMapping/>
-  </p:clrMapOvr>
-</p:sld>
-</file>
-
-<file path=ppt/slides/slide2.xml><?xml version="1.0" encoding="utf-8"?>
-<p:sld xmlns:a="http://schemas.openxmlformats.org/drawingml/2006/main" xmlns:r="http://schemas.openxmlformats.org/officeDocument/2006/relationships" xmlns:p="http://schemas.openxmlformats.org/presentationml/2006/main">
-  <p:cSld>
-    <p:spTree>
-      <p:nvGrpSpPr>
-        <p:cNvPr id="1" name=""/>
-        <p:cNvGrpSpPr/>
-        <p:nvPr/>
-      </p:nvGrpSpPr>
-      <p:grpSpPr>
-        <a:xfrm>
-          <a:off x="0" y="0"/>
-          <a:ext cx="0" cy="0"/>
-          <a:chOff x="0" y="0"/>
-          <a:chExt cx="0" cy="0"/>
-        </a:xfrm>
-      </p:grpSpPr>
-      <p:sp>
-        <p:nvSpPr>
-          <p:cNvPr id="2" name="タイトル 1">
-            <a:extLst>
-              <a:ext uri="{FF2B5EF4-FFF2-40B4-BE49-F238E27FC236}">
-                <a16:creationId xmlns:a16="http://schemas.microsoft.com/office/drawing/2014/main" id="{E3B2B7B5-34E0-094A-0D7E-839A08BE5A57}"/>
-              </a:ext>
-            </a:extLst>
-          </p:cNvPr>
-          <p:cNvSpPr>
-            <a:spLocks noGrp="1"/>
-          </p:cNvSpPr>
-          <p:nvPr>
-            <p:ph type="title"/>
-          </p:nvPr>
-        </p:nvSpPr>
-        <p:spPr/>
-        <p:txBody>
-          <a:bodyPr/>
-          <a:lstStyle/>
-          <a:p>
-            <a:r>
-              <a:rPr kumimoji="1" lang="ja-JP" altLang="en-US" dirty="0">
-                <a:latin typeface="游ゴシック Medium" panose="020B0500000000000000" pitchFamily="50" charset="-128"/>
-                <a:ea typeface="游ゴシック Medium" panose="020B0500000000000000" pitchFamily="50" charset="-128"/>
-              </a:rPr>
-              <a:t>内容</a:t>
-            </a:r>
-          </a:p>
-        </p:txBody>
-      </p:sp>
-      <p:sp>
-        <p:nvSpPr>
-          <p:cNvPr id="6" name="コンテンツ プレースホルダー 5">
-            <a:extLst>
-              <a:ext uri="{FF2B5EF4-FFF2-40B4-BE49-F238E27FC236}">
-                <a16:creationId xmlns:a16="http://schemas.microsoft.com/office/drawing/2014/main" id="{2735A677-85B1-111D-6377-3F7805B670D9}"/>
-              </a:ext>
-            </a:extLst>
-          </p:cNvPr>
-          <p:cNvSpPr>
-            <a:spLocks noGrp="1"/>
-          </p:cNvSpPr>
-          <p:nvPr>
-            <p:ph idx="1"/>
-          </p:nvPr>
-        </p:nvSpPr>
-        <p:spPr>
-          <a:xfrm>
-            <a:off x="5178252" y="2409776"/>
-            <a:ext cx="6564324" cy="3714837"/>
-          </a:xfrm>
-        </p:spPr>
-        <p:txBody>
-          <a:bodyPr>
-            <a:normAutofit/>
-          </a:bodyPr>
-          <a:lstStyle/>
-          <a:p>
-            <a:pPr marL="514350" indent="-514350">
-              <a:buFont typeface="+mj-lt"/>
-              <a:buAutoNum type="arabicPeriod"/>
-            </a:pPr>
-            <a:r>
-              <a:rPr lang="ja-JP" altLang="en-US" dirty="0">
-                <a:latin typeface="游ゴシック Medium" panose="020B0500000000000000" pitchFamily="50" charset="-128"/>
-                <a:ea typeface="游ゴシック Medium" panose="020B0500000000000000" pitchFamily="50" charset="-128"/>
-              </a:rPr>
-              <a:t>問題設定</a:t>
-            </a:r>
-            <a:endParaRPr lang="en-US" altLang="ja-JP" dirty="0">
-              <a:latin typeface="游ゴシック Medium" panose="020B0500000000000000" pitchFamily="50" charset="-128"/>
-              <a:ea typeface="游ゴシック Medium" panose="020B0500000000000000" pitchFamily="50" charset="-128"/>
-            </a:endParaRPr>
-          </a:p>
-          <a:p>
-            <a:pPr marL="514350" indent="-514350">
-              <a:buFont typeface="+mj-lt"/>
-              <a:buAutoNum type="arabicPeriod"/>
-            </a:pPr>
-            <a:r>
-              <a:rPr lang="ja-JP" altLang="en-US" dirty="0">
-                <a:latin typeface="游ゴシック Medium" panose="020B0500000000000000" pitchFamily="50" charset="-128"/>
-                <a:ea typeface="游ゴシック Medium" panose="020B0500000000000000" pitchFamily="50" charset="-128"/>
-              </a:rPr>
-              <a:t>データの概要</a:t>
-            </a:r>
-            <a:endParaRPr lang="en-US" altLang="ja-JP" dirty="0">
-              <a:latin typeface="游ゴシック Medium" panose="020B0500000000000000" pitchFamily="50" charset="-128"/>
-              <a:ea typeface="游ゴシック Medium" panose="020B0500000000000000" pitchFamily="50" charset="-128"/>
-            </a:endParaRPr>
-          </a:p>
-          <a:p>
-            <a:pPr marL="514350" indent="-514350">
-              <a:buFont typeface="+mj-lt"/>
-              <a:buAutoNum type="arabicPeriod"/>
-            </a:pPr>
-            <a:r>
-              <a:rPr lang="ja-JP" altLang="en-US" dirty="0">
-                <a:latin typeface="游ゴシック Medium" panose="020B0500000000000000" pitchFamily="50" charset="-128"/>
-                <a:ea typeface="游ゴシック Medium" panose="020B0500000000000000" pitchFamily="50" charset="-128"/>
-              </a:rPr>
-              <a:t>整形と前処理</a:t>
-            </a:r>
-            <a:endParaRPr lang="en-US" altLang="ja-JP" dirty="0">
-              <a:latin typeface="游ゴシック Medium" panose="020B0500000000000000" pitchFamily="50" charset="-128"/>
-              <a:ea typeface="游ゴシック Medium" panose="020B0500000000000000" pitchFamily="50" charset="-128"/>
-            </a:endParaRPr>
-          </a:p>
-          <a:p>
-            <a:pPr marL="514350" indent="-514350">
-              <a:buFont typeface="+mj-lt"/>
-              <a:buAutoNum type="arabicPeriod"/>
-            </a:pPr>
-            <a:r>
-              <a:rPr lang="ja-JP" altLang="en-US" dirty="0">
-                <a:latin typeface="游ゴシック Medium" panose="020B0500000000000000" pitchFamily="50" charset="-128"/>
-                <a:ea typeface="游ゴシック Medium" panose="020B0500000000000000" pitchFamily="50" charset="-128"/>
-              </a:rPr>
-              <a:t>使用したモデル</a:t>
-            </a:r>
-            <a:endParaRPr lang="en-US" altLang="ja-JP" dirty="0">
-              <a:latin typeface="游ゴシック Medium" panose="020B0500000000000000" pitchFamily="50" charset="-128"/>
-              <a:ea typeface="游ゴシック Medium" panose="020B0500000000000000" pitchFamily="50" charset="-128"/>
-            </a:endParaRPr>
-          </a:p>
-          <a:p>
-            <a:pPr marL="514350" indent="-514350">
-              <a:buFont typeface="+mj-lt"/>
-              <a:buAutoNum type="arabicPeriod"/>
-            </a:pPr>
-            <a:r>
-              <a:rPr lang="ja-JP" altLang="en-US" dirty="0">
-                <a:latin typeface="游ゴシック Medium" panose="020B0500000000000000" pitchFamily="50" charset="-128"/>
-                <a:ea typeface="游ゴシック Medium" panose="020B0500000000000000" pitchFamily="50" charset="-128"/>
-              </a:rPr>
-              <a:t>モデルの分析</a:t>
-            </a:r>
-            <a:endParaRPr lang="en-US" altLang="ja-JP" dirty="0">
-              <a:latin typeface="游ゴシック Medium" panose="020B0500000000000000" pitchFamily="50" charset="-128"/>
-              <a:ea typeface="游ゴシック Medium" panose="020B0500000000000000" pitchFamily="50" charset="-128"/>
-            </a:endParaRPr>
-          </a:p>
-          <a:p>
-            <a:pPr marL="514350" indent="-514350">
-              <a:buFont typeface="+mj-lt"/>
-              <a:buAutoNum type="arabicPeriod"/>
-            </a:pPr>
-            <a:r>
-              <a:rPr lang="ja-JP" altLang="en-US" dirty="0">
-                <a:latin typeface="游ゴシック Medium" panose="020B0500000000000000" pitchFamily="50" charset="-128"/>
-                <a:ea typeface="游ゴシック Medium" panose="020B0500000000000000" pitchFamily="50" charset="-128"/>
-              </a:rPr>
-              <a:t>まとめ</a:t>
-            </a:r>
-            <a:endParaRPr lang="en-US" altLang="ja-JP" dirty="0">
-              <a:latin typeface="游ゴシック Medium" panose="020B0500000000000000" pitchFamily="50" charset="-128"/>
-              <a:ea typeface="游ゴシック Medium" panose="020B0500000000000000" pitchFamily="50" charset="-128"/>
-            </a:endParaRPr>
-          </a:p>
-        </p:txBody>
-      </p:sp>
-      <p:sp>
-        <p:nvSpPr>
-          <p:cNvPr id="9" name="スライド番号プレースホルダー 8">
-            <a:extLst>
-              <a:ext uri="{FF2B5EF4-FFF2-40B4-BE49-F238E27FC236}">
-                <a16:creationId xmlns:a16="http://schemas.microsoft.com/office/drawing/2014/main" id="{6350A921-76FD-96EA-3A89-242A4FB55F1D}"/>
-              </a:ext>
-            </a:extLst>
-          </p:cNvPr>
-          <p:cNvSpPr>
-            <a:spLocks noGrp="1"/>
-          </p:cNvSpPr>
-          <p:nvPr>
-            <p:ph type="sldNum" sz="quarter" idx="12"/>
-          </p:nvPr>
-        </p:nvSpPr>
-        <p:spPr/>
-        <p:txBody>
-          <a:bodyPr/>
-          <a:lstStyle/>
-          <a:p>
-            <a:fld id="{DFA5D71E-5CDF-4C93-8A75-5B916FDC5BEA}" type="slidenum">
-              <a:rPr lang="en-US" altLang="ja-JP" smtClean="0"/>
-              <a:pPr/>
-              <a:t>2</a:t>
-            </a:fld>
-            <a:endParaRPr lang="ja-JP" altLang="en-US" dirty="0"/>
-          </a:p>
-        </p:txBody>
-      </p:sp>
-      <p:pic>
-        <p:nvPicPr>
-          <p:cNvPr id="13" name="図プレースホルダー 12">
-            <a:extLst>
-              <a:ext uri="{FF2B5EF4-FFF2-40B4-BE49-F238E27FC236}">
-                <a16:creationId xmlns:a16="http://schemas.microsoft.com/office/drawing/2014/main" id="{AF5B9651-AD16-01EA-DFCE-B9C7BAA7AB46}"/>
-              </a:ext>
-            </a:extLst>
-          </p:cNvPr>
-          <p:cNvPicPr>
-            <a:picLocks noGrp="1" noChangeAspect="1"/>
-          </p:cNvPicPr>
-          <p:nvPr>
-            <p:ph type="pic" sz="quarter" idx="13"/>
-          </p:nvPr>
-        </p:nvPicPr>
-        <p:blipFill>
-          <a:blip r:embed="rId2"/>
-          <a:srcRect t="8748" b="8748"/>
-          <a:stretch>
-            <a:fillRect/>
-          </a:stretch>
-        </p:blipFill>
-        <p:spPr>
-          <a:prstGeom prst="rect">
-            <a:avLst/>
-          </a:prstGeom>
-        </p:spPr>
-      </p:pic>
-      <p:pic>
-        <p:nvPicPr>
-          <p:cNvPr id="12" name="図プレースホルダー 11">
-            <a:extLst>
-              <a:ext uri="{FF2B5EF4-FFF2-40B4-BE49-F238E27FC236}">
-                <a16:creationId xmlns:a16="http://schemas.microsoft.com/office/drawing/2014/main" id="{3CF35C40-D6D5-A07D-22A1-00997EF70764}"/>
-              </a:ext>
-            </a:extLst>
-          </p:cNvPr>
-          <p:cNvPicPr>
-            <a:picLocks noGrp="1" noChangeAspect="1"/>
-          </p:cNvPicPr>
-          <p:nvPr>
-            <p:ph type="pic" sz="quarter" idx="14"/>
-          </p:nvPr>
-        </p:nvPicPr>
-        <p:blipFill>
-          <a:blip r:embed="rId3"/>
-          <a:srcRect t="9274" b="9274"/>
-          <a:stretch>
-            <a:fillRect/>
-          </a:stretch>
-        </p:blipFill>
-        <p:spPr>
-          <a:prstGeom prst="rect">
-            <a:avLst/>
-          </a:prstGeom>
-        </p:spPr>
-      </p:pic>
-      <p:pic>
-        <p:nvPicPr>
-          <p:cNvPr id="17" name="図プレースホルダー 16">
-            <a:extLst>
-              <a:ext uri="{FF2B5EF4-FFF2-40B4-BE49-F238E27FC236}">
-                <a16:creationId xmlns:a16="http://schemas.microsoft.com/office/drawing/2014/main" id="{83111A6A-2428-0A76-CA9E-36369B2DC80C}"/>
-              </a:ext>
-            </a:extLst>
-          </p:cNvPr>
-          <p:cNvPicPr>
-            <a:picLocks noGrp="1" noChangeAspect="1"/>
-          </p:cNvPicPr>
-          <p:nvPr>
-            <p:ph type="pic" sz="quarter" idx="15"/>
-          </p:nvPr>
-        </p:nvPicPr>
-        <p:blipFill>
-          <a:blip r:embed="rId4"/>
-          <a:srcRect t="8467" b="8467"/>
-          <a:stretch>
-            <a:fillRect/>
-          </a:stretch>
-        </p:blipFill>
-        <p:spPr>
-          <a:prstGeom prst="rect">
-            <a:avLst/>
-          </a:prstGeom>
-        </p:spPr>
-      </p:pic>
-    </p:spTree>
-    <p:extLst>
-      <p:ext uri="{BB962C8B-B14F-4D97-AF65-F5344CB8AC3E}">
-        <p14:creationId xmlns:p14="http://schemas.microsoft.com/office/powerpoint/2010/main" val="2336205692"/>
-      </p:ext>
-    </p:extLst>
-  </p:cSld>
-  <p:clrMapOvr>
-    <a:masterClrMapping/>
-  </p:clrMapOvr>
-</p:sld>
-</file>
-
-<file path=ppt/slides/slide3.xml><?xml version="1.0" encoding="utf-8"?>
-<p:sld xmlns:a="http://schemas.openxmlformats.org/drawingml/2006/main" xmlns:r="http://schemas.openxmlformats.org/officeDocument/2006/relationships" xmlns:p="http://schemas.openxmlformats.org/presentationml/2006/main">
-  <p:cSld>
-    <p:spTree>
-      <p:nvGrpSpPr>
-        <p:cNvPr id="1" name=""/>
-        <p:cNvGrpSpPr/>
-        <p:nvPr/>
-      </p:nvGrpSpPr>
-      <p:grpSpPr>
-        <a:xfrm>
-          <a:off x="0" y="0"/>
-          <a:ext cx="0" cy="0"/>
-          <a:chOff x="0" y="0"/>
-          <a:chExt cx="0" cy="0"/>
-        </a:xfrm>
-      </p:grpSpPr>
-      <p:sp>
-        <p:nvSpPr>
-          <p:cNvPr id="9" name="タイトル 8">
-            <a:extLst>
-              <a:ext uri="{FF2B5EF4-FFF2-40B4-BE49-F238E27FC236}">
-                <a16:creationId xmlns:a16="http://schemas.microsoft.com/office/drawing/2014/main" id="{38A2017C-0AD3-6539-9AF1-DF3512483D77}"/>
-              </a:ext>
-            </a:extLst>
-          </p:cNvPr>
-          <p:cNvSpPr>
-            <a:spLocks noGrp="1"/>
-          </p:cNvSpPr>
-          <p:nvPr>
-            <p:ph type="title"/>
-          </p:nvPr>
-        </p:nvSpPr>
-        <p:spPr/>
-        <p:txBody>
-          <a:bodyPr/>
-          <a:lstStyle/>
-          <a:p>
-            <a:r>
-              <a:rPr lang="en-US" altLang="ja-JP" dirty="0">
-                <a:solidFill>
-                  <a:schemeClr val="accent6"/>
-                </a:solidFill>
-              </a:rPr>
-              <a:t>1. </a:t>
-            </a:r>
-            <a:r>
-              <a:rPr lang="ja-JP" altLang="en-US" dirty="0"/>
-              <a:t>問題設定</a:t>
-            </a:r>
-          </a:p>
-        </p:txBody>
-      </p:sp>
-      <p:sp>
-        <p:nvSpPr>
-          <p:cNvPr id="10" name="コンテンツ プレースホルダー 9">
-            <a:extLst>
-              <a:ext uri="{FF2B5EF4-FFF2-40B4-BE49-F238E27FC236}">
-                <a16:creationId xmlns:a16="http://schemas.microsoft.com/office/drawing/2014/main" id="{54227885-066E-52C2-0B81-60FF96FB6EC0}"/>
-              </a:ext>
-            </a:extLst>
-          </p:cNvPr>
-          <p:cNvSpPr>
-            <a:spLocks noGrp="1"/>
-          </p:cNvSpPr>
-          <p:nvPr>
-            <p:ph sz="quarter" idx="13"/>
-          </p:nvPr>
-        </p:nvSpPr>
-        <p:spPr/>
-        <p:txBody>
-          <a:bodyPr/>
-          <a:lstStyle/>
-          <a:p>
-            <a:pPr marL="285750" indent="-285750">
-              <a:buFont typeface="Arial" panose="020B0604020202020204" pitchFamily="34" charset="0"/>
-              <a:buChar char="•"/>
-            </a:pPr>
-            <a:r>
-              <a:rPr lang="ja-JP" altLang="en-US" dirty="0"/>
-              <a:t>選択した問題：選択肢① プロ野球</a:t>
-            </a:r>
-            <a:r>
-              <a:rPr lang="en-US" altLang="ja-JP" dirty="0"/>
-              <a:t>Freak</a:t>
-            </a:r>
-            <a:r>
-              <a:rPr lang="ja-JP" altLang="en-US" dirty="0"/>
-              <a:t>から、ホームゲームの観客数を予測する回帰モデルを作る</a:t>
-            </a:r>
-            <a:endParaRPr lang="en-US" altLang="ja-JP" dirty="0"/>
-          </a:p>
-          <a:p>
-            <a:r>
-              <a:rPr lang="en-US" altLang="ja-JP" dirty="0"/>
-              <a:t>【</a:t>
-            </a:r>
-            <a:r>
-              <a:rPr lang="ja-JP" altLang="en-US" dirty="0"/>
-              <a:t>問題条件</a:t>
-            </a:r>
-            <a:r>
-              <a:rPr lang="en-US" altLang="ja-JP" dirty="0"/>
-              <a:t>】</a:t>
-            </a:r>
-          </a:p>
-          <a:p>
-            <a:pPr marL="285750" indent="-285750">
-              <a:buFont typeface="Arial" panose="020B0604020202020204" pitchFamily="34" charset="0"/>
-              <a:buChar char="•"/>
-            </a:pPr>
-            <a:r>
-              <a:rPr lang="ja-JP" altLang="en-US" dirty="0"/>
-              <a:t>予測するチーム：</a:t>
-            </a:r>
-            <a:r>
-              <a:rPr lang="ja-JP" altLang="en-US" b="1" dirty="0"/>
-              <a:t>横浜</a:t>
-            </a:r>
-            <a:r>
-              <a:rPr lang="en-US" altLang="ja-JP" b="1" dirty="0" err="1"/>
-              <a:t>DeNA</a:t>
-            </a:r>
-            <a:r>
-              <a:rPr lang="ja-JP" altLang="en-US" b="1" dirty="0"/>
-              <a:t>ベイスターズ</a:t>
-            </a:r>
-            <a:endParaRPr lang="en-US" altLang="ja-JP" b="1" dirty="0"/>
-          </a:p>
-          <a:p>
-            <a:pPr marL="285750" indent="-285750">
-              <a:buFont typeface="Arial" panose="020B0604020202020204" pitchFamily="34" charset="0"/>
-              <a:buChar char="•"/>
-            </a:pPr>
-            <a:r>
-              <a:rPr lang="ja-JP" altLang="en-US" dirty="0"/>
-              <a:t>目的変数：ホームゲームの観客数</a:t>
-            </a:r>
-          </a:p>
-          <a:p>
-            <a:pPr marL="285750" indent="-285750">
-              <a:buFont typeface="Arial" panose="020B0604020202020204" pitchFamily="34" charset="0"/>
-              <a:buChar char="•"/>
-            </a:pPr>
-            <a:r>
-              <a:rPr lang="ja-JP" altLang="en-US" dirty="0"/>
-              <a:t>説明変数</a:t>
-            </a:r>
-          </a:p>
-          <a:p>
-            <a:pPr marL="742950" lvl="1" indent="-285750">
-              <a:buFont typeface="Arial" panose="020B0604020202020204" pitchFamily="34" charset="0"/>
-              <a:buChar char="•"/>
-            </a:pPr>
-            <a:r>
-              <a:rPr lang="ja-JP" altLang="en-US" dirty="0"/>
-              <a:t>試合日程 </a:t>
-            </a:r>
-            <a:r>
-              <a:rPr lang="en-US" altLang="ja-JP" dirty="0"/>
-              <a:t>(</a:t>
-            </a:r>
-            <a:r>
-              <a:rPr lang="ja-JP" altLang="en-US" dirty="0"/>
-              <a:t>年</a:t>
-            </a:r>
-            <a:r>
-              <a:rPr lang="en-US" altLang="ja-JP" dirty="0"/>
-              <a:t>,</a:t>
-            </a:r>
-            <a:r>
-              <a:rPr lang="ja-JP" altLang="en-US" dirty="0"/>
-              <a:t>月</a:t>
-            </a:r>
-            <a:r>
-              <a:rPr lang="en-US" altLang="ja-JP" dirty="0"/>
-              <a:t>,</a:t>
-            </a:r>
-            <a:r>
-              <a:rPr lang="ja-JP" altLang="en-US" dirty="0"/>
-              <a:t>日</a:t>
-            </a:r>
-            <a:r>
-              <a:rPr lang="en-US" altLang="ja-JP" dirty="0"/>
-              <a:t>)</a:t>
-            </a:r>
-          </a:p>
-          <a:p>
-            <a:pPr marL="742950" lvl="1" indent="-285750">
-              <a:buFont typeface="Arial" panose="020B0604020202020204" pitchFamily="34" charset="0"/>
-              <a:buChar char="•"/>
-            </a:pPr>
-            <a:r>
-              <a:rPr lang="ja-JP" altLang="en-US" dirty="0"/>
-              <a:t>勝敗</a:t>
-            </a:r>
-          </a:p>
-          <a:p>
-            <a:pPr marL="742950" lvl="1" indent="-285750">
-              <a:buFont typeface="Arial" panose="020B0604020202020204" pitchFamily="34" charset="0"/>
-              <a:buChar char="•"/>
-            </a:pPr>
-            <a:r>
-              <a:rPr lang="ja-JP" altLang="en-US" dirty="0"/>
-              <a:t>スコア</a:t>
-            </a:r>
-          </a:p>
-          <a:p>
-            <a:pPr marL="742950" lvl="1" indent="-285750">
-              <a:buFont typeface="Arial" panose="020B0604020202020204" pitchFamily="34" charset="0"/>
-              <a:buChar char="•"/>
-            </a:pPr>
-            <a:r>
-              <a:rPr lang="ja-JP" altLang="en-US" dirty="0"/>
-              <a:t>対戦相手</a:t>
-            </a:r>
-          </a:p>
-          <a:p>
-            <a:pPr marL="742950" lvl="1" indent="-285750">
-              <a:buFont typeface="Arial" panose="020B0604020202020204" pitchFamily="34" charset="0"/>
-              <a:buChar char="•"/>
-            </a:pPr>
-            <a:r>
-              <a:rPr lang="ja-JP" altLang="en-US" dirty="0"/>
-              <a:t>先発投手</a:t>
-            </a:r>
-            <a:endParaRPr lang="en-US" altLang="ja-JP" dirty="0"/>
-          </a:p>
-          <a:p>
-            <a:pPr marL="285750" indent="-285750">
-              <a:buFont typeface="Arial" panose="020B0604020202020204" pitchFamily="34" charset="0"/>
-              <a:buChar char="•"/>
-            </a:pPr>
-            <a:endParaRPr lang="en-US" altLang="ja-JP" dirty="0"/>
-          </a:p>
-        </p:txBody>
-      </p:sp>
-      <p:pic>
-        <p:nvPicPr>
-          <p:cNvPr id="13" name="図 12">
-            <a:extLst>
-              <a:ext uri="{FF2B5EF4-FFF2-40B4-BE49-F238E27FC236}">
-                <a16:creationId xmlns:a16="http://schemas.microsoft.com/office/drawing/2014/main" id="{2E1534C5-7C38-44D6-4645-906FF5001454}"/>
-              </a:ext>
-            </a:extLst>
-          </p:cNvPr>
-          <p:cNvPicPr>
-            <a:picLocks noChangeAspect="1"/>
-          </p:cNvPicPr>
-          <p:nvPr/>
-        </p:nvPicPr>
-        <p:blipFill>
-          <a:blip r:embed="rId2"/>
-          <a:stretch>
-            <a:fillRect/>
-          </a:stretch>
-        </p:blipFill>
-        <p:spPr>
-          <a:xfrm>
-            <a:off x="4833118" y="3337225"/>
-            <a:ext cx="4096715" cy="2876690"/>
-          </a:xfrm>
-          <a:prstGeom prst="rect">
-            <a:avLst/>
-          </a:prstGeom>
-        </p:spPr>
-      </p:pic>
-      <p:pic>
-        <p:nvPicPr>
-          <p:cNvPr id="15" name="図 14">
-            <a:extLst>
-              <a:ext uri="{FF2B5EF4-FFF2-40B4-BE49-F238E27FC236}">
-                <a16:creationId xmlns:a16="http://schemas.microsoft.com/office/drawing/2014/main" id="{BAB95228-6144-F007-3FBD-821AA97EB37A}"/>
-              </a:ext>
-            </a:extLst>
-          </p:cNvPr>
-          <p:cNvPicPr>
-            <a:picLocks noChangeAspect="1"/>
-          </p:cNvPicPr>
-          <p:nvPr/>
-        </p:nvPicPr>
-        <p:blipFill>
-          <a:blip r:embed="rId3"/>
-          <a:stretch>
-            <a:fillRect/>
-          </a:stretch>
-        </p:blipFill>
-        <p:spPr>
-          <a:xfrm>
-            <a:off x="9256548" y="3619179"/>
-            <a:ext cx="2627409" cy="2545303"/>
-          </a:xfrm>
-          <a:prstGeom prst="rect">
-            <a:avLst/>
-          </a:prstGeom>
-        </p:spPr>
-      </p:pic>
-    </p:spTree>
-    <p:extLst>
-      <p:ext uri="{BB962C8B-B14F-4D97-AF65-F5344CB8AC3E}">
-        <p14:creationId xmlns:p14="http://schemas.microsoft.com/office/powerpoint/2010/main" val="3838502865"/>
-      </p:ext>
-    </p:extLst>
-  </p:cSld>
-  <p:clrMapOvr>
-    <a:masterClrMapping/>
-  </p:clrMapOvr>
-</p:sld>
-</file>
-
-<file path=ppt/slides/slide4.xml><?xml version="1.0" encoding="utf-8"?>
-<p:sld xmlns:a="http://schemas.openxmlformats.org/drawingml/2006/main" xmlns:r="http://schemas.openxmlformats.org/officeDocument/2006/relationships" xmlns:p="http://schemas.openxmlformats.org/presentationml/2006/main">
-  <p:cSld>
-    <p:spTree>
-      <p:nvGrpSpPr>
-        <p:cNvPr id="1" name=""/>
-        <p:cNvGrpSpPr/>
-        <p:nvPr/>
-      </p:nvGrpSpPr>
-      <p:grpSpPr>
-        <a:xfrm>
-          <a:off x="0" y="0"/>
-          <a:ext cx="0" cy="0"/>
-          <a:chOff x="0" y="0"/>
-          <a:chExt cx="0" cy="0"/>
-        </a:xfrm>
-      </p:grpSpPr>
-      <p:sp>
-        <p:nvSpPr>
-          <p:cNvPr id="2" name="タイトル 1">
-            <a:extLst>
-              <a:ext uri="{FF2B5EF4-FFF2-40B4-BE49-F238E27FC236}">
-                <a16:creationId xmlns:a16="http://schemas.microsoft.com/office/drawing/2014/main" id="{30C32C52-D88C-0B19-122A-683647952DD9}"/>
-              </a:ext>
-            </a:extLst>
-          </p:cNvPr>
-          <p:cNvSpPr>
-            <a:spLocks noGrp="1"/>
-          </p:cNvSpPr>
-          <p:nvPr>
-            <p:ph type="title"/>
-          </p:nvPr>
-        </p:nvSpPr>
-        <p:spPr/>
-        <p:txBody>
-          <a:bodyPr/>
-          <a:lstStyle/>
-          <a:p>
-            <a:r>
-              <a:rPr kumimoji="1" lang="en-US" altLang="ja-JP" dirty="0">
-                <a:solidFill>
-                  <a:schemeClr val="accent6"/>
-                </a:solidFill>
-              </a:rPr>
-              <a:t>2. </a:t>
-            </a:r>
-            <a:r>
-              <a:rPr kumimoji="1" lang="ja-JP" altLang="en-US" dirty="0"/>
-              <a:t>データの概要：データの取り込み</a:t>
-            </a:r>
-          </a:p>
-        </p:txBody>
-      </p:sp>
-      <p:sp>
-        <p:nvSpPr>
-          <p:cNvPr id="3" name="コンテンツ プレースホルダー 2">
-            <a:extLst>
-              <a:ext uri="{FF2B5EF4-FFF2-40B4-BE49-F238E27FC236}">
-                <a16:creationId xmlns:a16="http://schemas.microsoft.com/office/drawing/2014/main" id="{83A8CE4A-6060-2B2E-1514-80337BDF5964}"/>
-              </a:ext>
-            </a:extLst>
-          </p:cNvPr>
-          <p:cNvSpPr>
-            <a:spLocks noGrp="1"/>
-          </p:cNvSpPr>
-          <p:nvPr>
-            <p:ph sz="quarter" idx="13"/>
-          </p:nvPr>
-        </p:nvSpPr>
-        <p:spPr/>
-        <p:txBody>
-          <a:bodyPr/>
-          <a:lstStyle/>
-          <a:p>
-            <a:pPr marL="285750" indent="-285750">
-              <a:buFont typeface="Arial" panose="020B0604020202020204" pitchFamily="34" charset="0"/>
-              <a:buChar char="•"/>
-            </a:pPr>
-            <a:r>
-              <a:rPr kumimoji="1" lang="en-US" altLang="ja-JP" dirty="0"/>
-              <a:t>Pandas</a:t>
-            </a:r>
-            <a:r>
-              <a:rPr kumimoji="1" lang="ja-JP" altLang="en-US" dirty="0"/>
-              <a:t>の</a:t>
-            </a:r>
-            <a:r>
-              <a:rPr kumimoji="1" lang="en-US" altLang="ja-JP" dirty="0"/>
-              <a:t>`</a:t>
-            </a:r>
-            <a:r>
-              <a:rPr lang="en-US" altLang="ja-JP" b="0" dirty="0" err="1">
-                <a:solidFill>
-                  <a:srgbClr val="DCDCAA"/>
-                </a:solidFill>
-                <a:effectLst/>
-                <a:highlight>
-                  <a:srgbClr val="1F1F1F"/>
-                </a:highlight>
-                <a:latin typeface="Consolas" panose="020B0609020204030204" pitchFamily="49" charset="0"/>
-              </a:rPr>
-              <a:t>read_html</a:t>
-            </a:r>
-            <a:r>
-              <a:rPr kumimoji="1" lang="en-US" altLang="ja-JP" dirty="0"/>
-              <a:t>`</a:t>
-            </a:r>
-            <a:r>
-              <a:rPr kumimoji="1" lang="ja-JP" altLang="en-US" dirty="0"/>
-              <a:t>関数により、</a:t>
-            </a:r>
-            <a:r>
-              <a:rPr kumimoji="1" lang="en-US" altLang="ja-JP" dirty="0"/>
-              <a:t>Web</a:t>
-            </a:r>
-            <a:r>
-              <a:rPr kumimoji="1" lang="ja-JP" altLang="en-US" dirty="0"/>
-              <a:t>上からダウンロードした。</a:t>
-            </a:r>
-            <a:endParaRPr kumimoji="1" lang="en-US" altLang="ja-JP" dirty="0"/>
-          </a:p>
-          <a:p>
-            <a:pPr marL="285750" indent="-285750">
-              <a:buFont typeface="Arial" panose="020B0604020202020204" pitchFamily="34" charset="0"/>
-              <a:buChar char="•"/>
-            </a:pPr>
-            <a:r>
-              <a:rPr lang="ja-JP" altLang="en-US" dirty="0"/>
-              <a:t>年ごとに</a:t>
-            </a:r>
-            <a:r>
-              <a:rPr lang="en-US" altLang="ja-JP" dirty="0"/>
-              <a:t>URL</a:t>
-            </a:r>
-            <a:r>
-              <a:rPr lang="ja-JP" altLang="en-US" dirty="0"/>
-              <a:t>が異なるため、繰り返し処理で年度を変えて取得、その後一元化した。</a:t>
-            </a:r>
-            <a:endParaRPr kumimoji="1" lang="ja-JP" altLang="en-US" dirty="0"/>
-          </a:p>
-        </p:txBody>
-      </p:sp>
-      <p:pic>
-        <p:nvPicPr>
-          <p:cNvPr id="6" name="図 5">
-            <a:extLst>
-              <a:ext uri="{FF2B5EF4-FFF2-40B4-BE49-F238E27FC236}">
-                <a16:creationId xmlns:a16="http://schemas.microsoft.com/office/drawing/2014/main" id="{6BBC4B8A-7FEE-BF8A-3BEB-37D5B96E4B24}"/>
-              </a:ext>
-            </a:extLst>
-          </p:cNvPr>
-          <p:cNvPicPr>
-            <a:picLocks noChangeAspect="1"/>
-          </p:cNvPicPr>
-          <p:nvPr/>
-        </p:nvPicPr>
-        <p:blipFill>
-          <a:blip r:embed="rId2"/>
-          <a:stretch>
-            <a:fillRect/>
-          </a:stretch>
-        </p:blipFill>
-        <p:spPr>
-          <a:xfrm>
-            <a:off x="732818" y="3113334"/>
-            <a:ext cx="5758776" cy="3001715"/>
-          </a:xfrm>
-          <a:prstGeom prst="rect">
-            <a:avLst/>
-          </a:prstGeom>
-        </p:spPr>
-      </p:pic>
-      <p:pic>
-        <p:nvPicPr>
-          <p:cNvPr id="8" name="図 7">
-            <a:extLst>
-              <a:ext uri="{FF2B5EF4-FFF2-40B4-BE49-F238E27FC236}">
-                <a16:creationId xmlns:a16="http://schemas.microsoft.com/office/drawing/2014/main" id="{E9068153-758B-C12F-C422-7F6B8D70ECCE}"/>
-              </a:ext>
-            </a:extLst>
-          </p:cNvPr>
-          <p:cNvPicPr>
-            <a:picLocks noChangeAspect="1"/>
-          </p:cNvPicPr>
-          <p:nvPr/>
-        </p:nvPicPr>
-        <p:blipFill>
-          <a:blip r:embed="rId3"/>
-          <a:stretch>
-            <a:fillRect/>
-          </a:stretch>
-        </p:blipFill>
-        <p:spPr>
-          <a:xfrm>
-            <a:off x="6551466" y="3660684"/>
-            <a:ext cx="5144080" cy="1807851"/>
-          </a:xfrm>
-          <a:prstGeom prst="rect">
-            <a:avLst/>
-          </a:prstGeom>
-        </p:spPr>
-      </p:pic>
-    </p:spTree>
-    <p:extLst>
-      <p:ext uri="{BB962C8B-B14F-4D97-AF65-F5344CB8AC3E}">
-        <p14:creationId xmlns:p14="http://schemas.microsoft.com/office/powerpoint/2010/main" val="1580404797"/>
-      </p:ext>
-    </p:extLst>
-  </p:cSld>
-  <p:clrMapOvr>
-    <a:masterClrMapping/>
-  </p:clrMapOvr>
-</p:sld>
-</file>
-
-<file path=ppt/slides/slide5.xml><?xml version="1.0" encoding="utf-8"?>
-<p:sld xmlns:a="http://schemas.openxmlformats.org/drawingml/2006/main" xmlns:r="http://schemas.openxmlformats.org/officeDocument/2006/relationships" xmlns:p="http://schemas.openxmlformats.org/presentationml/2006/main">
-  <p:cSld>
-    <p:spTree>
-      <p:nvGrpSpPr>
-        <p:cNvPr id="1" name=""/>
-        <p:cNvGrpSpPr/>
-        <p:nvPr/>
-      </p:nvGrpSpPr>
-      <p:grpSpPr>
-        <a:xfrm>
-          <a:off x="0" y="0"/>
-          <a:ext cx="0" cy="0"/>
-          <a:chOff x="0" y="0"/>
-          <a:chExt cx="0" cy="0"/>
-        </a:xfrm>
-      </p:grpSpPr>
-      <p:sp>
-        <p:nvSpPr>
-          <p:cNvPr id="2" name="タイトル 1">
-            <a:extLst>
-              <a:ext uri="{FF2B5EF4-FFF2-40B4-BE49-F238E27FC236}">
-                <a16:creationId xmlns:a16="http://schemas.microsoft.com/office/drawing/2014/main" id="{30C32C52-D88C-0B19-122A-683647952DD9}"/>
-              </a:ext>
-            </a:extLst>
-          </p:cNvPr>
-          <p:cNvSpPr>
-            <a:spLocks noGrp="1"/>
-          </p:cNvSpPr>
-          <p:nvPr>
-            <p:ph type="title"/>
-          </p:nvPr>
-        </p:nvSpPr>
-        <p:spPr/>
-        <p:txBody>
-          <a:bodyPr/>
-          <a:lstStyle/>
-          <a:p>
-            <a:r>
-              <a:rPr kumimoji="1" lang="en-US" altLang="ja-JP" dirty="0">
-                <a:solidFill>
-                  <a:schemeClr val="accent6"/>
-                </a:solidFill>
-              </a:rPr>
-              <a:t>2. </a:t>
-            </a:r>
-            <a:r>
-              <a:rPr kumimoji="1" lang="ja-JP" altLang="en-US" dirty="0"/>
-              <a:t>データの概要：データ概要</a:t>
-            </a:r>
-          </a:p>
-        </p:txBody>
-      </p:sp>
-      <p:sp>
-        <p:nvSpPr>
-          <p:cNvPr id="3" name="コンテンツ プレースホルダー 2">
-            <a:extLst>
-              <a:ext uri="{FF2B5EF4-FFF2-40B4-BE49-F238E27FC236}">
-                <a16:creationId xmlns:a16="http://schemas.microsoft.com/office/drawing/2014/main" id="{83A8CE4A-6060-2B2E-1514-80337BDF5964}"/>
-              </a:ext>
-            </a:extLst>
-          </p:cNvPr>
-          <p:cNvSpPr>
-            <a:spLocks noGrp="1"/>
-          </p:cNvSpPr>
-          <p:nvPr>
-            <p:ph sz="quarter" idx="13"/>
-          </p:nvPr>
-        </p:nvSpPr>
-        <p:spPr>
-          <a:xfrm>
-            <a:off x="533401" y="1381126"/>
-            <a:ext cx="11125200" cy="4733924"/>
-          </a:xfrm>
-        </p:spPr>
-        <p:txBody>
-          <a:bodyPr/>
-          <a:lstStyle/>
-          <a:p>
-            <a:pPr marL="285750" indent="-285750">
-              <a:buFont typeface="Arial" panose="020B0604020202020204" pitchFamily="34" charset="0"/>
-              <a:buChar char="•"/>
-            </a:pPr>
-            <a:r>
-              <a:rPr kumimoji="1" lang="ja-JP" altLang="en-US" dirty="0"/>
-              <a:t>今回使用するデータセットのデータ数については下記のような分布になっている。</a:t>
-            </a:r>
-          </a:p>
-        </p:txBody>
-      </p:sp>
-      <p:pic>
-        <p:nvPicPr>
-          <p:cNvPr id="5" name="図 4">
-            <a:extLst>
-              <a:ext uri="{FF2B5EF4-FFF2-40B4-BE49-F238E27FC236}">
-                <a16:creationId xmlns:a16="http://schemas.microsoft.com/office/drawing/2014/main" id="{5B203994-DAE7-5C5E-6B55-7ABD10AEB48D}"/>
-              </a:ext>
-            </a:extLst>
-          </p:cNvPr>
-          <p:cNvPicPr>
-            <a:picLocks noChangeAspect="1"/>
-          </p:cNvPicPr>
-          <p:nvPr/>
-        </p:nvPicPr>
-        <p:blipFill>
-          <a:blip r:embed="rId2"/>
-          <a:stretch>
-            <a:fillRect/>
-          </a:stretch>
-        </p:blipFill>
-        <p:spPr>
-          <a:xfrm>
-            <a:off x="642026" y="1799846"/>
-            <a:ext cx="3281120" cy="2525721"/>
-          </a:xfrm>
-          <a:prstGeom prst="rect">
-            <a:avLst/>
-          </a:prstGeom>
-        </p:spPr>
-      </p:pic>
-      <p:pic>
-        <p:nvPicPr>
-          <p:cNvPr id="9" name="図 8">
-            <a:extLst>
-              <a:ext uri="{FF2B5EF4-FFF2-40B4-BE49-F238E27FC236}">
-                <a16:creationId xmlns:a16="http://schemas.microsoft.com/office/drawing/2014/main" id="{61C8C29D-A58B-2410-81E0-DCB2F650FFF8}"/>
-              </a:ext>
-            </a:extLst>
-          </p:cNvPr>
-          <p:cNvPicPr>
-            <a:picLocks noChangeAspect="1"/>
-          </p:cNvPicPr>
-          <p:nvPr/>
-        </p:nvPicPr>
-        <p:blipFill>
-          <a:blip r:embed="rId3"/>
-          <a:stretch>
-            <a:fillRect/>
-          </a:stretch>
-        </p:blipFill>
-        <p:spPr>
-          <a:xfrm>
-            <a:off x="4388452" y="1799845"/>
-            <a:ext cx="3222151" cy="2525721"/>
-          </a:xfrm>
-          <a:prstGeom prst="rect">
-            <a:avLst/>
-          </a:prstGeom>
-        </p:spPr>
-      </p:pic>
-      <p:pic>
-        <p:nvPicPr>
-          <p:cNvPr id="11" name="図 10">
-            <a:extLst>
-              <a:ext uri="{FF2B5EF4-FFF2-40B4-BE49-F238E27FC236}">
-                <a16:creationId xmlns:a16="http://schemas.microsoft.com/office/drawing/2014/main" id="{04E79C9B-EBD5-BF60-7639-77D15A8D4473}"/>
-              </a:ext>
-            </a:extLst>
-          </p:cNvPr>
-          <p:cNvPicPr>
-            <a:picLocks noChangeAspect="1"/>
-          </p:cNvPicPr>
-          <p:nvPr/>
-        </p:nvPicPr>
-        <p:blipFill>
-          <a:blip r:embed="rId4"/>
-          <a:stretch>
-            <a:fillRect/>
-          </a:stretch>
-        </p:blipFill>
-        <p:spPr>
-          <a:xfrm>
-            <a:off x="8045020" y="1799845"/>
-            <a:ext cx="3179164" cy="2525721"/>
-          </a:xfrm>
-          <a:prstGeom prst="rect">
-            <a:avLst/>
-          </a:prstGeom>
-        </p:spPr>
-      </p:pic>
-      <p:pic>
-        <p:nvPicPr>
-          <p:cNvPr id="13" name="図 12">
-            <a:extLst>
-              <a:ext uri="{FF2B5EF4-FFF2-40B4-BE49-F238E27FC236}">
-                <a16:creationId xmlns:a16="http://schemas.microsoft.com/office/drawing/2014/main" id="{571BB25A-79E3-66E8-87CD-2BBD9CB40A83}"/>
-              </a:ext>
-            </a:extLst>
-          </p:cNvPr>
-          <p:cNvPicPr>
-            <a:picLocks noChangeAspect="1"/>
-          </p:cNvPicPr>
-          <p:nvPr/>
-        </p:nvPicPr>
-        <p:blipFill>
-          <a:blip r:embed="rId5"/>
-          <a:stretch>
-            <a:fillRect/>
-          </a:stretch>
-        </p:blipFill>
-        <p:spPr>
-          <a:xfrm>
-            <a:off x="2580901" y="4395086"/>
-            <a:ext cx="3113023" cy="2440179"/>
-          </a:xfrm>
-          <a:prstGeom prst="rect">
-            <a:avLst/>
-          </a:prstGeom>
-        </p:spPr>
-      </p:pic>
-      <p:pic>
-        <p:nvPicPr>
-          <p:cNvPr id="15" name="図 14">
-            <a:extLst>
-              <a:ext uri="{FF2B5EF4-FFF2-40B4-BE49-F238E27FC236}">
-                <a16:creationId xmlns:a16="http://schemas.microsoft.com/office/drawing/2014/main" id="{740743CB-E24A-61F8-EE7D-94CCC096D2C7}"/>
-              </a:ext>
-            </a:extLst>
-          </p:cNvPr>
-          <p:cNvPicPr>
-            <a:picLocks noChangeAspect="1"/>
-          </p:cNvPicPr>
-          <p:nvPr/>
-        </p:nvPicPr>
-        <p:blipFill>
-          <a:blip r:embed="rId6"/>
-          <a:stretch>
-            <a:fillRect/>
-          </a:stretch>
-        </p:blipFill>
-        <p:spPr>
-          <a:xfrm>
-            <a:off x="6221970" y="4395086"/>
-            <a:ext cx="3636736" cy="2334536"/>
-          </a:xfrm>
-          <a:prstGeom prst="rect">
-            <a:avLst/>
-          </a:prstGeom>
-        </p:spPr>
-      </p:pic>
-    </p:spTree>
-    <p:extLst>
-      <p:ext uri="{BB962C8B-B14F-4D97-AF65-F5344CB8AC3E}">
-        <p14:creationId xmlns:p14="http://schemas.microsoft.com/office/powerpoint/2010/main" val="1137678336"/>
-      </p:ext>
-    </p:extLst>
-  </p:cSld>
-  <p:clrMapOvr>
-    <a:masterClrMapping/>
-  </p:clrMapOvr>
-</p:sld>
-</file>
-
-<file path=ppt/slides/slide6.xml><?xml version="1.0" encoding="utf-8"?>
-<p:sld xmlns:a="http://schemas.openxmlformats.org/drawingml/2006/main" xmlns:r="http://schemas.openxmlformats.org/officeDocument/2006/relationships" xmlns:p="http://schemas.openxmlformats.org/presentationml/2006/main">
-  <p:cSld>
-    <p:spTree>
-      <p:nvGrpSpPr>
-        <p:cNvPr id="1" name=""/>
-        <p:cNvGrpSpPr/>
-        <p:nvPr/>
-      </p:nvGrpSpPr>
-      <p:grpSpPr>
-        <a:xfrm>
-          <a:off x="0" y="0"/>
-          <a:ext cx="0" cy="0"/>
-          <a:chOff x="0" y="0"/>
-          <a:chExt cx="0" cy="0"/>
-        </a:xfrm>
-      </p:grpSpPr>
-      <p:sp>
-        <p:nvSpPr>
-          <p:cNvPr id="2" name="タイトル 1">
-            <a:extLst>
-              <a:ext uri="{FF2B5EF4-FFF2-40B4-BE49-F238E27FC236}">
-                <a16:creationId xmlns:a16="http://schemas.microsoft.com/office/drawing/2014/main" id="{73723481-8627-CB4D-81B0-B488EA791718}"/>
-              </a:ext>
-            </a:extLst>
-          </p:cNvPr>
-          <p:cNvSpPr>
-            <a:spLocks noGrp="1"/>
-          </p:cNvSpPr>
-          <p:nvPr>
-            <p:ph type="title"/>
-          </p:nvPr>
-        </p:nvSpPr>
-        <p:spPr/>
-        <p:txBody>
-          <a:bodyPr>
-            <a:normAutofit/>
-          </a:bodyPr>
-          <a:lstStyle/>
-          <a:p>
-            <a:r>
-              <a:rPr kumimoji="1" lang="en-US" altLang="ja-JP" dirty="0">
-                <a:solidFill>
-                  <a:schemeClr val="accent6"/>
-                </a:solidFill>
-              </a:rPr>
-              <a:t>2. </a:t>
-            </a:r>
-            <a:r>
-              <a:rPr kumimoji="1" lang="ja-JP" altLang="en-US" dirty="0"/>
-              <a:t>データの概要：訓練・テスト別</a:t>
-            </a:r>
-          </a:p>
-        </p:txBody>
-      </p:sp>
-      <p:sp>
-        <p:nvSpPr>
-          <p:cNvPr id="3" name="コンテンツ プレースホルダー 2">
-            <a:extLst>
-              <a:ext uri="{FF2B5EF4-FFF2-40B4-BE49-F238E27FC236}">
-                <a16:creationId xmlns:a16="http://schemas.microsoft.com/office/drawing/2014/main" id="{563DA75C-FFE1-9EED-5832-BDB659CCE318}"/>
-              </a:ext>
-            </a:extLst>
-          </p:cNvPr>
-          <p:cNvSpPr>
-            <a:spLocks noGrp="1"/>
-          </p:cNvSpPr>
-          <p:nvPr>
-            <p:ph sz="quarter" idx="13"/>
-          </p:nvPr>
-        </p:nvSpPr>
-        <p:spPr>
-          <a:xfrm>
-            <a:off x="533401" y="1557288"/>
-            <a:ext cx="11125200" cy="4557761"/>
-          </a:xfrm>
-        </p:spPr>
-        <p:txBody>
-          <a:bodyPr/>
-          <a:lstStyle/>
-          <a:p>
-            <a:pPr marL="285750" indent="-285750">
-              <a:buFont typeface="Arial" panose="020B0604020202020204" pitchFamily="34" charset="0"/>
-              <a:buChar char="•"/>
-            </a:pPr>
-            <a:r>
-              <a:rPr kumimoji="1" lang="ja-JP" altLang="en-US" dirty="0"/>
-              <a:t>訓練用データとテストデータの分割割合は、</a:t>
-            </a:r>
-            <a:r>
-              <a:rPr kumimoji="1" lang="en-US" altLang="ja-JP" dirty="0"/>
-              <a:t>8:2</a:t>
-            </a:r>
-            <a:r>
-              <a:rPr kumimoji="1" lang="ja-JP" altLang="en-US" dirty="0"/>
-              <a:t>として分割した。</a:t>
-            </a:r>
-          </a:p>
-        </p:txBody>
-      </p:sp>
-      <p:pic>
-        <p:nvPicPr>
-          <p:cNvPr id="5" name="図 4">
-            <a:extLst>
-              <a:ext uri="{FF2B5EF4-FFF2-40B4-BE49-F238E27FC236}">
-                <a16:creationId xmlns:a16="http://schemas.microsoft.com/office/drawing/2014/main" id="{B167D483-93FA-A7D2-7C05-5BAECFFE23CF}"/>
-              </a:ext>
-            </a:extLst>
-          </p:cNvPr>
-          <p:cNvPicPr>
-            <a:picLocks noChangeAspect="1"/>
-          </p:cNvPicPr>
-          <p:nvPr/>
-        </p:nvPicPr>
-        <p:blipFill>
-          <a:blip r:embed="rId2"/>
-          <a:stretch>
-            <a:fillRect/>
-          </a:stretch>
-        </p:blipFill>
-        <p:spPr>
-          <a:xfrm>
-            <a:off x="947953" y="1998035"/>
-            <a:ext cx="3105583" cy="714475"/>
-          </a:xfrm>
-          <a:prstGeom prst="rect">
-            <a:avLst/>
-          </a:prstGeom>
-        </p:spPr>
-      </p:pic>
-      <p:sp>
-        <p:nvSpPr>
-          <p:cNvPr id="6" name="四角形: 角を丸くする 5">
-            <a:extLst>
-              <a:ext uri="{FF2B5EF4-FFF2-40B4-BE49-F238E27FC236}">
-                <a16:creationId xmlns:a16="http://schemas.microsoft.com/office/drawing/2014/main" id="{62CD721C-3ADB-2FD1-3021-CA5398B2E76A}"/>
-              </a:ext>
-            </a:extLst>
-          </p:cNvPr>
-          <p:cNvSpPr/>
-          <p:nvPr/>
-        </p:nvSpPr>
-        <p:spPr>
-          <a:xfrm>
-            <a:off x="533399" y="2971800"/>
-            <a:ext cx="5562601" cy="3528097"/>
-          </a:xfrm>
-          <a:prstGeom prst="roundRect">
-            <a:avLst/>
-          </a:prstGeom>
-        </p:spPr>
-        <p:style>
-          <a:lnRef idx="2">
-            <a:schemeClr val="accent1"/>
-          </a:lnRef>
-          <a:fillRef idx="1">
-            <a:schemeClr val="lt1"/>
-          </a:fillRef>
-          <a:effectRef idx="0">
-            <a:schemeClr val="accent1"/>
-          </a:effectRef>
-          <a:fontRef idx="minor">
-            <a:schemeClr val="dk1"/>
-          </a:fontRef>
-        </p:style>
-        <p:txBody>
-          <a:bodyPr rtlCol="0" anchor="t"/>
-          <a:lstStyle/>
-          <a:p>
-            <a:pPr algn="ctr"/>
-            <a:r>
-              <a:rPr kumimoji="1" lang="ja-JP" altLang="en-US" dirty="0"/>
-              <a:t>訓練用データ</a:t>
-            </a:r>
-            <a:endParaRPr kumimoji="1" lang="en-US" altLang="ja-JP" dirty="0"/>
-          </a:p>
-        </p:txBody>
-      </p:sp>
-      <p:sp>
-        <p:nvSpPr>
-          <p:cNvPr id="7" name="四角形: 角を丸くする 6">
-            <a:extLst>
-              <a:ext uri="{FF2B5EF4-FFF2-40B4-BE49-F238E27FC236}">
-                <a16:creationId xmlns:a16="http://schemas.microsoft.com/office/drawing/2014/main" id="{7CB03179-EADA-10E4-DDF7-2767195EC3DF}"/>
-              </a:ext>
-            </a:extLst>
-          </p:cNvPr>
-          <p:cNvSpPr/>
-          <p:nvPr/>
-        </p:nvSpPr>
-        <p:spPr>
-          <a:xfrm>
-            <a:off x="6262254" y="2971800"/>
-            <a:ext cx="5756563" cy="3636817"/>
-          </a:xfrm>
-          <a:prstGeom prst="roundRect">
-            <a:avLst/>
-          </a:prstGeom>
-        </p:spPr>
-        <p:style>
-          <a:lnRef idx="2">
-            <a:schemeClr val="accent2"/>
-          </a:lnRef>
-          <a:fillRef idx="1">
-            <a:schemeClr val="lt1"/>
-          </a:fillRef>
-          <a:effectRef idx="0">
-            <a:schemeClr val="accent2"/>
-          </a:effectRef>
-          <a:fontRef idx="minor">
-            <a:schemeClr val="dk1"/>
-          </a:fontRef>
-        </p:style>
-        <p:txBody>
-          <a:bodyPr rtlCol="0" anchor="t"/>
-          <a:lstStyle/>
-          <a:p>
-            <a:pPr algn="ctr"/>
-            <a:r>
-              <a:rPr kumimoji="1" lang="ja-JP" altLang="en-US" dirty="0"/>
-              <a:t>テスト用データ</a:t>
-            </a:r>
-            <a:endParaRPr kumimoji="1" lang="en-US" altLang="ja-JP" dirty="0"/>
-          </a:p>
-        </p:txBody>
-      </p:sp>
-      <p:pic>
-        <p:nvPicPr>
-          <p:cNvPr id="10" name="図 9">
-            <a:extLst>
-              <a:ext uri="{FF2B5EF4-FFF2-40B4-BE49-F238E27FC236}">
-                <a16:creationId xmlns:a16="http://schemas.microsoft.com/office/drawing/2014/main" id="{1291C3E1-5205-E7E0-5A1F-70F260BBD0F3}"/>
-              </a:ext>
-            </a:extLst>
-          </p:cNvPr>
-          <p:cNvPicPr>
-            <a:picLocks noChangeAspect="1"/>
-          </p:cNvPicPr>
-          <p:nvPr/>
-        </p:nvPicPr>
-        <p:blipFill>
-          <a:blip r:embed="rId3"/>
-          <a:stretch>
-            <a:fillRect/>
-          </a:stretch>
-        </p:blipFill>
-        <p:spPr>
-          <a:xfrm>
-            <a:off x="3589295" y="4180775"/>
-            <a:ext cx="2182278" cy="1710604"/>
-          </a:xfrm>
-          <a:prstGeom prst="rect">
-            <a:avLst/>
-          </a:prstGeom>
-        </p:spPr>
-      </p:pic>
-      <p:pic>
-        <p:nvPicPr>
-          <p:cNvPr id="12" name="図 11">
-            <a:extLst>
-              <a:ext uri="{FF2B5EF4-FFF2-40B4-BE49-F238E27FC236}">
-                <a16:creationId xmlns:a16="http://schemas.microsoft.com/office/drawing/2014/main" id="{27B054A2-00F3-232C-D315-EE99CB144029}"/>
-              </a:ext>
-            </a:extLst>
-          </p:cNvPr>
-          <p:cNvPicPr>
-            <a:picLocks noChangeAspect="1"/>
-          </p:cNvPicPr>
-          <p:nvPr/>
-        </p:nvPicPr>
-        <p:blipFill>
-          <a:blip r:embed="rId4"/>
-          <a:stretch>
-            <a:fillRect/>
-          </a:stretch>
-        </p:blipFill>
-        <p:spPr>
-          <a:xfrm>
-            <a:off x="891457" y="4180775"/>
-            <a:ext cx="2536086" cy="1627994"/>
-          </a:xfrm>
-          <a:prstGeom prst="rect">
-            <a:avLst/>
-          </a:prstGeom>
-        </p:spPr>
-      </p:pic>
-      <p:pic>
-        <p:nvPicPr>
-          <p:cNvPr id="14" name="図 13">
-            <a:extLst>
-              <a:ext uri="{FF2B5EF4-FFF2-40B4-BE49-F238E27FC236}">
-                <a16:creationId xmlns:a16="http://schemas.microsoft.com/office/drawing/2014/main" id="{2AD67CEA-FB13-F402-FBD8-6618F4AEC21B}"/>
-              </a:ext>
-            </a:extLst>
-          </p:cNvPr>
-          <p:cNvPicPr>
-            <a:picLocks noChangeAspect="1"/>
-          </p:cNvPicPr>
-          <p:nvPr/>
-        </p:nvPicPr>
-        <p:blipFill>
-          <a:blip r:embed="rId5"/>
-          <a:stretch>
-            <a:fillRect/>
-          </a:stretch>
-        </p:blipFill>
-        <p:spPr>
-          <a:xfrm>
-            <a:off x="9510156" y="4180775"/>
-            <a:ext cx="2185390" cy="1739392"/>
-          </a:xfrm>
-          <a:prstGeom prst="rect">
-            <a:avLst/>
-          </a:prstGeom>
-        </p:spPr>
-      </p:pic>
-      <p:pic>
-        <p:nvPicPr>
-          <p:cNvPr id="16" name="図 15">
-            <a:extLst>
-              <a:ext uri="{FF2B5EF4-FFF2-40B4-BE49-F238E27FC236}">
-                <a16:creationId xmlns:a16="http://schemas.microsoft.com/office/drawing/2014/main" id="{E39A3F2C-F37E-863D-F9BF-670841839DDF}"/>
-              </a:ext>
-            </a:extLst>
-          </p:cNvPr>
-          <p:cNvPicPr>
-            <a:picLocks noChangeAspect="1"/>
-          </p:cNvPicPr>
-          <p:nvPr/>
-        </p:nvPicPr>
-        <p:blipFill>
-          <a:blip r:embed="rId6"/>
-          <a:stretch>
-            <a:fillRect/>
-          </a:stretch>
-        </p:blipFill>
-        <p:spPr>
-          <a:xfrm>
-            <a:off x="6560128" y="4180774"/>
-            <a:ext cx="2652154" cy="1718697"/>
-          </a:xfrm>
-          <a:prstGeom prst="rect">
-            <a:avLst/>
-          </a:prstGeom>
-        </p:spPr>
-      </p:pic>
-    </p:spTree>
-    <p:extLst>
-      <p:ext uri="{BB962C8B-B14F-4D97-AF65-F5344CB8AC3E}">
-        <p14:creationId xmlns:p14="http://schemas.microsoft.com/office/powerpoint/2010/main" val="3670998295"/>
-      </p:ext>
-    </p:extLst>
-  </p:cSld>
-  <p:clrMapOvr>
-    <a:masterClrMapping/>
-  </p:clrMapOvr>
-</p:sld>
-</file>
-
-<file path=ppt/slides/slide7.xml><?xml version="1.0" encoding="utf-8"?>
-<p:sld xmlns:a="http://schemas.openxmlformats.org/drawingml/2006/main" xmlns:r="http://schemas.openxmlformats.org/officeDocument/2006/relationships" xmlns:p="http://schemas.openxmlformats.org/presentationml/2006/main">
-  <p:cSld>
-    <p:spTree>
-      <p:nvGrpSpPr>
-        <p:cNvPr id="1" name=""/>
-        <p:cNvGrpSpPr/>
-        <p:nvPr/>
-      </p:nvGrpSpPr>
-      <p:grpSpPr>
-        <a:xfrm>
-          <a:off x="0" y="0"/>
-          <a:ext cx="0" cy="0"/>
-          <a:chOff x="0" y="0"/>
-          <a:chExt cx="0" cy="0"/>
-        </a:xfrm>
-      </p:grpSpPr>
-      <p:sp>
-        <p:nvSpPr>
-          <p:cNvPr id="2" name="タイトル 1">
-            <a:extLst>
-              <a:ext uri="{FF2B5EF4-FFF2-40B4-BE49-F238E27FC236}">
-                <a16:creationId xmlns:a16="http://schemas.microsoft.com/office/drawing/2014/main" id="{8C3B321C-F834-183E-F3A3-BE299EE8D7D5}"/>
-              </a:ext>
-            </a:extLst>
-          </p:cNvPr>
-          <p:cNvSpPr>
-            <a:spLocks noGrp="1"/>
-          </p:cNvSpPr>
-          <p:nvPr>
-            <p:ph type="title"/>
-          </p:nvPr>
-        </p:nvSpPr>
-        <p:spPr/>
-        <p:txBody>
-          <a:bodyPr/>
-          <a:lstStyle/>
-          <a:p>
-            <a:r>
-              <a:rPr kumimoji="1" lang="en-US" altLang="ja-JP" dirty="0">
-                <a:solidFill>
-                  <a:schemeClr val="accent6"/>
-                </a:solidFill>
-              </a:rPr>
-              <a:t>3. </a:t>
-            </a:r>
-            <a:r>
-              <a:rPr kumimoji="1" lang="ja-JP" altLang="en-US" dirty="0"/>
-              <a:t>整形と前処理</a:t>
-            </a:r>
-          </a:p>
-        </p:txBody>
-      </p:sp>
-      <p:sp>
-        <p:nvSpPr>
-          <p:cNvPr id="3" name="コンテンツ プレースホルダー 2">
-            <a:extLst>
-              <a:ext uri="{FF2B5EF4-FFF2-40B4-BE49-F238E27FC236}">
-                <a16:creationId xmlns:a16="http://schemas.microsoft.com/office/drawing/2014/main" id="{786A9E2F-2D8B-4DBB-4141-CFFB381A25FE}"/>
-              </a:ext>
-            </a:extLst>
-          </p:cNvPr>
-          <p:cNvSpPr>
-            <a:spLocks noGrp="1"/>
-          </p:cNvSpPr>
-          <p:nvPr>
-            <p:ph sz="quarter" idx="13"/>
-          </p:nvPr>
-        </p:nvSpPr>
-        <p:spPr>
-          <a:xfrm>
-            <a:off x="533401" y="1440874"/>
-            <a:ext cx="11125200" cy="4674176"/>
-          </a:xfrm>
-        </p:spPr>
-        <p:txBody>
-          <a:bodyPr/>
-          <a:lstStyle/>
-          <a:p>
-            <a:pPr marL="285750" indent="-285750">
-              <a:buFont typeface="Arial" panose="020B0604020202020204" pitchFamily="34" charset="0"/>
-              <a:buChar char="•"/>
-            </a:pPr>
-            <a:r>
-              <a:rPr kumimoji="1" lang="ja-JP" altLang="en-US" dirty="0"/>
-              <a:t>中止ゲームについては、そのままでは欠損値として自動処理できなかったので、以下の修正を行った。</a:t>
-            </a:r>
-            <a:endParaRPr kumimoji="1" lang="en-US" altLang="ja-JP" dirty="0"/>
-          </a:p>
-          <a:p>
-            <a:pPr marL="742950" lvl="1" indent="-285750">
-              <a:buFont typeface="Arial" panose="020B0604020202020204" pitchFamily="34" charset="0"/>
-              <a:buChar char="•"/>
-            </a:pPr>
-            <a:r>
-              <a:rPr lang="ja-JP" altLang="en-US" dirty="0"/>
-              <a:t>勝敗   ：</a:t>
-            </a:r>
-            <a:r>
-              <a:rPr lang="en-US" altLang="ja-JP" dirty="0"/>
-              <a:t>’-’ </a:t>
-            </a:r>
-            <a:r>
-              <a:rPr lang="ja-JP" altLang="en-US" dirty="0"/>
-              <a:t>という値を、欠損値として扱い、</a:t>
-            </a:r>
-            <a:r>
-              <a:rPr lang="en-US" altLang="ja-JP" b="0" dirty="0" err="1">
-                <a:solidFill>
-                  <a:srgbClr val="4EC9B0"/>
-                </a:solidFill>
-                <a:effectLst/>
-                <a:highlight>
-                  <a:srgbClr val="1F1F1F"/>
-                </a:highlight>
-                <a:latin typeface="Consolas" panose="020B0609020204030204" pitchFamily="49" charset="0"/>
-              </a:rPr>
-              <a:t>np</a:t>
-            </a:r>
-            <a:r>
-              <a:rPr lang="en-US" altLang="ja-JP" b="0" dirty="0" err="1">
-                <a:solidFill>
-                  <a:srgbClr val="CCCCCC"/>
-                </a:solidFill>
-                <a:effectLst/>
-                <a:highlight>
-                  <a:srgbClr val="1F1F1F"/>
-                </a:highlight>
-                <a:latin typeface="Consolas" panose="020B0609020204030204" pitchFamily="49" charset="0"/>
-              </a:rPr>
-              <a:t>.</a:t>
-            </a:r>
-            <a:r>
-              <a:rPr lang="en-US" altLang="ja-JP" b="0" dirty="0" err="1">
-                <a:solidFill>
-                  <a:srgbClr val="9CDCFE"/>
-                </a:solidFill>
-                <a:effectLst/>
-                <a:highlight>
-                  <a:srgbClr val="1F1F1F"/>
-                </a:highlight>
-                <a:latin typeface="Consolas" panose="020B0609020204030204" pitchFamily="49" charset="0"/>
-              </a:rPr>
-              <a:t>nan</a:t>
-            </a:r>
-            <a:r>
-              <a:rPr lang="ja-JP" altLang="en-US" dirty="0"/>
-              <a:t>代入</a:t>
-            </a:r>
-            <a:endParaRPr lang="en-US" altLang="ja-JP" b="0" dirty="0">
-              <a:solidFill>
-                <a:srgbClr val="CCCCCC"/>
-              </a:solidFill>
-              <a:effectLst/>
-              <a:highlight>
-                <a:srgbClr val="1F1F1F"/>
-              </a:highlight>
-              <a:latin typeface="Consolas" panose="020B0609020204030204" pitchFamily="49" charset="0"/>
-            </a:endParaRPr>
-          </a:p>
-          <a:p>
-            <a:pPr marL="742950" lvl="1" indent="-285750">
-              <a:buFont typeface="Arial" panose="020B0604020202020204" pitchFamily="34" charset="0"/>
-              <a:buChar char="•"/>
-            </a:pPr>
-            <a:r>
-              <a:rPr kumimoji="1" lang="ja-JP" altLang="en-US" dirty="0"/>
-              <a:t>スコア：</a:t>
-            </a:r>
-            <a:r>
-              <a:rPr lang="en-US" altLang="ja-JP" dirty="0"/>
-              <a:t>’</a:t>
-            </a:r>
-            <a:r>
-              <a:rPr lang="ja-JP" altLang="en-US" dirty="0"/>
-              <a:t>中止</a:t>
-            </a:r>
-            <a:r>
-              <a:rPr lang="en-US" altLang="ja-JP" dirty="0"/>
-              <a:t>’</a:t>
-            </a:r>
-            <a:r>
-              <a:rPr lang="ja-JP" altLang="en-US" dirty="0"/>
-              <a:t>という値を、</a:t>
-            </a:r>
-            <a:r>
-              <a:rPr lang="en-US" altLang="ja-JP" dirty="0"/>
-              <a:t>〃</a:t>
-            </a:r>
-          </a:p>
-          <a:p>
-            <a:pPr marL="285750" indent="-285750">
-              <a:buFont typeface="Arial" panose="020B0604020202020204" pitchFamily="34" charset="0"/>
-              <a:buChar char="•"/>
-            </a:pPr>
-            <a:r>
-              <a:rPr kumimoji="1" lang="ja-JP" altLang="en-US" dirty="0"/>
-              <a:t>観客数のデータから、単位（人）を除去</a:t>
-            </a:r>
-            <a:endParaRPr kumimoji="1" lang="en-US" altLang="ja-JP" dirty="0"/>
-          </a:p>
-          <a:p>
-            <a:pPr marL="285750" indent="-285750">
-              <a:buFont typeface="Arial" panose="020B0604020202020204" pitchFamily="34" charset="0"/>
-              <a:buChar char="•"/>
-            </a:pPr>
-            <a:r>
-              <a:rPr kumimoji="1" lang="ja-JP" altLang="en-US" dirty="0"/>
-              <a:t>スコアを自軍スコアと相手スコアに分ける</a:t>
-            </a:r>
-            <a:endParaRPr kumimoji="1" lang="en-US" altLang="ja-JP" dirty="0"/>
-          </a:p>
-          <a:p>
-            <a:pPr marL="285750" indent="-285750">
-              <a:buFont typeface="Arial" panose="020B0604020202020204" pitchFamily="34" charset="0"/>
-              <a:buChar char="•"/>
-            </a:pPr>
-            <a:r>
-              <a:rPr kumimoji="1" lang="ja-JP" altLang="en-US" dirty="0"/>
-              <a:t>勝ち（○）</a:t>
-            </a:r>
-            <a:r>
-              <a:rPr kumimoji="1" lang="en-US" altLang="ja-JP" dirty="0"/>
-              <a:t>= true, </a:t>
-            </a:r>
-            <a:r>
-              <a:rPr kumimoji="1" lang="ja-JP" altLang="en-US" dirty="0"/>
-              <a:t>負け（●） </a:t>
-            </a:r>
-            <a:r>
-              <a:rPr kumimoji="1" lang="en-US" altLang="ja-JP" dirty="0"/>
-              <a:t>= false</a:t>
-            </a:r>
-            <a:r>
-              <a:rPr kumimoji="1" lang="ja-JP" altLang="en-US" dirty="0"/>
-              <a:t>としてエンコーディングする</a:t>
-            </a:r>
-            <a:endParaRPr kumimoji="1" lang="en-US" altLang="ja-JP" dirty="0"/>
-          </a:p>
-          <a:p>
-            <a:pPr marL="285750" indent="-285750">
-              <a:buFont typeface="Arial" panose="020B0604020202020204" pitchFamily="34" charset="0"/>
-              <a:buChar char="•"/>
-            </a:pPr>
-            <a:r>
-              <a:rPr kumimoji="1" lang="ja-JP" altLang="en-US" dirty="0"/>
-              <a:t>対戦相手と先発投手を</a:t>
-            </a:r>
-            <a:r>
-              <a:rPr kumimoji="1" lang="en-US" altLang="ja-JP" dirty="0"/>
-              <a:t>one-hot</a:t>
-            </a:r>
-            <a:r>
-              <a:rPr kumimoji="1" lang="ja-JP" altLang="en-US" dirty="0"/>
-              <a:t>エンコーディングする</a:t>
-            </a:r>
-            <a:endParaRPr kumimoji="1" lang="en-US" altLang="ja-JP" dirty="0"/>
-          </a:p>
-          <a:p>
-            <a:pPr marL="285750" indent="-285750">
-              <a:buFont typeface="Arial" panose="020B0604020202020204" pitchFamily="34" charset="0"/>
-              <a:buChar char="•"/>
-            </a:pPr>
-            <a:r>
-              <a:rPr lang="ja-JP" altLang="en-US" dirty="0"/>
-              <a:t>年、月、日、曜日、四半期のカラムを追加</a:t>
-            </a:r>
-            <a:endParaRPr kumimoji="1" lang="ja-JP" altLang="en-US" dirty="0"/>
-          </a:p>
-        </p:txBody>
-      </p:sp>
-      <p:pic>
-        <p:nvPicPr>
-          <p:cNvPr id="5" name="図 4">
-            <a:extLst>
-              <a:ext uri="{FF2B5EF4-FFF2-40B4-BE49-F238E27FC236}">
-                <a16:creationId xmlns:a16="http://schemas.microsoft.com/office/drawing/2014/main" id="{1B7B6676-7E66-BA37-41E1-671704EB0D2F}"/>
-              </a:ext>
-            </a:extLst>
-          </p:cNvPr>
-          <p:cNvPicPr>
-            <a:picLocks noChangeAspect="1"/>
-          </p:cNvPicPr>
-          <p:nvPr/>
-        </p:nvPicPr>
-        <p:blipFill>
-          <a:blip r:embed="rId2"/>
-          <a:stretch>
-            <a:fillRect/>
-          </a:stretch>
-        </p:blipFill>
-        <p:spPr>
-          <a:xfrm>
-            <a:off x="1223818" y="4435865"/>
-            <a:ext cx="9705109" cy="2303371"/>
-          </a:xfrm>
-          <a:prstGeom prst="rect">
-            <a:avLst/>
-          </a:prstGeom>
-        </p:spPr>
-      </p:pic>
-    </p:spTree>
-    <p:extLst>
-      <p:ext uri="{BB962C8B-B14F-4D97-AF65-F5344CB8AC3E}">
-        <p14:creationId xmlns:p14="http://schemas.microsoft.com/office/powerpoint/2010/main" val="405621275"/>
-      </p:ext>
-    </p:extLst>
-  </p:cSld>
-  <p:clrMapOvr>
-    <a:masterClrMapping/>
-  </p:clrMapOvr>
-</p:sld>
-</file>
-
-<file path=ppt/slides/slide8.xml><?xml version="1.0" encoding="utf-8"?>
-<p:sld xmlns:a="http://schemas.openxmlformats.org/drawingml/2006/main" xmlns:r="http://schemas.openxmlformats.org/officeDocument/2006/relationships" xmlns:p="http://schemas.openxmlformats.org/presentationml/2006/main">
-  <p:cSld>
-    <p:spTree>
-      <p:nvGrpSpPr>
-        <p:cNvPr id="1" name=""/>
-        <p:cNvGrpSpPr/>
-        <p:nvPr/>
-      </p:nvGrpSpPr>
-      <p:grpSpPr>
-        <a:xfrm>
-          <a:off x="0" y="0"/>
-          <a:ext cx="0" cy="0"/>
-          <a:chOff x="0" y="0"/>
-          <a:chExt cx="0" cy="0"/>
-        </a:xfrm>
-      </p:grpSpPr>
-      <p:sp>
-        <p:nvSpPr>
-          <p:cNvPr id="2" name="タイトル 1">
-            <a:extLst>
-              <a:ext uri="{FF2B5EF4-FFF2-40B4-BE49-F238E27FC236}">
-                <a16:creationId xmlns:a16="http://schemas.microsoft.com/office/drawing/2014/main" id="{9C4BF305-2084-601E-A745-8E912144BF92}"/>
-              </a:ext>
-            </a:extLst>
-          </p:cNvPr>
-          <p:cNvSpPr>
-            <a:spLocks noGrp="1"/>
-          </p:cNvSpPr>
-          <p:nvPr>
-            <p:ph type="title"/>
-          </p:nvPr>
-        </p:nvSpPr>
-        <p:spPr/>
-        <p:txBody>
-          <a:bodyPr/>
-          <a:lstStyle/>
-          <a:p>
-            <a:r>
-              <a:rPr kumimoji="1" lang="en-US" altLang="ja-JP" dirty="0">
-                <a:solidFill>
-                  <a:schemeClr val="accent6"/>
-                </a:solidFill>
-              </a:rPr>
-              <a:t>4. </a:t>
-            </a:r>
-            <a:r>
-              <a:rPr kumimoji="1" lang="ja-JP" altLang="en-US" dirty="0"/>
-              <a:t>使用したモデル</a:t>
-            </a:r>
-            <a:r>
-              <a:rPr kumimoji="1" lang="en-US" altLang="ja-JP" dirty="0"/>
-              <a:t> </a:t>
-            </a:r>
-            <a:endParaRPr kumimoji="1" lang="ja-JP" altLang="en-US" dirty="0"/>
-          </a:p>
-        </p:txBody>
-      </p:sp>
-      <p:sp>
-        <p:nvSpPr>
-          <p:cNvPr id="3" name="コンテンツ プレースホルダー 2">
-            <a:extLst>
-              <a:ext uri="{FF2B5EF4-FFF2-40B4-BE49-F238E27FC236}">
-                <a16:creationId xmlns:a16="http://schemas.microsoft.com/office/drawing/2014/main" id="{DC16D004-55E1-4E40-B806-62AD65867584}"/>
-              </a:ext>
-            </a:extLst>
-          </p:cNvPr>
-          <p:cNvSpPr>
-            <a:spLocks noGrp="1"/>
-          </p:cNvSpPr>
-          <p:nvPr>
-            <p:ph sz="quarter" idx="13"/>
-          </p:nvPr>
-        </p:nvSpPr>
-        <p:spPr/>
-        <p:txBody>
-          <a:bodyPr/>
-          <a:lstStyle/>
-          <a:p>
-            <a:pPr marL="285750" indent="-285750">
-              <a:buFont typeface="Arial" panose="020B0604020202020204" pitchFamily="34" charset="0"/>
-              <a:buChar char="•"/>
-            </a:pPr>
-            <a:r>
-              <a:rPr kumimoji="1" lang="ja-JP" altLang="en-US" dirty="0"/>
-              <a:t>決定木：</a:t>
-            </a:r>
-            <a:r>
-              <a:rPr lang="en-US" altLang="ja-JP" b="0" dirty="0">
-                <a:solidFill>
-                  <a:srgbClr val="4EC9B0"/>
-                </a:solidFill>
-                <a:effectLst/>
-                <a:highlight>
-                  <a:srgbClr val="1F1F1F"/>
-                </a:highlight>
-                <a:latin typeface="Consolas" panose="020B0609020204030204" pitchFamily="49" charset="0"/>
-              </a:rPr>
-              <a:t> </a:t>
-            </a:r>
-            <a:r>
-              <a:rPr lang="en-US" altLang="ja-JP" b="0" dirty="0" err="1">
-                <a:solidFill>
-                  <a:srgbClr val="4EC9B0"/>
-                </a:solidFill>
-                <a:effectLst/>
-                <a:highlight>
-                  <a:srgbClr val="1F1F1F"/>
-                </a:highlight>
-                <a:latin typeface="Consolas" panose="020B0609020204030204" pitchFamily="49" charset="0"/>
-              </a:rPr>
-              <a:t>DecisionTreeRegressor</a:t>
-            </a:r>
-            <a:r>
-              <a:rPr lang="en-US" altLang="ja-JP" b="0" dirty="0">
-                <a:solidFill>
-                  <a:srgbClr val="4EC9B0"/>
-                </a:solidFill>
-                <a:effectLst/>
-                <a:highlight>
-                  <a:srgbClr val="1F1F1F"/>
-                </a:highlight>
-                <a:latin typeface="Consolas" panose="020B0609020204030204" pitchFamily="49" charset="0"/>
-              </a:rPr>
-              <a:t> </a:t>
-            </a:r>
-            <a:endParaRPr kumimoji="1" lang="en-US" altLang="ja-JP" dirty="0"/>
-          </a:p>
-          <a:p>
-            <a:pPr marL="285750" indent="-285750">
-              <a:buFont typeface="Arial" panose="020B0604020202020204" pitchFamily="34" charset="0"/>
-              <a:buChar char="•"/>
-            </a:pPr>
-            <a:r>
-              <a:rPr kumimoji="1" lang="ja-JP" altLang="en-US" dirty="0"/>
-              <a:t>標準化と交差検証により適切なハイパーパラメータの探索を行い、精度向上を狙った。</a:t>
-            </a:r>
-            <a:endParaRPr kumimoji="1" lang="en-US" altLang="ja-JP" dirty="0"/>
-          </a:p>
-          <a:p>
-            <a:pPr marL="742950" lvl="1" indent="-285750">
-              <a:buFont typeface="Arial" panose="020B0604020202020204" pitchFamily="34" charset="0"/>
-              <a:buChar char="•"/>
-            </a:pPr>
-            <a:r>
-              <a:rPr kumimoji="1" lang="ja-JP" altLang="en-US" dirty="0"/>
-              <a:t>交差検証：</a:t>
-            </a:r>
-            <a:r>
-              <a:rPr lang="en-US" altLang="ja-JP" b="0" dirty="0">
-                <a:solidFill>
-                  <a:srgbClr val="4EC9B0"/>
-                </a:solidFill>
-                <a:effectLst/>
-                <a:highlight>
-                  <a:srgbClr val="1F1F1F"/>
-                </a:highlight>
-                <a:latin typeface="Consolas" panose="020B0609020204030204" pitchFamily="49" charset="0"/>
-              </a:rPr>
-              <a:t> </a:t>
-            </a:r>
-            <a:r>
-              <a:rPr lang="en-US" altLang="ja-JP" b="0" dirty="0" err="1">
-                <a:solidFill>
-                  <a:srgbClr val="4EC9B0"/>
-                </a:solidFill>
-                <a:effectLst/>
-                <a:highlight>
-                  <a:srgbClr val="1F1F1F"/>
-                </a:highlight>
-                <a:latin typeface="Consolas" panose="020B0609020204030204" pitchFamily="49" charset="0"/>
-              </a:rPr>
-              <a:t>GridSearchCV</a:t>
-            </a:r>
-            <a:r>
-              <a:rPr lang="en-US" altLang="ja-JP" b="0" dirty="0">
-                <a:solidFill>
-                  <a:srgbClr val="CCCCCC"/>
-                </a:solidFill>
-                <a:effectLst/>
-                <a:highlight>
-                  <a:srgbClr val="1F1F1F"/>
-                </a:highlight>
-                <a:latin typeface="Consolas" panose="020B0609020204030204" pitchFamily="49" charset="0"/>
-              </a:rPr>
-              <a:t>(…, </a:t>
-            </a:r>
-            <a:r>
-              <a:rPr lang="en-US" altLang="ja-JP" b="0" dirty="0">
-                <a:solidFill>
-                  <a:srgbClr val="9CDCFE"/>
-                </a:solidFill>
-                <a:effectLst/>
-                <a:highlight>
-                  <a:srgbClr val="1F1F1F"/>
-                </a:highlight>
-                <a:latin typeface="Consolas" panose="020B0609020204030204" pitchFamily="49" charset="0"/>
-              </a:rPr>
-              <a:t>cv</a:t>
-            </a:r>
-            <a:r>
-              <a:rPr lang="en-US" altLang="ja-JP" b="0" dirty="0">
-                <a:solidFill>
-                  <a:srgbClr val="D4D4D4"/>
-                </a:solidFill>
-                <a:effectLst/>
-                <a:highlight>
-                  <a:srgbClr val="1F1F1F"/>
-                </a:highlight>
-                <a:latin typeface="Consolas" panose="020B0609020204030204" pitchFamily="49" charset="0"/>
-              </a:rPr>
-              <a:t>=</a:t>
-            </a:r>
-            <a:r>
-              <a:rPr lang="en-US" altLang="ja-JP" b="0" dirty="0">
-                <a:solidFill>
-                  <a:srgbClr val="B5CEA8"/>
-                </a:solidFill>
-                <a:effectLst/>
-                <a:highlight>
-                  <a:srgbClr val="1F1F1F"/>
-                </a:highlight>
-                <a:latin typeface="Consolas" panose="020B0609020204030204" pitchFamily="49" charset="0"/>
-              </a:rPr>
-              <a:t>10</a:t>
-            </a:r>
-            <a:r>
-              <a:rPr lang="en-US" altLang="ja-JP" b="0" dirty="0">
-                <a:solidFill>
-                  <a:srgbClr val="CCCCCC"/>
-                </a:solidFill>
-                <a:effectLst/>
-                <a:highlight>
-                  <a:srgbClr val="1F1F1F"/>
-                </a:highlight>
-                <a:latin typeface="Consolas" panose="020B0609020204030204" pitchFamily="49" charset="0"/>
-              </a:rPr>
-              <a:t>, </a:t>
-            </a:r>
-            <a:r>
-              <a:rPr lang="en-US" altLang="ja-JP" b="0" dirty="0">
-                <a:solidFill>
-                  <a:srgbClr val="9CDCFE"/>
-                </a:solidFill>
-                <a:effectLst/>
-                <a:highlight>
-                  <a:srgbClr val="1F1F1F"/>
-                </a:highlight>
-                <a:latin typeface="Consolas" panose="020B0609020204030204" pitchFamily="49" charset="0"/>
-              </a:rPr>
-              <a:t>scoring</a:t>
-            </a:r>
-            <a:r>
-              <a:rPr lang="en-US" altLang="ja-JP" b="0" dirty="0">
-                <a:solidFill>
-                  <a:srgbClr val="D4D4D4"/>
-                </a:solidFill>
-                <a:effectLst/>
-                <a:highlight>
-                  <a:srgbClr val="1F1F1F"/>
-                </a:highlight>
-                <a:latin typeface="Consolas" panose="020B0609020204030204" pitchFamily="49" charset="0"/>
-              </a:rPr>
-              <a:t>=</a:t>
-            </a:r>
-            <a:r>
-              <a:rPr lang="en-US" altLang="ja-JP" b="0" dirty="0">
-                <a:solidFill>
-                  <a:srgbClr val="CE9178"/>
-                </a:solidFill>
-                <a:effectLst/>
-                <a:highlight>
-                  <a:srgbClr val="1F1F1F"/>
-                </a:highlight>
-                <a:latin typeface="Consolas" panose="020B0609020204030204" pitchFamily="49" charset="0"/>
-              </a:rPr>
-              <a:t>'r2'</a:t>
-            </a:r>
-            <a:r>
-              <a:rPr lang="en-US" altLang="ja-JP" b="0" dirty="0">
-                <a:solidFill>
-                  <a:srgbClr val="CCCCCC"/>
-                </a:solidFill>
-                <a:effectLst/>
-                <a:highlight>
-                  <a:srgbClr val="1F1F1F"/>
-                </a:highlight>
-                <a:latin typeface="Consolas" panose="020B0609020204030204" pitchFamily="49" charset="0"/>
-              </a:rPr>
-              <a:t>, </a:t>
-            </a:r>
-            <a:r>
-              <a:rPr lang="en-US" altLang="ja-JP" b="0" dirty="0" err="1">
-                <a:solidFill>
-                  <a:srgbClr val="9CDCFE"/>
-                </a:solidFill>
-                <a:effectLst/>
-                <a:highlight>
-                  <a:srgbClr val="1F1F1F"/>
-                </a:highlight>
-                <a:latin typeface="Consolas" panose="020B0609020204030204" pitchFamily="49" charset="0"/>
-              </a:rPr>
-              <a:t>n_jobs</a:t>
-            </a:r>
-            <a:r>
-              <a:rPr lang="en-US" altLang="ja-JP" b="0" dirty="0">
-                <a:solidFill>
-                  <a:srgbClr val="D4D4D4"/>
-                </a:solidFill>
-                <a:effectLst/>
-                <a:highlight>
-                  <a:srgbClr val="1F1F1F"/>
-                </a:highlight>
-                <a:latin typeface="Consolas" panose="020B0609020204030204" pitchFamily="49" charset="0"/>
-              </a:rPr>
-              <a:t>=-</a:t>
-            </a:r>
-            <a:r>
-              <a:rPr lang="en-US" altLang="ja-JP" b="0" dirty="0">
-                <a:solidFill>
-                  <a:srgbClr val="B5CEA8"/>
-                </a:solidFill>
-                <a:effectLst/>
-                <a:highlight>
-                  <a:srgbClr val="1F1F1F"/>
-                </a:highlight>
-                <a:latin typeface="Consolas" panose="020B0609020204030204" pitchFamily="49" charset="0"/>
-              </a:rPr>
-              <a:t>1</a:t>
-            </a:r>
-            <a:r>
-              <a:rPr lang="en-US" altLang="ja-JP" b="0" dirty="0">
-                <a:solidFill>
-                  <a:srgbClr val="CCCCCC"/>
-                </a:solidFill>
-                <a:effectLst/>
-                <a:highlight>
-                  <a:srgbClr val="1F1F1F"/>
-                </a:highlight>
-                <a:latin typeface="Consolas" panose="020B0609020204030204" pitchFamily="49" charset="0"/>
-              </a:rPr>
-              <a:t>)</a:t>
-            </a:r>
-            <a:endParaRPr kumimoji="1" lang="en-US" altLang="ja-JP" dirty="0"/>
-          </a:p>
-          <a:p>
-            <a:pPr marL="742950" lvl="1" indent="-285750">
-              <a:buFont typeface="Arial" panose="020B0604020202020204" pitchFamily="34" charset="0"/>
-              <a:buChar char="•"/>
-            </a:pPr>
-            <a:r>
-              <a:rPr kumimoji="1" lang="ja-JP" altLang="en-US" dirty="0"/>
-              <a:t>標準化   ：</a:t>
-            </a:r>
-            <a:r>
-              <a:rPr lang="en-US" altLang="ja-JP" b="0" dirty="0">
-                <a:solidFill>
-                  <a:srgbClr val="4EC9B0"/>
-                </a:solidFill>
-                <a:effectLst/>
-                <a:highlight>
-                  <a:srgbClr val="1F1F1F"/>
-                </a:highlight>
-                <a:latin typeface="Consolas" panose="020B0609020204030204" pitchFamily="49" charset="0"/>
-              </a:rPr>
-              <a:t> </a:t>
-            </a:r>
-            <a:r>
-              <a:rPr lang="en-US" altLang="ja-JP" b="0" dirty="0" err="1">
-                <a:solidFill>
-                  <a:srgbClr val="4EC9B0"/>
-                </a:solidFill>
-                <a:effectLst/>
-                <a:highlight>
-                  <a:srgbClr val="1F1F1F"/>
-                </a:highlight>
-                <a:latin typeface="Consolas" panose="020B0609020204030204" pitchFamily="49" charset="0"/>
-              </a:rPr>
-              <a:t>StandardScaler</a:t>
-            </a:r>
-            <a:endParaRPr lang="en-US" altLang="ja-JP" dirty="0"/>
-          </a:p>
-          <a:p>
-            <a:pPr marL="285750" indent="-285750">
-              <a:buFont typeface="Arial" panose="020B0604020202020204" pitchFamily="34" charset="0"/>
-              <a:buChar char="•"/>
-            </a:pPr>
-            <a:r>
-              <a:rPr kumimoji="1" lang="ja-JP" altLang="en-US" dirty="0"/>
-              <a:t>学習後に、学習過程を可視化して確認することで、過学習の有無を確認した。</a:t>
-            </a:r>
-          </a:p>
-        </p:txBody>
-      </p:sp>
-      <p:pic>
-        <p:nvPicPr>
-          <p:cNvPr id="5" name="図 4">
-            <a:extLst>
-              <a:ext uri="{FF2B5EF4-FFF2-40B4-BE49-F238E27FC236}">
-                <a16:creationId xmlns:a16="http://schemas.microsoft.com/office/drawing/2014/main" id="{9B81D4F7-1240-9C48-9FB7-D12F9A0B8BDD}"/>
-              </a:ext>
-            </a:extLst>
-          </p:cNvPr>
-          <p:cNvPicPr>
-            <a:picLocks noChangeAspect="1"/>
-          </p:cNvPicPr>
-          <p:nvPr/>
-        </p:nvPicPr>
-        <p:blipFill>
-          <a:blip r:embed="rId2">
-            <a:extLst>
-              <a:ext uri="{28A0092B-C50C-407E-A947-70E740481C1C}">
-                <a14:useLocalDpi xmlns:a14="http://schemas.microsoft.com/office/drawing/2010/main" val="0"/>
-              </a:ext>
-            </a:extLst>
-          </a:blip>
-          <a:srcRect/>
-          <a:stretch/>
-        </p:blipFill>
-        <p:spPr>
-          <a:xfrm>
-            <a:off x="1454728" y="3929493"/>
-            <a:ext cx="3636818" cy="2909455"/>
-          </a:xfrm>
-          <a:prstGeom prst="rect">
-            <a:avLst/>
-          </a:prstGeom>
-        </p:spPr>
-      </p:pic>
-      <p:pic>
-        <p:nvPicPr>
-          <p:cNvPr id="7" name="図 6">
-            <a:extLst>
-              <a:ext uri="{FF2B5EF4-FFF2-40B4-BE49-F238E27FC236}">
-                <a16:creationId xmlns:a16="http://schemas.microsoft.com/office/drawing/2014/main" id="{9E3B6111-7B29-7DAD-B047-F152BE555FBB}"/>
-              </a:ext>
-            </a:extLst>
-          </p:cNvPr>
-          <p:cNvPicPr>
-            <a:picLocks noChangeAspect="1"/>
-          </p:cNvPicPr>
-          <p:nvPr/>
-        </p:nvPicPr>
-        <p:blipFill>
-          <a:blip r:embed="rId3"/>
-          <a:stretch>
-            <a:fillRect/>
-          </a:stretch>
-        </p:blipFill>
-        <p:spPr>
-          <a:xfrm>
-            <a:off x="5226565" y="4869874"/>
-            <a:ext cx="6432034" cy="1245176"/>
-          </a:xfrm>
-          <a:prstGeom prst="rect">
-            <a:avLst/>
-          </a:prstGeom>
-        </p:spPr>
-      </p:pic>
-    </p:spTree>
-    <p:extLst>
-      <p:ext uri="{BB962C8B-B14F-4D97-AF65-F5344CB8AC3E}">
-        <p14:creationId xmlns:p14="http://schemas.microsoft.com/office/powerpoint/2010/main" val="1747345072"/>
-      </p:ext>
-    </p:extLst>
-  </p:cSld>
-  <p:clrMapOvr>
-    <a:masterClrMapping/>
-  </p:clrMapOvr>
-</p:sld>
-</file>
-
-<file path=ppt/slides/slide9.xml><?xml version="1.0" encoding="utf-8"?>
-<p:sld xmlns:a="http://schemas.openxmlformats.org/drawingml/2006/main" xmlns:r="http://schemas.openxmlformats.org/officeDocument/2006/relationships" xmlns:p="http://schemas.openxmlformats.org/presentationml/2006/main">
-  <p:cSld>
-    <p:spTree>
-      <p:nvGrpSpPr>
-        <p:cNvPr id="1" name=""/>
-        <p:cNvGrpSpPr/>
-        <p:nvPr/>
-      </p:nvGrpSpPr>
-      <p:grpSpPr>
-        <a:xfrm>
-          <a:off x="0" y="0"/>
-          <a:ext cx="0" cy="0"/>
-          <a:chOff x="0" y="0"/>
-          <a:chExt cx="0" cy="0"/>
-        </a:xfrm>
-      </p:grpSpPr>
-      <p:sp>
-        <p:nvSpPr>
-          <p:cNvPr id="2" name="タイトル 1">
-            <a:extLst>
-              <a:ext uri="{FF2B5EF4-FFF2-40B4-BE49-F238E27FC236}">
                 <a16:creationId xmlns:a16="http://schemas.microsoft.com/office/drawing/2014/main" id="{1646FE4B-006A-00FA-361B-BEFE2941063E}"/>
               </a:ext>
             </a:extLst>
@@ -12612,6 +10265,3430 @@
     <p:extLst>
       <p:ext uri="{BB962C8B-B14F-4D97-AF65-F5344CB8AC3E}">
         <p14:creationId xmlns:p14="http://schemas.microsoft.com/office/powerpoint/2010/main" val="4253952500"/>
+      </p:ext>
+    </p:extLst>
+  </p:cSld>
+  <p:clrMapOvr>
+    <a:masterClrMapping/>
+  </p:clrMapOvr>
+</p:sld>
+</file>
+
+<file path=ppt/slides/slide11.xml><?xml version="1.0" encoding="utf-8"?>
+<p:sld xmlns:a="http://schemas.openxmlformats.org/drawingml/2006/main" xmlns:r="http://schemas.openxmlformats.org/officeDocument/2006/relationships" xmlns:p="http://schemas.openxmlformats.org/presentationml/2006/main">
+  <p:cSld>
+    <p:spTree>
+      <p:nvGrpSpPr>
+        <p:cNvPr id="1" name=""/>
+        <p:cNvGrpSpPr/>
+        <p:nvPr/>
+      </p:nvGrpSpPr>
+      <p:grpSpPr>
+        <a:xfrm>
+          <a:off x="0" y="0"/>
+          <a:ext cx="0" cy="0"/>
+          <a:chOff x="0" y="0"/>
+          <a:chExt cx="0" cy="0"/>
+        </a:xfrm>
+      </p:grpSpPr>
+      <p:sp>
+        <p:nvSpPr>
+          <p:cNvPr id="2" name="タイトル 1">
+            <a:extLst>
+              <a:ext uri="{FF2B5EF4-FFF2-40B4-BE49-F238E27FC236}">
+                <a16:creationId xmlns:a16="http://schemas.microsoft.com/office/drawing/2014/main" id="{6BF6FACF-DD0E-0C66-5C78-E91B9BDACB86}"/>
+              </a:ext>
+            </a:extLst>
+          </p:cNvPr>
+          <p:cNvSpPr>
+            <a:spLocks noGrp="1"/>
+          </p:cNvSpPr>
+          <p:nvPr>
+            <p:ph type="title"/>
+          </p:nvPr>
+        </p:nvSpPr>
+        <p:spPr/>
+        <p:txBody>
+          <a:bodyPr/>
+          <a:lstStyle/>
+          <a:p>
+            <a:r>
+              <a:rPr kumimoji="1" lang="en-US" altLang="ja-JP" dirty="0">
+                <a:solidFill>
+                  <a:schemeClr val="accent6"/>
+                </a:solidFill>
+              </a:rPr>
+              <a:t>5. </a:t>
+            </a:r>
+            <a:r>
+              <a:rPr kumimoji="1" lang="ja-JP" altLang="en-US" dirty="0"/>
+              <a:t>モデルの分析</a:t>
+            </a:r>
+          </a:p>
+        </p:txBody>
+      </p:sp>
+      <p:sp>
+        <p:nvSpPr>
+          <p:cNvPr id="3" name="コンテンツ プレースホルダー 2">
+            <a:extLst>
+              <a:ext uri="{FF2B5EF4-FFF2-40B4-BE49-F238E27FC236}">
+                <a16:creationId xmlns:a16="http://schemas.microsoft.com/office/drawing/2014/main" id="{F2C35A6C-DEF3-761C-5F51-849389F6FE46}"/>
+              </a:ext>
+            </a:extLst>
+          </p:cNvPr>
+          <p:cNvSpPr>
+            <a:spLocks noGrp="1"/>
+          </p:cNvSpPr>
+          <p:nvPr>
+            <p:ph sz="quarter" idx="13"/>
+          </p:nvPr>
+        </p:nvSpPr>
+        <p:spPr/>
+        <p:txBody>
+          <a:bodyPr/>
+          <a:lstStyle/>
+          <a:p>
+            <a:pPr marL="285750" indent="-285750">
+              <a:buFont typeface="Arial" panose="020B0604020202020204" pitchFamily="34" charset="0"/>
+              <a:buChar char="•"/>
+            </a:pPr>
+            <a:r>
+              <a:rPr lang="ja-JP" altLang="en-US" dirty="0"/>
+              <a:t>一応出力結果を散布図にプロットしてみると、ある程度は予測できていることを確認できる。</a:t>
+            </a:r>
+            <a:endParaRPr lang="en-US" altLang="ja-JP" dirty="0"/>
+          </a:p>
+          <a:p>
+            <a:pPr marL="285750" indent="-285750">
+              <a:buFont typeface="Arial" panose="020B0604020202020204" pitchFamily="34" charset="0"/>
+              <a:buChar char="•"/>
+            </a:pPr>
+            <a:endParaRPr kumimoji="1" lang="ja-JP" altLang="en-US" dirty="0"/>
+          </a:p>
+        </p:txBody>
+      </p:sp>
+      <p:pic>
+        <p:nvPicPr>
+          <p:cNvPr id="5" name="図 4">
+            <a:extLst>
+              <a:ext uri="{FF2B5EF4-FFF2-40B4-BE49-F238E27FC236}">
+                <a16:creationId xmlns:a16="http://schemas.microsoft.com/office/drawing/2014/main" id="{1D4C050F-1763-489B-8C71-B4D78A271084}"/>
+              </a:ext>
+            </a:extLst>
+          </p:cNvPr>
+          <p:cNvPicPr>
+            <a:picLocks noChangeAspect="1"/>
+          </p:cNvPicPr>
+          <p:nvPr/>
+        </p:nvPicPr>
+        <p:blipFill>
+          <a:blip r:embed="rId2"/>
+          <a:stretch>
+            <a:fillRect/>
+          </a:stretch>
+        </p:blipFill>
+        <p:spPr>
+          <a:xfrm>
+            <a:off x="3578442" y="2727476"/>
+            <a:ext cx="4995862" cy="3825723"/>
+          </a:xfrm>
+          <a:prstGeom prst="rect">
+            <a:avLst/>
+          </a:prstGeom>
+        </p:spPr>
+      </p:pic>
+    </p:spTree>
+    <p:extLst>
+      <p:ext uri="{BB962C8B-B14F-4D97-AF65-F5344CB8AC3E}">
+        <p14:creationId xmlns:p14="http://schemas.microsoft.com/office/powerpoint/2010/main" val="899740410"/>
+      </p:ext>
+    </p:extLst>
+  </p:cSld>
+  <p:clrMapOvr>
+    <a:masterClrMapping/>
+  </p:clrMapOvr>
+</p:sld>
+</file>
+
+<file path=ppt/slides/slide12.xml><?xml version="1.0" encoding="utf-8"?>
+<p:sld xmlns:a="http://schemas.openxmlformats.org/drawingml/2006/main" xmlns:r="http://schemas.openxmlformats.org/officeDocument/2006/relationships" xmlns:p="http://schemas.openxmlformats.org/presentationml/2006/main">
+  <p:cSld>
+    <p:spTree>
+      <p:nvGrpSpPr>
+        <p:cNvPr id="1" name=""/>
+        <p:cNvGrpSpPr/>
+        <p:nvPr/>
+      </p:nvGrpSpPr>
+      <p:grpSpPr>
+        <a:xfrm>
+          <a:off x="0" y="0"/>
+          <a:ext cx="0" cy="0"/>
+          <a:chOff x="0" y="0"/>
+          <a:chExt cx="0" cy="0"/>
+        </a:xfrm>
+      </p:grpSpPr>
+      <p:sp>
+        <p:nvSpPr>
+          <p:cNvPr id="2" name="タイトル 1">
+            <a:extLst>
+              <a:ext uri="{FF2B5EF4-FFF2-40B4-BE49-F238E27FC236}">
+                <a16:creationId xmlns:a16="http://schemas.microsoft.com/office/drawing/2014/main" id="{B1DFA4C8-1F28-342B-553C-9A0EB91EC504}"/>
+              </a:ext>
+            </a:extLst>
+          </p:cNvPr>
+          <p:cNvSpPr>
+            <a:spLocks noGrp="1"/>
+          </p:cNvSpPr>
+          <p:nvPr>
+            <p:ph type="title"/>
+          </p:nvPr>
+        </p:nvSpPr>
+        <p:spPr/>
+        <p:txBody>
+          <a:bodyPr/>
+          <a:lstStyle/>
+          <a:p>
+            <a:r>
+              <a:rPr kumimoji="1" lang="en-US" altLang="ja-JP" dirty="0"/>
+              <a:t>6. (</a:t>
+            </a:r>
+            <a:r>
+              <a:rPr kumimoji="1" lang="ja-JP" altLang="en-US" dirty="0"/>
+              <a:t>提出後</a:t>
+            </a:r>
+            <a:r>
+              <a:rPr kumimoji="1" lang="en-US" altLang="ja-JP" dirty="0"/>
+              <a:t>) </a:t>
+            </a:r>
+            <a:r>
+              <a:rPr kumimoji="1" lang="ja-JP" altLang="en-US" dirty="0"/>
+              <a:t>年数を省いたモデル</a:t>
+            </a:r>
+          </a:p>
+        </p:txBody>
+      </p:sp>
+      <p:sp>
+        <p:nvSpPr>
+          <p:cNvPr id="3" name="コンテンツ プレースホルダー 2">
+            <a:extLst>
+              <a:ext uri="{FF2B5EF4-FFF2-40B4-BE49-F238E27FC236}">
+                <a16:creationId xmlns:a16="http://schemas.microsoft.com/office/drawing/2014/main" id="{EEB9D2F7-9BC3-F1C1-9B37-8D7520335334}"/>
+              </a:ext>
+            </a:extLst>
+          </p:cNvPr>
+          <p:cNvSpPr>
+            <a:spLocks noGrp="1"/>
+          </p:cNvSpPr>
+          <p:nvPr>
+            <p:ph sz="quarter" idx="13"/>
+          </p:nvPr>
+        </p:nvSpPr>
+        <p:spPr/>
+        <p:txBody>
+          <a:bodyPr/>
+          <a:lstStyle/>
+          <a:p>
+            <a:pPr marL="285750" indent="-285750">
+              <a:buFont typeface="Arial" panose="020B0604020202020204" pitchFamily="34" charset="0"/>
+              <a:buChar char="•"/>
+            </a:pPr>
+            <a:r>
+              <a:rPr kumimoji="1" lang="ja-JP" altLang="en-US" dirty="0"/>
+              <a:t>スコアは大きく悪化してしまった。観客数を予測する上で年数の情報は重要であるようだ。</a:t>
+            </a:r>
+            <a:endParaRPr kumimoji="1" lang="en-US" altLang="ja-JP" dirty="0"/>
+          </a:p>
+          <a:p>
+            <a:pPr marL="742950" lvl="1" indent="-285750">
+              <a:buFont typeface="Arial" panose="020B0604020202020204" pitchFamily="34" charset="0"/>
+              <a:buChar char="•"/>
+            </a:pPr>
+            <a:r>
+              <a:rPr kumimoji="1" lang="ja-JP" altLang="en-US" dirty="0"/>
+              <a:t>訓練時</a:t>
+            </a:r>
+            <a:r>
+              <a:rPr lang="en-US" altLang="ja-JP" dirty="0"/>
+              <a:t> </a:t>
+            </a:r>
+            <a:r>
+              <a:rPr kumimoji="1" lang="en-US" altLang="ja-JP" dirty="0"/>
+              <a:t>R2 : 0.13</a:t>
+            </a:r>
+          </a:p>
+          <a:p>
+            <a:pPr marL="742950" lvl="1" indent="-285750">
+              <a:buFont typeface="Arial" panose="020B0604020202020204" pitchFamily="34" charset="0"/>
+              <a:buChar char="•"/>
+            </a:pPr>
+            <a:r>
+              <a:rPr lang="ja-JP" altLang="en-US" dirty="0"/>
+              <a:t>テスト時 </a:t>
+            </a:r>
+            <a:r>
+              <a:rPr lang="en-US" altLang="ja-JP" dirty="0"/>
+              <a:t>R2 : 0.25</a:t>
+            </a:r>
+            <a:endParaRPr kumimoji="1" lang="en-US" altLang="ja-JP" dirty="0"/>
+          </a:p>
+          <a:p>
+            <a:pPr marL="742950" lvl="1" indent="-285750">
+              <a:buFont typeface="Arial" panose="020B0604020202020204" pitchFamily="34" charset="0"/>
+              <a:buChar char="•"/>
+            </a:pPr>
+            <a:endParaRPr kumimoji="1" lang="en-US" altLang="ja-JP" dirty="0"/>
+          </a:p>
+          <a:p>
+            <a:pPr marL="285750" indent="-285750">
+              <a:buFont typeface="Arial" panose="020B0604020202020204" pitchFamily="34" charset="0"/>
+              <a:buChar char="•"/>
+            </a:pPr>
+            <a:endParaRPr kumimoji="1" lang="ja-JP" altLang="en-US" dirty="0"/>
+          </a:p>
+        </p:txBody>
+      </p:sp>
+      <p:sp>
+        <p:nvSpPr>
+          <p:cNvPr id="4" name="テキスト ボックス 3">
+            <a:extLst>
+              <a:ext uri="{FF2B5EF4-FFF2-40B4-BE49-F238E27FC236}">
+                <a16:creationId xmlns:a16="http://schemas.microsoft.com/office/drawing/2014/main" id="{83AD9DF7-4D4A-6A08-6750-620666B9404A}"/>
+              </a:ext>
+            </a:extLst>
+          </p:cNvPr>
+          <p:cNvSpPr txBox="1"/>
+          <p:nvPr/>
+        </p:nvSpPr>
+        <p:spPr>
+          <a:xfrm>
+            <a:off x="1026103" y="3190397"/>
+            <a:ext cx="4631748" cy="1477328"/>
+          </a:xfrm>
+          <a:prstGeom prst="rect">
+            <a:avLst/>
+          </a:prstGeom>
+          <a:solidFill>
+            <a:schemeClr val="tx1"/>
+          </a:solidFill>
+        </p:spPr>
+        <p:txBody>
+          <a:bodyPr wrap="square" rtlCol="0">
+            <a:spAutoFit/>
+          </a:bodyPr>
+          <a:lstStyle/>
+          <a:p>
+            <a:r>
+              <a:rPr lang="en-US" altLang="ja-JP" b="0" i="0" dirty="0">
+                <a:solidFill>
+                  <a:srgbClr val="D4D4D4"/>
+                </a:solidFill>
+                <a:effectLst/>
+                <a:latin typeface="Consolas" panose="020B0609020204030204" pitchFamily="49" charset="0"/>
+              </a:rPr>
+              <a:t>model param: {</a:t>
+            </a:r>
+          </a:p>
+          <a:p>
+            <a:r>
+              <a:rPr lang="en-US" altLang="ja-JP" b="0" i="0" dirty="0">
+                <a:solidFill>
+                  <a:srgbClr val="D4D4D4"/>
+                </a:solidFill>
+                <a:effectLst/>
+                <a:latin typeface="Consolas" panose="020B0609020204030204" pitchFamily="49" charset="0"/>
+              </a:rPr>
+              <a:t>'regressor__</a:t>
+            </a:r>
+            <a:r>
+              <a:rPr lang="en-US" altLang="ja-JP" b="0" i="0" dirty="0" err="1">
+                <a:solidFill>
+                  <a:srgbClr val="D4D4D4"/>
+                </a:solidFill>
+                <a:effectLst/>
+                <a:latin typeface="Consolas" panose="020B0609020204030204" pitchFamily="49" charset="0"/>
+              </a:rPr>
+              <a:t>max_depth</a:t>
+            </a:r>
+            <a:r>
+              <a:rPr lang="en-US" altLang="ja-JP" b="0" i="0" dirty="0">
+                <a:solidFill>
+                  <a:srgbClr val="D4D4D4"/>
+                </a:solidFill>
+                <a:effectLst/>
+                <a:latin typeface="Consolas" panose="020B0609020204030204" pitchFamily="49" charset="0"/>
+              </a:rPr>
+              <a:t>': 8, 'regressor__</a:t>
+            </a:r>
+            <a:r>
+              <a:rPr lang="en-US" altLang="ja-JP" b="0" i="0" dirty="0" err="1">
+                <a:solidFill>
+                  <a:srgbClr val="D4D4D4"/>
+                </a:solidFill>
+                <a:effectLst/>
+                <a:latin typeface="Consolas" panose="020B0609020204030204" pitchFamily="49" charset="0"/>
+              </a:rPr>
+              <a:t>min_samples_leaf</a:t>
+            </a:r>
+            <a:r>
+              <a:rPr lang="en-US" altLang="ja-JP" b="0" i="0" dirty="0">
+                <a:solidFill>
+                  <a:srgbClr val="D4D4D4"/>
+                </a:solidFill>
+                <a:effectLst/>
+                <a:latin typeface="Consolas" panose="020B0609020204030204" pitchFamily="49" charset="0"/>
+              </a:rPr>
+              <a:t>': 8, 'regressor__</a:t>
+            </a:r>
+            <a:r>
+              <a:rPr lang="en-US" altLang="ja-JP" b="0" i="0" dirty="0" err="1">
+                <a:solidFill>
+                  <a:srgbClr val="D4D4D4"/>
+                </a:solidFill>
+                <a:effectLst/>
+                <a:latin typeface="Consolas" panose="020B0609020204030204" pitchFamily="49" charset="0"/>
+              </a:rPr>
+              <a:t>min_samples_split</a:t>
+            </a:r>
+            <a:r>
+              <a:rPr lang="en-US" altLang="ja-JP" b="0" i="0" dirty="0">
+                <a:solidFill>
+                  <a:srgbClr val="D4D4D4"/>
+                </a:solidFill>
+                <a:effectLst/>
+                <a:latin typeface="Consolas" panose="020B0609020204030204" pitchFamily="49" charset="0"/>
+              </a:rPr>
+              <a:t>’: 2</a:t>
+            </a:r>
+          </a:p>
+          <a:p>
+            <a:r>
+              <a:rPr lang="en-US" altLang="ja-JP" b="0" i="0" dirty="0">
+                <a:solidFill>
+                  <a:srgbClr val="D4D4D4"/>
+                </a:solidFill>
+                <a:effectLst/>
+                <a:latin typeface="Consolas" panose="020B0609020204030204" pitchFamily="49" charset="0"/>
+              </a:rPr>
+              <a:t>}</a:t>
+            </a:r>
+            <a:endParaRPr kumimoji="1" lang="ja-JP" altLang="en-US" dirty="0"/>
+          </a:p>
+        </p:txBody>
+      </p:sp>
+      <p:pic>
+        <p:nvPicPr>
+          <p:cNvPr id="6" name="図 5">
+            <a:extLst>
+              <a:ext uri="{FF2B5EF4-FFF2-40B4-BE49-F238E27FC236}">
+                <a16:creationId xmlns:a16="http://schemas.microsoft.com/office/drawing/2014/main" id="{1DD87DE4-8F7A-8ED3-C023-2C96DC2C4D1B}"/>
+              </a:ext>
+            </a:extLst>
+          </p:cNvPr>
+          <p:cNvPicPr>
+            <a:picLocks noChangeAspect="1"/>
+          </p:cNvPicPr>
+          <p:nvPr/>
+        </p:nvPicPr>
+        <p:blipFill>
+          <a:blip r:embed="rId2"/>
+          <a:stretch>
+            <a:fillRect/>
+          </a:stretch>
+        </p:blipFill>
+        <p:spPr>
+          <a:xfrm>
+            <a:off x="6534151" y="2628899"/>
+            <a:ext cx="5105930" cy="3910011"/>
+          </a:xfrm>
+          <a:prstGeom prst="rect">
+            <a:avLst/>
+          </a:prstGeom>
+        </p:spPr>
+      </p:pic>
+    </p:spTree>
+    <p:extLst>
+      <p:ext uri="{BB962C8B-B14F-4D97-AF65-F5344CB8AC3E}">
+        <p14:creationId xmlns:p14="http://schemas.microsoft.com/office/powerpoint/2010/main" val="2116915305"/>
+      </p:ext>
+    </p:extLst>
+  </p:cSld>
+  <p:clrMapOvr>
+    <a:masterClrMapping/>
+  </p:clrMapOvr>
+</p:sld>
+</file>
+
+<file path=ppt/slides/slide13.xml><?xml version="1.0" encoding="utf-8"?>
+<p:sld xmlns:a="http://schemas.openxmlformats.org/drawingml/2006/main" xmlns:r="http://schemas.openxmlformats.org/officeDocument/2006/relationships" xmlns:p="http://schemas.openxmlformats.org/presentationml/2006/main">
+  <p:cSld>
+    <p:spTree>
+      <p:nvGrpSpPr>
+        <p:cNvPr id="1" name=""/>
+        <p:cNvGrpSpPr/>
+        <p:nvPr/>
+      </p:nvGrpSpPr>
+      <p:grpSpPr>
+        <a:xfrm>
+          <a:off x="0" y="0"/>
+          <a:ext cx="0" cy="0"/>
+          <a:chOff x="0" y="0"/>
+          <a:chExt cx="0" cy="0"/>
+        </a:xfrm>
+      </p:grpSpPr>
+      <p:sp>
+        <p:nvSpPr>
+          <p:cNvPr id="2" name="タイトル 1">
+            <a:extLst>
+              <a:ext uri="{FF2B5EF4-FFF2-40B4-BE49-F238E27FC236}">
+                <a16:creationId xmlns:a16="http://schemas.microsoft.com/office/drawing/2014/main" id="{F99F5FBE-109B-91D1-C9D9-E4E120868E3A}"/>
+              </a:ext>
+            </a:extLst>
+          </p:cNvPr>
+          <p:cNvSpPr>
+            <a:spLocks noGrp="1"/>
+          </p:cNvSpPr>
+          <p:nvPr>
+            <p:ph type="title"/>
+          </p:nvPr>
+        </p:nvSpPr>
+        <p:spPr/>
+        <p:txBody>
+          <a:bodyPr/>
+          <a:lstStyle/>
+          <a:p>
+            <a:r>
+              <a:rPr kumimoji="1" lang="en-US" altLang="ja-JP" dirty="0"/>
+              <a:t>7. </a:t>
+            </a:r>
+            <a:r>
+              <a:rPr lang="en-US" altLang="ja-JP" dirty="0"/>
+              <a:t>(</a:t>
+            </a:r>
+            <a:r>
+              <a:rPr lang="ja-JP" altLang="en-US" dirty="0"/>
+              <a:t>提出後</a:t>
+            </a:r>
+            <a:r>
+              <a:rPr lang="en-US" altLang="ja-JP" dirty="0"/>
+              <a:t>)</a:t>
+            </a:r>
+            <a:r>
+              <a:rPr lang="ja-JP" altLang="en-US" dirty="0"/>
+              <a:t>気象情報を追加したモデル</a:t>
+            </a:r>
+            <a:endParaRPr kumimoji="1" lang="ja-JP" altLang="en-US" dirty="0"/>
+          </a:p>
+        </p:txBody>
+      </p:sp>
+      <p:sp>
+        <p:nvSpPr>
+          <p:cNvPr id="3" name="コンテンツ プレースホルダー 2">
+            <a:extLst>
+              <a:ext uri="{FF2B5EF4-FFF2-40B4-BE49-F238E27FC236}">
+                <a16:creationId xmlns:a16="http://schemas.microsoft.com/office/drawing/2014/main" id="{6BAF453F-9930-A6D6-BE24-41582EC71629}"/>
+              </a:ext>
+            </a:extLst>
+          </p:cNvPr>
+          <p:cNvSpPr>
+            <a:spLocks noGrp="1"/>
+          </p:cNvSpPr>
+          <p:nvPr>
+            <p:ph sz="quarter" idx="13"/>
+          </p:nvPr>
+        </p:nvSpPr>
+        <p:spPr/>
+        <p:txBody>
+          <a:bodyPr/>
+          <a:lstStyle/>
+          <a:p>
+            <a:pPr marL="285750" indent="-285750">
+              <a:buFont typeface="Arial" panose="020B0604020202020204" pitchFamily="34" charset="0"/>
+              <a:buChar char="•"/>
+            </a:pPr>
+            <a:r>
+              <a:rPr kumimoji="1" lang="ja-JP" altLang="en-US" dirty="0"/>
+              <a:t>以下のデータを気象庁過去データベースから検索し、</a:t>
+            </a:r>
+            <a:r>
+              <a:rPr lang="ja-JP" altLang="en-US" dirty="0"/>
+              <a:t>元の</a:t>
+            </a:r>
+            <a:r>
+              <a:rPr lang="en-US" altLang="ja-JP" dirty="0" err="1"/>
+              <a:t>DataFrame</a:t>
+            </a:r>
+            <a:r>
+              <a:rPr lang="ja-JP" altLang="en-US" dirty="0"/>
+              <a:t>に組み込んだ</a:t>
+            </a:r>
+            <a:endParaRPr kumimoji="1" lang="en-US" altLang="ja-JP" dirty="0"/>
+          </a:p>
+          <a:p>
+            <a:pPr marL="742950" lvl="1" indent="-285750">
+              <a:buFont typeface="Arial" panose="020B0604020202020204" pitchFamily="34" charset="0"/>
+              <a:buChar char="•"/>
+            </a:pPr>
+            <a:r>
+              <a:rPr kumimoji="1" lang="ja-JP" altLang="en-US" dirty="0"/>
+              <a:t>平均気温</a:t>
+            </a:r>
+            <a:r>
+              <a:rPr kumimoji="1" lang="en-US" altLang="ja-JP" dirty="0"/>
+              <a:t>(℃)	</a:t>
+            </a:r>
+          </a:p>
+          <a:p>
+            <a:pPr marL="742950" lvl="1" indent="-285750">
+              <a:buFont typeface="Arial" panose="020B0604020202020204" pitchFamily="34" charset="0"/>
+              <a:buChar char="•"/>
+            </a:pPr>
+            <a:r>
+              <a:rPr kumimoji="1" lang="ja-JP" altLang="en-US" dirty="0"/>
+              <a:t>最高気温</a:t>
+            </a:r>
+            <a:r>
+              <a:rPr kumimoji="1" lang="en-US" altLang="ja-JP" dirty="0"/>
+              <a:t>(℃)	</a:t>
+            </a:r>
+          </a:p>
+          <a:p>
+            <a:pPr marL="742950" lvl="1" indent="-285750">
+              <a:buFont typeface="Arial" panose="020B0604020202020204" pitchFamily="34" charset="0"/>
+              <a:buChar char="•"/>
+            </a:pPr>
+            <a:r>
+              <a:rPr kumimoji="1" lang="ja-JP" altLang="en-US" dirty="0"/>
+              <a:t>最低気温</a:t>
+            </a:r>
+            <a:r>
+              <a:rPr kumimoji="1" lang="en-US" altLang="ja-JP" dirty="0"/>
+              <a:t>(℃)	</a:t>
+            </a:r>
+          </a:p>
+          <a:p>
+            <a:pPr marL="742950" lvl="1" indent="-285750">
+              <a:buFont typeface="Arial" panose="020B0604020202020204" pitchFamily="34" charset="0"/>
+              <a:buChar char="•"/>
+            </a:pPr>
+            <a:r>
+              <a:rPr kumimoji="1" lang="ja-JP" altLang="en-US" dirty="0"/>
+              <a:t>降水量の合計</a:t>
+            </a:r>
+            <a:r>
+              <a:rPr kumimoji="1" lang="en-US" altLang="ja-JP" dirty="0"/>
+              <a:t>(mm)	</a:t>
+            </a:r>
+          </a:p>
+          <a:p>
+            <a:pPr marL="742950" lvl="1" indent="-285750">
+              <a:buFont typeface="Arial" panose="020B0604020202020204" pitchFamily="34" charset="0"/>
+              <a:buChar char="•"/>
+            </a:pPr>
+            <a:r>
+              <a:rPr kumimoji="1" lang="ja-JP" altLang="en-US" dirty="0"/>
+              <a:t>平均風速</a:t>
+            </a:r>
+            <a:r>
+              <a:rPr kumimoji="1" lang="en-US" altLang="ja-JP" dirty="0"/>
+              <a:t>(m/s)</a:t>
+            </a:r>
+          </a:p>
+          <a:p>
+            <a:pPr marL="742950" lvl="1" indent="-285750">
+              <a:buFont typeface="Arial" panose="020B0604020202020204" pitchFamily="34" charset="0"/>
+              <a:buChar char="•"/>
+            </a:pPr>
+            <a:r>
+              <a:rPr kumimoji="1" lang="ja-JP" altLang="en-US" dirty="0"/>
+              <a:t>日照時間</a:t>
+            </a:r>
+            <a:r>
+              <a:rPr kumimoji="1" lang="en-US" altLang="ja-JP" dirty="0"/>
+              <a:t>(</a:t>
+            </a:r>
+            <a:r>
+              <a:rPr kumimoji="1" lang="ja-JP" altLang="en-US" dirty="0"/>
+              <a:t>時間</a:t>
+            </a:r>
+            <a:r>
+              <a:rPr kumimoji="1" lang="en-US" altLang="ja-JP" dirty="0"/>
+              <a:t>)</a:t>
+            </a:r>
+            <a:endParaRPr kumimoji="1" lang="ja-JP" altLang="en-US" dirty="0"/>
+          </a:p>
+        </p:txBody>
+      </p:sp>
+    </p:spTree>
+    <p:extLst>
+      <p:ext uri="{BB962C8B-B14F-4D97-AF65-F5344CB8AC3E}">
+        <p14:creationId xmlns:p14="http://schemas.microsoft.com/office/powerpoint/2010/main" val="1483175177"/>
+      </p:ext>
+    </p:extLst>
+  </p:cSld>
+  <p:clrMapOvr>
+    <a:masterClrMapping/>
+  </p:clrMapOvr>
+</p:sld>
+</file>
+
+<file path=ppt/slides/slide14.xml><?xml version="1.0" encoding="utf-8"?>
+<p:sld xmlns:a="http://schemas.openxmlformats.org/drawingml/2006/main" xmlns:r="http://schemas.openxmlformats.org/officeDocument/2006/relationships" xmlns:p="http://schemas.openxmlformats.org/presentationml/2006/main">
+  <p:cSld>
+    <p:spTree>
+      <p:nvGrpSpPr>
+        <p:cNvPr id="1" name=""/>
+        <p:cNvGrpSpPr/>
+        <p:nvPr/>
+      </p:nvGrpSpPr>
+      <p:grpSpPr>
+        <a:xfrm>
+          <a:off x="0" y="0"/>
+          <a:ext cx="0" cy="0"/>
+          <a:chOff x="0" y="0"/>
+          <a:chExt cx="0" cy="0"/>
+        </a:xfrm>
+      </p:grpSpPr>
+      <p:sp>
+        <p:nvSpPr>
+          <p:cNvPr id="2" name="タイトル 1">
+            <a:extLst>
+              <a:ext uri="{FF2B5EF4-FFF2-40B4-BE49-F238E27FC236}">
+                <a16:creationId xmlns:a16="http://schemas.microsoft.com/office/drawing/2014/main" id="{E3DBED08-8EDE-1273-E244-D19455E994B3}"/>
+              </a:ext>
+            </a:extLst>
+          </p:cNvPr>
+          <p:cNvSpPr>
+            <a:spLocks noGrp="1"/>
+          </p:cNvSpPr>
+          <p:nvPr>
+            <p:ph type="title"/>
+          </p:nvPr>
+        </p:nvSpPr>
+        <p:spPr/>
+        <p:txBody>
+          <a:bodyPr/>
+          <a:lstStyle/>
+          <a:p>
+            <a:endParaRPr kumimoji="1" lang="ja-JP" altLang="en-US" dirty="0"/>
+          </a:p>
+        </p:txBody>
+      </p:sp>
+      <p:sp>
+        <p:nvSpPr>
+          <p:cNvPr id="3" name="コンテンツ プレースホルダー 2">
+            <a:extLst>
+              <a:ext uri="{FF2B5EF4-FFF2-40B4-BE49-F238E27FC236}">
+                <a16:creationId xmlns:a16="http://schemas.microsoft.com/office/drawing/2014/main" id="{7A16409E-437F-16B3-47AC-D8F2055AB0DB}"/>
+              </a:ext>
+            </a:extLst>
+          </p:cNvPr>
+          <p:cNvSpPr>
+            <a:spLocks noGrp="1"/>
+          </p:cNvSpPr>
+          <p:nvPr>
+            <p:ph sz="quarter" idx="13"/>
+          </p:nvPr>
+        </p:nvSpPr>
+        <p:spPr/>
+        <p:txBody>
+          <a:bodyPr/>
+          <a:lstStyle/>
+          <a:p>
+            <a:pPr marL="285750" indent="-285750">
+              <a:buFont typeface="Arial" panose="020B0604020202020204" pitchFamily="34" charset="0"/>
+              <a:buChar char="•"/>
+            </a:pPr>
+            <a:r>
+              <a:rPr kumimoji="1" lang="en-US" altLang="ja-JP" dirty="0"/>
+              <a:t>TODO:</a:t>
+            </a:r>
+            <a:r>
+              <a:rPr kumimoji="1" lang="ja-JP" altLang="en-US" dirty="0"/>
+              <a:t>降水量あり・なしのモデル結果を乗せる</a:t>
+            </a:r>
+          </a:p>
+        </p:txBody>
+      </p:sp>
+    </p:spTree>
+    <p:extLst>
+      <p:ext uri="{BB962C8B-B14F-4D97-AF65-F5344CB8AC3E}">
+        <p14:creationId xmlns:p14="http://schemas.microsoft.com/office/powerpoint/2010/main" val="3433607537"/>
+      </p:ext>
+    </p:extLst>
+  </p:cSld>
+  <p:clrMapOvr>
+    <a:masterClrMapping/>
+  </p:clrMapOvr>
+</p:sld>
+</file>
+
+<file path=ppt/slides/slide15.xml><?xml version="1.0" encoding="utf-8"?>
+<p:sld xmlns:a="http://schemas.openxmlformats.org/drawingml/2006/main" xmlns:r="http://schemas.openxmlformats.org/officeDocument/2006/relationships" xmlns:p="http://schemas.openxmlformats.org/presentationml/2006/main">
+  <p:cSld>
+    <p:spTree>
+      <p:nvGrpSpPr>
+        <p:cNvPr id="1" name=""/>
+        <p:cNvGrpSpPr/>
+        <p:nvPr/>
+      </p:nvGrpSpPr>
+      <p:grpSpPr>
+        <a:xfrm>
+          <a:off x="0" y="0"/>
+          <a:ext cx="0" cy="0"/>
+          <a:chOff x="0" y="0"/>
+          <a:chExt cx="0" cy="0"/>
+        </a:xfrm>
+      </p:grpSpPr>
+      <p:sp>
+        <p:nvSpPr>
+          <p:cNvPr id="2" name="タイトル 1">
+            <a:extLst>
+              <a:ext uri="{FF2B5EF4-FFF2-40B4-BE49-F238E27FC236}">
+                <a16:creationId xmlns:a16="http://schemas.microsoft.com/office/drawing/2014/main" id="{6F709592-47F4-D909-37CF-98C6D4AEE7A0}"/>
+              </a:ext>
+            </a:extLst>
+          </p:cNvPr>
+          <p:cNvSpPr>
+            <a:spLocks noGrp="1"/>
+          </p:cNvSpPr>
+          <p:nvPr>
+            <p:ph type="title"/>
+          </p:nvPr>
+        </p:nvSpPr>
+        <p:spPr/>
+        <p:txBody>
+          <a:bodyPr/>
+          <a:lstStyle/>
+          <a:p>
+            <a:r>
+              <a:rPr kumimoji="1" lang="en-US" altLang="ja-JP" dirty="0">
+                <a:solidFill>
+                  <a:schemeClr val="accent6"/>
+                </a:solidFill>
+              </a:rPr>
+              <a:t>6. </a:t>
+            </a:r>
+            <a:r>
+              <a:rPr kumimoji="1" lang="ja-JP" altLang="en-US" dirty="0"/>
+              <a:t>まとめ</a:t>
+            </a:r>
+          </a:p>
+        </p:txBody>
+      </p:sp>
+      <p:sp>
+        <p:nvSpPr>
+          <p:cNvPr id="3" name="コンテンツ プレースホルダー 2">
+            <a:extLst>
+              <a:ext uri="{FF2B5EF4-FFF2-40B4-BE49-F238E27FC236}">
+                <a16:creationId xmlns:a16="http://schemas.microsoft.com/office/drawing/2014/main" id="{7764D337-3D53-2761-BAE7-50DFD6B2BD12}"/>
+              </a:ext>
+            </a:extLst>
+          </p:cNvPr>
+          <p:cNvSpPr>
+            <a:spLocks noGrp="1"/>
+          </p:cNvSpPr>
+          <p:nvPr>
+            <p:ph sz="quarter" idx="13"/>
+          </p:nvPr>
+        </p:nvSpPr>
+        <p:spPr/>
+        <p:txBody>
+          <a:bodyPr/>
+          <a:lstStyle/>
+          <a:p>
+            <a:pPr marL="285750" indent="-285750">
+              <a:buFont typeface="Arial" panose="020B0604020202020204" pitchFamily="34" charset="0"/>
+              <a:buChar char="•"/>
+            </a:pPr>
+            <a:r>
+              <a:rPr kumimoji="1" lang="ja-JP" altLang="en-US" dirty="0"/>
+              <a:t>横浜ベイスターズの</a:t>
+            </a:r>
+            <a:r>
+              <a:rPr kumimoji="1" lang="en-US" altLang="ja-JP" dirty="0"/>
+              <a:t>2009</a:t>
+            </a:r>
+            <a:r>
+              <a:rPr kumimoji="1" lang="ja-JP" altLang="en-US" dirty="0"/>
+              <a:t>年～</a:t>
+            </a:r>
+            <a:r>
+              <a:rPr kumimoji="1" lang="en-US" altLang="ja-JP" dirty="0"/>
+              <a:t>2023</a:t>
+            </a:r>
+            <a:r>
+              <a:rPr kumimoji="1" lang="ja-JP" altLang="en-US" dirty="0"/>
+              <a:t>年のホームゲームの観客数を予測する回帰モデルを作成した。</a:t>
+            </a:r>
+            <a:endParaRPr kumimoji="1" lang="en-US" altLang="ja-JP" dirty="0"/>
+          </a:p>
+          <a:p>
+            <a:pPr marL="285750" indent="-285750">
+              <a:buFont typeface="Arial" panose="020B0604020202020204" pitchFamily="34" charset="0"/>
+              <a:buChar char="•"/>
+            </a:pPr>
+            <a:r>
+              <a:rPr kumimoji="1" lang="ja-JP" altLang="en-US" dirty="0"/>
+              <a:t>決定木ベースのモデルを採用</a:t>
+            </a:r>
+            <a:endParaRPr kumimoji="1" lang="en-US" altLang="ja-JP" dirty="0"/>
+          </a:p>
+          <a:p>
+            <a:pPr marL="285750" indent="-285750">
+              <a:buFont typeface="Arial" panose="020B0604020202020204" pitchFamily="34" charset="0"/>
+              <a:buChar char="•"/>
+            </a:pPr>
+            <a:r>
+              <a:rPr lang="ja-JP" altLang="en-US" dirty="0"/>
+              <a:t>標準化と交差検証、グリッドサーチによるハイパーパラメータ探索で可能な限り精度向上に努めた。</a:t>
+            </a:r>
+            <a:endParaRPr lang="en-US" altLang="ja-JP" dirty="0"/>
+          </a:p>
+          <a:p>
+            <a:pPr marL="285750" indent="-285750">
+              <a:buFont typeface="Arial" panose="020B0604020202020204" pitchFamily="34" charset="0"/>
+              <a:buChar char="•"/>
+            </a:pPr>
+            <a:r>
+              <a:rPr kumimoji="1" lang="ja-JP" altLang="en-US" dirty="0"/>
+              <a:t>結果</a:t>
+            </a:r>
+            <a:r>
+              <a:rPr lang="ja-JP" altLang="en-US" dirty="0"/>
+              <a:t>、訓練時よりも、テスト時の</a:t>
+            </a:r>
+            <a:r>
+              <a:rPr lang="en-US" altLang="ja-JP" dirty="0"/>
+              <a:t>R2</a:t>
+            </a:r>
+            <a:r>
+              <a:rPr lang="ja-JP" altLang="en-US" dirty="0"/>
+              <a:t>スコアの方を高くすることができ、一定の精度を確保できた。</a:t>
+            </a:r>
+            <a:endParaRPr lang="en-US" altLang="ja-JP" dirty="0"/>
+          </a:p>
+          <a:p>
+            <a:pPr marL="285750" indent="-285750">
+              <a:buFont typeface="Arial" panose="020B0604020202020204" pitchFamily="34" charset="0"/>
+              <a:buChar char="•"/>
+            </a:pPr>
+            <a:r>
+              <a:rPr lang="ja-JP" altLang="en-US" dirty="0"/>
+              <a:t>特徴重要度の計算から、年数と曜日が結果に影響を与えていると推測。</a:t>
+            </a:r>
+            <a:endParaRPr lang="en-US" altLang="ja-JP" dirty="0"/>
+          </a:p>
+          <a:p>
+            <a:r>
+              <a:rPr lang="en-US" altLang="ja-JP" dirty="0"/>
+              <a:t>【</a:t>
+            </a:r>
+            <a:r>
+              <a:rPr lang="ja-JP" altLang="en-US" dirty="0"/>
+              <a:t>感想</a:t>
+            </a:r>
+            <a:r>
+              <a:rPr lang="en-US" altLang="ja-JP" dirty="0"/>
+              <a:t>】</a:t>
+            </a:r>
+          </a:p>
+          <a:p>
+            <a:pPr marL="285750" indent="-285750">
+              <a:buFont typeface="Arial" panose="020B0604020202020204" pitchFamily="34" charset="0"/>
+              <a:buChar char="•"/>
+            </a:pPr>
+            <a:r>
+              <a:rPr lang="ja-JP" altLang="en-US" dirty="0"/>
+              <a:t>データのサンプリングを行えば、もう少し精度を出せたかも</a:t>
+            </a:r>
+            <a:endParaRPr lang="en-US" altLang="ja-JP" dirty="0"/>
+          </a:p>
+          <a:p>
+            <a:pPr marL="285750" indent="-285750">
+              <a:buFont typeface="Arial" panose="020B0604020202020204" pitchFamily="34" charset="0"/>
+              <a:buChar char="•"/>
+            </a:pPr>
+            <a:r>
+              <a:rPr lang="ja-JP" altLang="en-US" dirty="0"/>
+              <a:t>生データ整形に時間がかかり、もっと適切な精度向上のため　　　　　　　　　　　　　　　　　　　　　　　　　　　　　　の前処理を組めたかもしれない。。。</a:t>
+            </a:r>
+            <a:endParaRPr kumimoji="1" lang="en-US" altLang="ja-JP" dirty="0"/>
+          </a:p>
+        </p:txBody>
+      </p:sp>
+      <p:pic>
+        <p:nvPicPr>
+          <p:cNvPr id="4" name="図 3">
+            <a:extLst>
+              <a:ext uri="{FF2B5EF4-FFF2-40B4-BE49-F238E27FC236}">
+                <a16:creationId xmlns:a16="http://schemas.microsoft.com/office/drawing/2014/main" id="{AC7F926F-F60B-91C5-18A5-5D5584E15F32}"/>
+              </a:ext>
+            </a:extLst>
+          </p:cNvPr>
+          <p:cNvPicPr>
+            <a:picLocks noChangeAspect="1"/>
+          </p:cNvPicPr>
+          <p:nvPr/>
+        </p:nvPicPr>
+        <p:blipFill>
+          <a:blip r:embed="rId2"/>
+          <a:stretch>
+            <a:fillRect/>
+          </a:stretch>
+        </p:blipFill>
+        <p:spPr>
+          <a:xfrm>
+            <a:off x="7241449" y="4110036"/>
+            <a:ext cx="4454097" cy="2652440"/>
+          </a:xfrm>
+          <a:prstGeom prst="rect">
+            <a:avLst/>
+          </a:prstGeom>
+        </p:spPr>
+      </p:pic>
+    </p:spTree>
+    <p:extLst>
+      <p:ext uri="{BB962C8B-B14F-4D97-AF65-F5344CB8AC3E}">
+        <p14:creationId xmlns:p14="http://schemas.microsoft.com/office/powerpoint/2010/main" val="3466519553"/>
+      </p:ext>
+    </p:extLst>
+  </p:cSld>
+  <p:clrMapOvr>
+    <a:masterClrMapping/>
+  </p:clrMapOvr>
+</p:sld>
+</file>
+
+<file path=ppt/slides/slide2.xml><?xml version="1.0" encoding="utf-8"?>
+<p:sld xmlns:a="http://schemas.openxmlformats.org/drawingml/2006/main" xmlns:r="http://schemas.openxmlformats.org/officeDocument/2006/relationships" xmlns:p="http://schemas.openxmlformats.org/presentationml/2006/main">
+  <p:cSld>
+    <p:spTree>
+      <p:nvGrpSpPr>
+        <p:cNvPr id="1" name=""/>
+        <p:cNvGrpSpPr/>
+        <p:nvPr/>
+      </p:nvGrpSpPr>
+      <p:grpSpPr>
+        <a:xfrm>
+          <a:off x="0" y="0"/>
+          <a:ext cx="0" cy="0"/>
+          <a:chOff x="0" y="0"/>
+          <a:chExt cx="0" cy="0"/>
+        </a:xfrm>
+      </p:grpSpPr>
+      <p:sp>
+        <p:nvSpPr>
+          <p:cNvPr id="2" name="タイトル 1">
+            <a:extLst>
+              <a:ext uri="{FF2B5EF4-FFF2-40B4-BE49-F238E27FC236}">
+                <a16:creationId xmlns:a16="http://schemas.microsoft.com/office/drawing/2014/main" id="{E3B2B7B5-34E0-094A-0D7E-839A08BE5A57}"/>
+              </a:ext>
+            </a:extLst>
+          </p:cNvPr>
+          <p:cNvSpPr>
+            <a:spLocks noGrp="1"/>
+          </p:cNvSpPr>
+          <p:nvPr>
+            <p:ph type="title"/>
+          </p:nvPr>
+        </p:nvSpPr>
+        <p:spPr/>
+        <p:txBody>
+          <a:bodyPr/>
+          <a:lstStyle/>
+          <a:p>
+            <a:r>
+              <a:rPr kumimoji="1" lang="ja-JP" altLang="en-US" dirty="0">
+                <a:latin typeface="游ゴシック Medium" panose="020B0500000000000000" pitchFamily="50" charset="-128"/>
+                <a:ea typeface="游ゴシック Medium" panose="020B0500000000000000" pitchFamily="50" charset="-128"/>
+              </a:rPr>
+              <a:t>内容</a:t>
+            </a:r>
+          </a:p>
+        </p:txBody>
+      </p:sp>
+      <p:sp>
+        <p:nvSpPr>
+          <p:cNvPr id="6" name="コンテンツ プレースホルダー 5">
+            <a:extLst>
+              <a:ext uri="{FF2B5EF4-FFF2-40B4-BE49-F238E27FC236}">
+                <a16:creationId xmlns:a16="http://schemas.microsoft.com/office/drawing/2014/main" id="{2735A677-85B1-111D-6377-3F7805B670D9}"/>
+              </a:ext>
+            </a:extLst>
+          </p:cNvPr>
+          <p:cNvSpPr>
+            <a:spLocks noGrp="1"/>
+          </p:cNvSpPr>
+          <p:nvPr>
+            <p:ph idx="1"/>
+          </p:nvPr>
+        </p:nvSpPr>
+        <p:spPr>
+          <a:xfrm>
+            <a:off x="5178252" y="2409776"/>
+            <a:ext cx="6564324" cy="3714837"/>
+          </a:xfrm>
+        </p:spPr>
+        <p:txBody>
+          <a:bodyPr>
+            <a:normAutofit/>
+          </a:bodyPr>
+          <a:lstStyle/>
+          <a:p>
+            <a:pPr marL="514350" indent="-514350">
+              <a:buFont typeface="+mj-lt"/>
+              <a:buAutoNum type="arabicPeriod"/>
+            </a:pPr>
+            <a:r>
+              <a:rPr lang="ja-JP" altLang="en-US" dirty="0">
+                <a:latin typeface="游ゴシック Medium" panose="020B0500000000000000" pitchFamily="50" charset="-128"/>
+                <a:ea typeface="游ゴシック Medium" panose="020B0500000000000000" pitchFamily="50" charset="-128"/>
+              </a:rPr>
+              <a:t>問題設定</a:t>
+            </a:r>
+            <a:endParaRPr lang="en-US" altLang="ja-JP" dirty="0">
+              <a:latin typeface="游ゴシック Medium" panose="020B0500000000000000" pitchFamily="50" charset="-128"/>
+              <a:ea typeface="游ゴシック Medium" panose="020B0500000000000000" pitchFamily="50" charset="-128"/>
+            </a:endParaRPr>
+          </a:p>
+          <a:p>
+            <a:pPr marL="514350" indent="-514350">
+              <a:buFont typeface="+mj-lt"/>
+              <a:buAutoNum type="arabicPeriod"/>
+            </a:pPr>
+            <a:r>
+              <a:rPr lang="ja-JP" altLang="en-US" dirty="0">
+                <a:latin typeface="游ゴシック Medium" panose="020B0500000000000000" pitchFamily="50" charset="-128"/>
+                <a:ea typeface="游ゴシック Medium" panose="020B0500000000000000" pitchFamily="50" charset="-128"/>
+              </a:rPr>
+              <a:t>データの概要</a:t>
+            </a:r>
+            <a:endParaRPr lang="en-US" altLang="ja-JP" dirty="0">
+              <a:latin typeface="游ゴシック Medium" panose="020B0500000000000000" pitchFamily="50" charset="-128"/>
+              <a:ea typeface="游ゴシック Medium" panose="020B0500000000000000" pitchFamily="50" charset="-128"/>
+            </a:endParaRPr>
+          </a:p>
+          <a:p>
+            <a:pPr marL="514350" indent="-514350">
+              <a:buFont typeface="+mj-lt"/>
+              <a:buAutoNum type="arabicPeriod"/>
+            </a:pPr>
+            <a:r>
+              <a:rPr lang="ja-JP" altLang="en-US" dirty="0">
+                <a:latin typeface="游ゴシック Medium" panose="020B0500000000000000" pitchFamily="50" charset="-128"/>
+                <a:ea typeface="游ゴシック Medium" panose="020B0500000000000000" pitchFamily="50" charset="-128"/>
+              </a:rPr>
+              <a:t>整形と前処理</a:t>
+            </a:r>
+            <a:endParaRPr lang="en-US" altLang="ja-JP" dirty="0">
+              <a:latin typeface="游ゴシック Medium" panose="020B0500000000000000" pitchFamily="50" charset="-128"/>
+              <a:ea typeface="游ゴシック Medium" panose="020B0500000000000000" pitchFamily="50" charset="-128"/>
+            </a:endParaRPr>
+          </a:p>
+          <a:p>
+            <a:pPr marL="514350" indent="-514350">
+              <a:buFont typeface="+mj-lt"/>
+              <a:buAutoNum type="arabicPeriod"/>
+            </a:pPr>
+            <a:r>
+              <a:rPr lang="ja-JP" altLang="en-US" dirty="0">
+                <a:latin typeface="游ゴシック Medium" panose="020B0500000000000000" pitchFamily="50" charset="-128"/>
+                <a:ea typeface="游ゴシック Medium" panose="020B0500000000000000" pitchFamily="50" charset="-128"/>
+              </a:rPr>
+              <a:t>使用したモデル</a:t>
+            </a:r>
+            <a:endParaRPr lang="en-US" altLang="ja-JP" dirty="0">
+              <a:latin typeface="游ゴシック Medium" panose="020B0500000000000000" pitchFamily="50" charset="-128"/>
+              <a:ea typeface="游ゴシック Medium" panose="020B0500000000000000" pitchFamily="50" charset="-128"/>
+            </a:endParaRPr>
+          </a:p>
+          <a:p>
+            <a:pPr marL="514350" indent="-514350">
+              <a:buFont typeface="+mj-lt"/>
+              <a:buAutoNum type="arabicPeriod"/>
+            </a:pPr>
+            <a:r>
+              <a:rPr lang="ja-JP" altLang="en-US" dirty="0">
+                <a:latin typeface="游ゴシック Medium" panose="020B0500000000000000" pitchFamily="50" charset="-128"/>
+                <a:ea typeface="游ゴシック Medium" panose="020B0500000000000000" pitchFamily="50" charset="-128"/>
+              </a:rPr>
+              <a:t>モデルの分析</a:t>
+            </a:r>
+            <a:endParaRPr lang="en-US" altLang="ja-JP" dirty="0">
+              <a:latin typeface="游ゴシック Medium" panose="020B0500000000000000" pitchFamily="50" charset="-128"/>
+              <a:ea typeface="游ゴシック Medium" panose="020B0500000000000000" pitchFamily="50" charset="-128"/>
+            </a:endParaRPr>
+          </a:p>
+          <a:p>
+            <a:pPr marL="514350" indent="-514350">
+              <a:buFont typeface="+mj-lt"/>
+              <a:buAutoNum type="arabicPeriod"/>
+            </a:pPr>
+            <a:r>
+              <a:rPr lang="ja-JP" altLang="en-US" dirty="0">
+                <a:latin typeface="游ゴシック Medium" panose="020B0500000000000000" pitchFamily="50" charset="-128"/>
+                <a:ea typeface="游ゴシック Medium" panose="020B0500000000000000" pitchFamily="50" charset="-128"/>
+              </a:rPr>
+              <a:t>まとめ</a:t>
+            </a:r>
+            <a:endParaRPr lang="en-US" altLang="ja-JP" dirty="0">
+              <a:latin typeface="游ゴシック Medium" panose="020B0500000000000000" pitchFamily="50" charset="-128"/>
+              <a:ea typeface="游ゴシック Medium" panose="020B0500000000000000" pitchFamily="50" charset="-128"/>
+            </a:endParaRPr>
+          </a:p>
+        </p:txBody>
+      </p:sp>
+      <p:sp>
+        <p:nvSpPr>
+          <p:cNvPr id="9" name="スライド番号プレースホルダー 8">
+            <a:extLst>
+              <a:ext uri="{FF2B5EF4-FFF2-40B4-BE49-F238E27FC236}">
+                <a16:creationId xmlns:a16="http://schemas.microsoft.com/office/drawing/2014/main" id="{6350A921-76FD-96EA-3A89-242A4FB55F1D}"/>
+              </a:ext>
+            </a:extLst>
+          </p:cNvPr>
+          <p:cNvSpPr>
+            <a:spLocks noGrp="1"/>
+          </p:cNvSpPr>
+          <p:nvPr>
+            <p:ph type="sldNum" sz="quarter" idx="12"/>
+          </p:nvPr>
+        </p:nvSpPr>
+        <p:spPr/>
+        <p:txBody>
+          <a:bodyPr/>
+          <a:lstStyle/>
+          <a:p>
+            <a:fld id="{DFA5D71E-5CDF-4C93-8A75-5B916FDC5BEA}" type="slidenum">
+              <a:rPr lang="en-US" altLang="ja-JP" smtClean="0"/>
+              <a:pPr/>
+              <a:t>2</a:t>
+            </a:fld>
+            <a:endParaRPr lang="ja-JP" altLang="en-US" dirty="0"/>
+          </a:p>
+        </p:txBody>
+      </p:sp>
+      <p:pic>
+        <p:nvPicPr>
+          <p:cNvPr id="13" name="図プレースホルダー 12">
+            <a:extLst>
+              <a:ext uri="{FF2B5EF4-FFF2-40B4-BE49-F238E27FC236}">
+                <a16:creationId xmlns:a16="http://schemas.microsoft.com/office/drawing/2014/main" id="{AF5B9651-AD16-01EA-DFCE-B9C7BAA7AB46}"/>
+              </a:ext>
+            </a:extLst>
+          </p:cNvPr>
+          <p:cNvPicPr>
+            <a:picLocks noGrp="1" noChangeAspect="1"/>
+          </p:cNvPicPr>
+          <p:nvPr>
+            <p:ph type="pic" sz="quarter" idx="13"/>
+          </p:nvPr>
+        </p:nvPicPr>
+        <p:blipFill>
+          <a:blip r:embed="rId2"/>
+          <a:srcRect t="8748" b="8748"/>
+          <a:stretch>
+            <a:fillRect/>
+          </a:stretch>
+        </p:blipFill>
+        <p:spPr>
+          <a:prstGeom prst="rect">
+            <a:avLst/>
+          </a:prstGeom>
+        </p:spPr>
+      </p:pic>
+      <p:pic>
+        <p:nvPicPr>
+          <p:cNvPr id="12" name="図プレースホルダー 11">
+            <a:extLst>
+              <a:ext uri="{FF2B5EF4-FFF2-40B4-BE49-F238E27FC236}">
+                <a16:creationId xmlns:a16="http://schemas.microsoft.com/office/drawing/2014/main" id="{3CF35C40-D6D5-A07D-22A1-00997EF70764}"/>
+              </a:ext>
+            </a:extLst>
+          </p:cNvPr>
+          <p:cNvPicPr>
+            <a:picLocks noGrp="1" noChangeAspect="1"/>
+          </p:cNvPicPr>
+          <p:nvPr>
+            <p:ph type="pic" sz="quarter" idx="14"/>
+          </p:nvPr>
+        </p:nvPicPr>
+        <p:blipFill>
+          <a:blip r:embed="rId3"/>
+          <a:srcRect t="9274" b="9274"/>
+          <a:stretch>
+            <a:fillRect/>
+          </a:stretch>
+        </p:blipFill>
+        <p:spPr>
+          <a:prstGeom prst="rect">
+            <a:avLst/>
+          </a:prstGeom>
+        </p:spPr>
+      </p:pic>
+      <p:pic>
+        <p:nvPicPr>
+          <p:cNvPr id="17" name="図プレースホルダー 16">
+            <a:extLst>
+              <a:ext uri="{FF2B5EF4-FFF2-40B4-BE49-F238E27FC236}">
+                <a16:creationId xmlns:a16="http://schemas.microsoft.com/office/drawing/2014/main" id="{83111A6A-2428-0A76-CA9E-36369B2DC80C}"/>
+              </a:ext>
+            </a:extLst>
+          </p:cNvPr>
+          <p:cNvPicPr>
+            <a:picLocks noGrp="1" noChangeAspect="1"/>
+          </p:cNvPicPr>
+          <p:nvPr>
+            <p:ph type="pic" sz="quarter" idx="15"/>
+          </p:nvPr>
+        </p:nvPicPr>
+        <p:blipFill>
+          <a:blip r:embed="rId4"/>
+          <a:srcRect t="8467" b="8467"/>
+          <a:stretch>
+            <a:fillRect/>
+          </a:stretch>
+        </p:blipFill>
+        <p:spPr>
+          <a:prstGeom prst="rect">
+            <a:avLst/>
+          </a:prstGeom>
+        </p:spPr>
+      </p:pic>
+    </p:spTree>
+    <p:extLst>
+      <p:ext uri="{BB962C8B-B14F-4D97-AF65-F5344CB8AC3E}">
+        <p14:creationId xmlns:p14="http://schemas.microsoft.com/office/powerpoint/2010/main" val="2336205692"/>
+      </p:ext>
+    </p:extLst>
+  </p:cSld>
+  <p:clrMapOvr>
+    <a:masterClrMapping/>
+  </p:clrMapOvr>
+</p:sld>
+</file>
+
+<file path=ppt/slides/slide3.xml><?xml version="1.0" encoding="utf-8"?>
+<p:sld xmlns:a="http://schemas.openxmlformats.org/drawingml/2006/main" xmlns:r="http://schemas.openxmlformats.org/officeDocument/2006/relationships" xmlns:p="http://schemas.openxmlformats.org/presentationml/2006/main">
+  <p:cSld>
+    <p:spTree>
+      <p:nvGrpSpPr>
+        <p:cNvPr id="1" name=""/>
+        <p:cNvGrpSpPr/>
+        <p:nvPr/>
+      </p:nvGrpSpPr>
+      <p:grpSpPr>
+        <a:xfrm>
+          <a:off x="0" y="0"/>
+          <a:ext cx="0" cy="0"/>
+          <a:chOff x="0" y="0"/>
+          <a:chExt cx="0" cy="0"/>
+        </a:xfrm>
+      </p:grpSpPr>
+      <p:sp>
+        <p:nvSpPr>
+          <p:cNvPr id="9" name="タイトル 8">
+            <a:extLst>
+              <a:ext uri="{FF2B5EF4-FFF2-40B4-BE49-F238E27FC236}">
+                <a16:creationId xmlns:a16="http://schemas.microsoft.com/office/drawing/2014/main" id="{38A2017C-0AD3-6539-9AF1-DF3512483D77}"/>
+              </a:ext>
+            </a:extLst>
+          </p:cNvPr>
+          <p:cNvSpPr>
+            <a:spLocks noGrp="1"/>
+          </p:cNvSpPr>
+          <p:nvPr>
+            <p:ph type="title"/>
+          </p:nvPr>
+        </p:nvSpPr>
+        <p:spPr/>
+        <p:txBody>
+          <a:bodyPr/>
+          <a:lstStyle/>
+          <a:p>
+            <a:r>
+              <a:rPr lang="en-US" altLang="ja-JP" dirty="0">
+                <a:solidFill>
+                  <a:schemeClr val="accent6"/>
+                </a:solidFill>
+              </a:rPr>
+              <a:t>1. </a:t>
+            </a:r>
+            <a:r>
+              <a:rPr lang="ja-JP" altLang="en-US" dirty="0"/>
+              <a:t>問題設定</a:t>
+            </a:r>
+          </a:p>
+        </p:txBody>
+      </p:sp>
+      <p:sp>
+        <p:nvSpPr>
+          <p:cNvPr id="10" name="コンテンツ プレースホルダー 9">
+            <a:extLst>
+              <a:ext uri="{FF2B5EF4-FFF2-40B4-BE49-F238E27FC236}">
+                <a16:creationId xmlns:a16="http://schemas.microsoft.com/office/drawing/2014/main" id="{54227885-066E-52C2-0B81-60FF96FB6EC0}"/>
+              </a:ext>
+            </a:extLst>
+          </p:cNvPr>
+          <p:cNvSpPr>
+            <a:spLocks noGrp="1"/>
+          </p:cNvSpPr>
+          <p:nvPr>
+            <p:ph sz="quarter" idx="13"/>
+          </p:nvPr>
+        </p:nvSpPr>
+        <p:spPr/>
+        <p:txBody>
+          <a:bodyPr/>
+          <a:lstStyle/>
+          <a:p>
+            <a:pPr marL="285750" indent="-285750">
+              <a:buFont typeface="Arial" panose="020B0604020202020204" pitchFamily="34" charset="0"/>
+              <a:buChar char="•"/>
+            </a:pPr>
+            <a:r>
+              <a:rPr lang="ja-JP" altLang="en-US" dirty="0"/>
+              <a:t>選択した問題：選択肢① プロ野球</a:t>
+            </a:r>
+            <a:r>
+              <a:rPr lang="en-US" altLang="ja-JP" dirty="0"/>
+              <a:t>Freak</a:t>
+            </a:r>
+            <a:r>
+              <a:rPr lang="ja-JP" altLang="en-US" dirty="0"/>
+              <a:t>から、ホームゲームの観客数を予測する回帰モデルを作る</a:t>
+            </a:r>
+            <a:endParaRPr lang="en-US" altLang="ja-JP" dirty="0"/>
+          </a:p>
+          <a:p>
+            <a:r>
+              <a:rPr lang="en-US" altLang="ja-JP" dirty="0"/>
+              <a:t>【</a:t>
+            </a:r>
+            <a:r>
+              <a:rPr lang="ja-JP" altLang="en-US" dirty="0"/>
+              <a:t>問題条件</a:t>
+            </a:r>
+            <a:r>
+              <a:rPr lang="en-US" altLang="ja-JP" dirty="0"/>
+              <a:t>】</a:t>
+            </a:r>
+          </a:p>
+          <a:p>
+            <a:pPr marL="285750" indent="-285750">
+              <a:buFont typeface="Arial" panose="020B0604020202020204" pitchFamily="34" charset="0"/>
+              <a:buChar char="•"/>
+            </a:pPr>
+            <a:r>
+              <a:rPr lang="ja-JP" altLang="en-US" dirty="0"/>
+              <a:t>予測するチーム：</a:t>
+            </a:r>
+            <a:r>
+              <a:rPr lang="ja-JP" altLang="en-US" b="1" dirty="0"/>
+              <a:t>横浜</a:t>
+            </a:r>
+            <a:r>
+              <a:rPr lang="en-US" altLang="ja-JP" b="1" dirty="0" err="1"/>
+              <a:t>DeNA</a:t>
+            </a:r>
+            <a:r>
+              <a:rPr lang="ja-JP" altLang="en-US" b="1" dirty="0"/>
+              <a:t>ベイスターズ</a:t>
+            </a:r>
+            <a:endParaRPr lang="en-US" altLang="ja-JP" b="1" dirty="0"/>
+          </a:p>
+          <a:p>
+            <a:pPr marL="285750" indent="-285750">
+              <a:buFont typeface="Arial" panose="020B0604020202020204" pitchFamily="34" charset="0"/>
+              <a:buChar char="•"/>
+            </a:pPr>
+            <a:r>
+              <a:rPr lang="ja-JP" altLang="en-US" dirty="0"/>
+              <a:t>目的変数：ホームゲームの観客数</a:t>
+            </a:r>
+          </a:p>
+          <a:p>
+            <a:pPr marL="285750" indent="-285750">
+              <a:buFont typeface="Arial" panose="020B0604020202020204" pitchFamily="34" charset="0"/>
+              <a:buChar char="•"/>
+            </a:pPr>
+            <a:r>
+              <a:rPr lang="ja-JP" altLang="en-US" dirty="0"/>
+              <a:t>説明変数</a:t>
+            </a:r>
+          </a:p>
+          <a:p>
+            <a:pPr marL="742950" lvl="1" indent="-285750">
+              <a:buFont typeface="Arial" panose="020B0604020202020204" pitchFamily="34" charset="0"/>
+              <a:buChar char="•"/>
+            </a:pPr>
+            <a:r>
+              <a:rPr lang="ja-JP" altLang="en-US" dirty="0"/>
+              <a:t>試合日程 </a:t>
+            </a:r>
+            <a:r>
+              <a:rPr lang="en-US" altLang="ja-JP" dirty="0"/>
+              <a:t>(</a:t>
+            </a:r>
+            <a:r>
+              <a:rPr lang="ja-JP" altLang="en-US" dirty="0"/>
+              <a:t>年</a:t>
+            </a:r>
+            <a:r>
+              <a:rPr lang="en-US" altLang="ja-JP" dirty="0"/>
+              <a:t>,</a:t>
+            </a:r>
+            <a:r>
+              <a:rPr lang="ja-JP" altLang="en-US" dirty="0"/>
+              <a:t>月</a:t>
+            </a:r>
+            <a:r>
+              <a:rPr lang="en-US" altLang="ja-JP" dirty="0"/>
+              <a:t>,</a:t>
+            </a:r>
+            <a:r>
+              <a:rPr lang="ja-JP" altLang="en-US" dirty="0"/>
+              <a:t>日</a:t>
+            </a:r>
+            <a:r>
+              <a:rPr lang="en-US" altLang="ja-JP" dirty="0"/>
+              <a:t>)</a:t>
+            </a:r>
+          </a:p>
+          <a:p>
+            <a:pPr marL="742950" lvl="1" indent="-285750">
+              <a:buFont typeface="Arial" panose="020B0604020202020204" pitchFamily="34" charset="0"/>
+              <a:buChar char="•"/>
+            </a:pPr>
+            <a:r>
+              <a:rPr lang="ja-JP" altLang="en-US" dirty="0"/>
+              <a:t>勝敗</a:t>
+            </a:r>
+          </a:p>
+          <a:p>
+            <a:pPr marL="742950" lvl="1" indent="-285750">
+              <a:buFont typeface="Arial" panose="020B0604020202020204" pitchFamily="34" charset="0"/>
+              <a:buChar char="•"/>
+            </a:pPr>
+            <a:r>
+              <a:rPr lang="ja-JP" altLang="en-US" dirty="0"/>
+              <a:t>スコア</a:t>
+            </a:r>
+          </a:p>
+          <a:p>
+            <a:pPr marL="742950" lvl="1" indent="-285750">
+              <a:buFont typeface="Arial" panose="020B0604020202020204" pitchFamily="34" charset="0"/>
+              <a:buChar char="•"/>
+            </a:pPr>
+            <a:r>
+              <a:rPr lang="ja-JP" altLang="en-US" dirty="0"/>
+              <a:t>対戦相手</a:t>
+            </a:r>
+          </a:p>
+          <a:p>
+            <a:pPr marL="742950" lvl="1" indent="-285750">
+              <a:buFont typeface="Arial" panose="020B0604020202020204" pitchFamily="34" charset="0"/>
+              <a:buChar char="•"/>
+            </a:pPr>
+            <a:r>
+              <a:rPr lang="ja-JP" altLang="en-US" dirty="0"/>
+              <a:t>先発投手</a:t>
+            </a:r>
+            <a:endParaRPr lang="en-US" altLang="ja-JP" dirty="0"/>
+          </a:p>
+          <a:p>
+            <a:pPr marL="285750" indent="-285750">
+              <a:buFont typeface="Arial" panose="020B0604020202020204" pitchFamily="34" charset="0"/>
+              <a:buChar char="•"/>
+            </a:pPr>
+            <a:endParaRPr lang="en-US" altLang="ja-JP" dirty="0"/>
+          </a:p>
+        </p:txBody>
+      </p:sp>
+      <p:pic>
+        <p:nvPicPr>
+          <p:cNvPr id="13" name="図 12">
+            <a:extLst>
+              <a:ext uri="{FF2B5EF4-FFF2-40B4-BE49-F238E27FC236}">
+                <a16:creationId xmlns:a16="http://schemas.microsoft.com/office/drawing/2014/main" id="{2E1534C5-7C38-44D6-4645-906FF5001454}"/>
+              </a:ext>
+            </a:extLst>
+          </p:cNvPr>
+          <p:cNvPicPr>
+            <a:picLocks noChangeAspect="1"/>
+          </p:cNvPicPr>
+          <p:nvPr/>
+        </p:nvPicPr>
+        <p:blipFill>
+          <a:blip r:embed="rId2"/>
+          <a:stretch>
+            <a:fillRect/>
+          </a:stretch>
+        </p:blipFill>
+        <p:spPr>
+          <a:xfrm>
+            <a:off x="4833118" y="3337225"/>
+            <a:ext cx="4096715" cy="2876690"/>
+          </a:xfrm>
+          <a:prstGeom prst="rect">
+            <a:avLst/>
+          </a:prstGeom>
+        </p:spPr>
+      </p:pic>
+      <p:pic>
+        <p:nvPicPr>
+          <p:cNvPr id="15" name="図 14">
+            <a:extLst>
+              <a:ext uri="{FF2B5EF4-FFF2-40B4-BE49-F238E27FC236}">
+                <a16:creationId xmlns:a16="http://schemas.microsoft.com/office/drawing/2014/main" id="{BAB95228-6144-F007-3FBD-821AA97EB37A}"/>
+              </a:ext>
+            </a:extLst>
+          </p:cNvPr>
+          <p:cNvPicPr>
+            <a:picLocks noChangeAspect="1"/>
+          </p:cNvPicPr>
+          <p:nvPr/>
+        </p:nvPicPr>
+        <p:blipFill>
+          <a:blip r:embed="rId3"/>
+          <a:stretch>
+            <a:fillRect/>
+          </a:stretch>
+        </p:blipFill>
+        <p:spPr>
+          <a:xfrm>
+            <a:off x="9256548" y="3619179"/>
+            <a:ext cx="2627409" cy="2545303"/>
+          </a:xfrm>
+          <a:prstGeom prst="rect">
+            <a:avLst/>
+          </a:prstGeom>
+        </p:spPr>
+      </p:pic>
+    </p:spTree>
+    <p:extLst>
+      <p:ext uri="{BB962C8B-B14F-4D97-AF65-F5344CB8AC3E}">
+        <p14:creationId xmlns:p14="http://schemas.microsoft.com/office/powerpoint/2010/main" val="3838502865"/>
+      </p:ext>
+    </p:extLst>
+  </p:cSld>
+  <p:clrMapOvr>
+    <a:masterClrMapping/>
+  </p:clrMapOvr>
+</p:sld>
+</file>
+
+<file path=ppt/slides/slide4.xml><?xml version="1.0" encoding="utf-8"?>
+<p:sld xmlns:a="http://schemas.openxmlformats.org/drawingml/2006/main" xmlns:r="http://schemas.openxmlformats.org/officeDocument/2006/relationships" xmlns:p="http://schemas.openxmlformats.org/presentationml/2006/main">
+  <p:cSld>
+    <p:spTree>
+      <p:nvGrpSpPr>
+        <p:cNvPr id="1" name=""/>
+        <p:cNvGrpSpPr/>
+        <p:nvPr/>
+      </p:nvGrpSpPr>
+      <p:grpSpPr>
+        <a:xfrm>
+          <a:off x="0" y="0"/>
+          <a:ext cx="0" cy="0"/>
+          <a:chOff x="0" y="0"/>
+          <a:chExt cx="0" cy="0"/>
+        </a:xfrm>
+      </p:grpSpPr>
+      <p:sp>
+        <p:nvSpPr>
+          <p:cNvPr id="2" name="タイトル 1">
+            <a:extLst>
+              <a:ext uri="{FF2B5EF4-FFF2-40B4-BE49-F238E27FC236}">
+                <a16:creationId xmlns:a16="http://schemas.microsoft.com/office/drawing/2014/main" id="{30C32C52-D88C-0B19-122A-683647952DD9}"/>
+              </a:ext>
+            </a:extLst>
+          </p:cNvPr>
+          <p:cNvSpPr>
+            <a:spLocks noGrp="1"/>
+          </p:cNvSpPr>
+          <p:nvPr>
+            <p:ph type="title"/>
+          </p:nvPr>
+        </p:nvSpPr>
+        <p:spPr/>
+        <p:txBody>
+          <a:bodyPr/>
+          <a:lstStyle/>
+          <a:p>
+            <a:r>
+              <a:rPr kumimoji="1" lang="en-US" altLang="ja-JP" dirty="0">
+                <a:solidFill>
+                  <a:schemeClr val="accent6"/>
+                </a:solidFill>
+              </a:rPr>
+              <a:t>2. </a:t>
+            </a:r>
+            <a:r>
+              <a:rPr kumimoji="1" lang="ja-JP" altLang="en-US" dirty="0"/>
+              <a:t>データの概要：データの取り込み</a:t>
+            </a:r>
+          </a:p>
+        </p:txBody>
+      </p:sp>
+      <p:sp>
+        <p:nvSpPr>
+          <p:cNvPr id="3" name="コンテンツ プレースホルダー 2">
+            <a:extLst>
+              <a:ext uri="{FF2B5EF4-FFF2-40B4-BE49-F238E27FC236}">
+                <a16:creationId xmlns:a16="http://schemas.microsoft.com/office/drawing/2014/main" id="{83A8CE4A-6060-2B2E-1514-80337BDF5964}"/>
+              </a:ext>
+            </a:extLst>
+          </p:cNvPr>
+          <p:cNvSpPr>
+            <a:spLocks noGrp="1"/>
+          </p:cNvSpPr>
+          <p:nvPr>
+            <p:ph sz="quarter" idx="13"/>
+          </p:nvPr>
+        </p:nvSpPr>
+        <p:spPr/>
+        <p:txBody>
+          <a:bodyPr/>
+          <a:lstStyle/>
+          <a:p>
+            <a:pPr marL="285750" indent="-285750">
+              <a:buFont typeface="Arial" panose="020B0604020202020204" pitchFamily="34" charset="0"/>
+              <a:buChar char="•"/>
+            </a:pPr>
+            <a:r>
+              <a:rPr kumimoji="1" lang="en-US" altLang="ja-JP" dirty="0"/>
+              <a:t>Pandas</a:t>
+            </a:r>
+            <a:r>
+              <a:rPr kumimoji="1" lang="ja-JP" altLang="en-US" dirty="0"/>
+              <a:t>の</a:t>
+            </a:r>
+            <a:r>
+              <a:rPr kumimoji="1" lang="en-US" altLang="ja-JP" dirty="0"/>
+              <a:t>`</a:t>
+            </a:r>
+            <a:r>
+              <a:rPr lang="en-US" altLang="ja-JP" b="0" dirty="0" err="1">
+                <a:solidFill>
+                  <a:srgbClr val="DCDCAA"/>
+                </a:solidFill>
+                <a:effectLst/>
+                <a:highlight>
+                  <a:srgbClr val="1F1F1F"/>
+                </a:highlight>
+                <a:latin typeface="Consolas" panose="020B0609020204030204" pitchFamily="49" charset="0"/>
+              </a:rPr>
+              <a:t>read_html</a:t>
+            </a:r>
+            <a:r>
+              <a:rPr kumimoji="1" lang="en-US" altLang="ja-JP" dirty="0"/>
+              <a:t>`</a:t>
+            </a:r>
+            <a:r>
+              <a:rPr kumimoji="1" lang="ja-JP" altLang="en-US" dirty="0"/>
+              <a:t>関数により、</a:t>
+            </a:r>
+            <a:r>
+              <a:rPr kumimoji="1" lang="en-US" altLang="ja-JP" dirty="0"/>
+              <a:t>Web</a:t>
+            </a:r>
+            <a:r>
+              <a:rPr kumimoji="1" lang="ja-JP" altLang="en-US" dirty="0"/>
+              <a:t>上からダウンロードした。</a:t>
+            </a:r>
+            <a:endParaRPr kumimoji="1" lang="en-US" altLang="ja-JP" dirty="0"/>
+          </a:p>
+          <a:p>
+            <a:pPr marL="285750" indent="-285750">
+              <a:buFont typeface="Arial" panose="020B0604020202020204" pitchFamily="34" charset="0"/>
+              <a:buChar char="•"/>
+            </a:pPr>
+            <a:r>
+              <a:rPr lang="ja-JP" altLang="en-US" dirty="0"/>
+              <a:t>年ごとに</a:t>
+            </a:r>
+            <a:r>
+              <a:rPr lang="en-US" altLang="ja-JP" dirty="0"/>
+              <a:t>URL</a:t>
+            </a:r>
+            <a:r>
+              <a:rPr lang="ja-JP" altLang="en-US" dirty="0"/>
+              <a:t>が異なるため、繰り返し処理で年度を変えて取得、その後一元化した。</a:t>
+            </a:r>
+            <a:endParaRPr kumimoji="1" lang="ja-JP" altLang="en-US" dirty="0"/>
+          </a:p>
+        </p:txBody>
+      </p:sp>
+      <p:pic>
+        <p:nvPicPr>
+          <p:cNvPr id="6" name="図 5">
+            <a:extLst>
+              <a:ext uri="{FF2B5EF4-FFF2-40B4-BE49-F238E27FC236}">
+                <a16:creationId xmlns:a16="http://schemas.microsoft.com/office/drawing/2014/main" id="{6BBC4B8A-7FEE-BF8A-3BEB-37D5B96E4B24}"/>
+              </a:ext>
+            </a:extLst>
+          </p:cNvPr>
+          <p:cNvPicPr>
+            <a:picLocks noChangeAspect="1"/>
+          </p:cNvPicPr>
+          <p:nvPr/>
+        </p:nvPicPr>
+        <p:blipFill>
+          <a:blip r:embed="rId2"/>
+          <a:stretch>
+            <a:fillRect/>
+          </a:stretch>
+        </p:blipFill>
+        <p:spPr>
+          <a:xfrm>
+            <a:off x="732818" y="3113334"/>
+            <a:ext cx="5758776" cy="3001715"/>
+          </a:xfrm>
+          <a:prstGeom prst="rect">
+            <a:avLst/>
+          </a:prstGeom>
+        </p:spPr>
+      </p:pic>
+      <p:pic>
+        <p:nvPicPr>
+          <p:cNvPr id="8" name="図 7">
+            <a:extLst>
+              <a:ext uri="{FF2B5EF4-FFF2-40B4-BE49-F238E27FC236}">
+                <a16:creationId xmlns:a16="http://schemas.microsoft.com/office/drawing/2014/main" id="{E9068153-758B-C12F-C422-7F6B8D70ECCE}"/>
+              </a:ext>
+            </a:extLst>
+          </p:cNvPr>
+          <p:cNvPicPr>
+            <a:picLocks noChangeAspect="1"/>
+          </p:cNvPicPr>
+          <p:nvPr/>
+        </p:nvPicPr>
+        <p:blipFill>
+          <a:blip r:embed="rId3"/>
+          <a:stretch>
+            <a:fillRect/>
+          </a:stretch>
+        </p:blipFill>
+        <p:spPr>
+          <a:xfrm>
+            <a:off x="6551466" y="3660684"/>
+            <a:ext cx="5144080" cy="1807851"/>
+          </a:xfrm>
+          <a:prstGeom prst="rect">
+            <a:avLst/>
+          </a:prstGeom>
+        </p:spPr>
+      </p:pic>
+    </p:spTree>
+    <p:extLst>
+      <p:ext uri="{BB962C8B-B14F-4D97-AF65-F5344CB8AC3E}">
+        <p14:creationId xmlns:p14="http://schemas.microsoft.com/office/powerpoint/2010/main" val="1580404797"/>
+      </p:ext>
+    </p:extLst>
+  </p:cSld>
+  <p:clrMapOvr>
+    <a:masterClrMapping/>
+  </p:clrMapOvr>
+</p:sld>
+</file>
+
+<file path=ppt/slides/slide5.xml><?xml version="1.0" encoding="utf-8"?>
+<p:sld xmlns:a="http://schemas.openxmlformats.org/drawingml/2006/main" xmlns:r="http://schemas.openxmlformats.org/officeDocument/2006/relationships" xmlns:p="http://schemas.openxmlformats.org/presentationml/2006/main">
+  <p:cSld>
+    <p:spTree>
+      <p:nvGrpSpPr>
+        <p:cNvPr id="1" name=""/>
+        <p:cNvGrpSpPr/>
+        <p:nvPr/>
+      </p:nvGrpSpPr>
+      <p:grpSpPr>
+        <a:xfrm>
+          <a:off x="0" y="0"/>
+          <a:ext cx="0" cy="0"/>
+          <a:chOff x="0" y="0"/>
+          <a:chExt cx="0" cy="0"/>
+        </a:xfrm>
+      </p:grpSpPr>
+      <p:sp>
+        <p:nvSpPr>
+          <p:cNvPr id="2" name="タイトル 1">
+            <a:extLst>
+              <a:ext uri="{FF2B5EF4-FFF2-40B4-BE49-F238E27FC236}">
+                <a16:creationId xmlns:a16="http://schemas.microsoft.com/office/drawing/2014/main" id="{30C32C52-D88C-0B19-122A-683647952DD9}"/>
+              </a:ext>
+            </a:extLst>
+          </p:cNvPr>
+          <p:cNvSpPr>
+            <a:spLocks noGrp="1"/>
+          </p:cNvSpPr>
+          <p:nvPr>
+            <p:ph type="title"/>
+          </p:nvPr>
+        </p:nvSpPr>
+        <p:spPr/>
+        <p:txBody>
+          <a:bodyPr/>
+          <a:lstStyle/>
+          <a:p>
+            <a:r>
+              <a:rPr kumimoji="1" lang="en-US" altLang="ja-JP" dirty="0">
+                <a:solidFill>
+                  <a:schemeClr val="accent6"/>
+                </a:solidFill>
+              </a:rPr>
+              <a:t>2. </a:t>
+            </a:r>
+            <a:r>
+              <a:rPr kumimoji="1" lang="ja-JP" altLang="en-US" dirty="0"/>
+              <a:t>データの概要</a:t>
+            </a:r>
+          </a:p>
+        </p:txBody>
+      </p:sp>
+      <p:sp>
+        <p:nvSpPr>
+          <p:cNvPr id="3" name="コンテンツ プレースホルダー 2">
+            <a:extLst>
+              <a:ext uri="{FF2B5EF4-FFF2-40B4-BE49-F238E27FC236}">
+                <a16:creationId xmlns:a16="http://schemas.microsoft.com/office/drawing/2014/main" id="{83A8CE4A-6060-2B2E-1514-80337BDF5964}"/>
+              </a:ext>
+            </a:extLst>
+          </p:cNvPr>
+          <p:cNvSpPr>
+            <a:spLocks noGrp="1"/>
+          </p:cNvSpPr>
+          <p:nvPr>
+            <p:ph sz="quarter" idx="13"/>
+          </p:nvPr>
+        </p:nvSpPr>
+        <p:spPr>
+          <a:xfrm>
+            <a:off x="533401" y="1381126"/>
+            <a:ext cx="11125200" cy="4733924"/>
+          </a:xfrm>
+        </p:spPr>
+        <p:txBody>
+          <a:bodyPr/>
+          <a:lstStyle/>
+          <a:p>
+            <a:pPr marL="285750" indent="-285750">
+              <a:buFont typeface="Arial" panose="020B0604020202020204" pitchFamily="34" charset="0"/>
+              <a:buChar char="•"/>
+            </a:pPr>
+            <a:r>
+              <a:rPr kumimoji="1" lang="ja-JP" altLang="en-US" dirty="0"/>
+              <a:t>今回使用するデータセットのデータ数については下記のような分布になっている。</a:t>
+            </a:r>
+          </a:p>
+        </p:txBody>
+      </p:sp>
+      <p:pic>
+        <p:nvPicPr>
+          <p:cNvPr id="5" name="図 4">
+            <a:extLst>
+              <a:ext uri="{FF2B5EF4-FFF2-40B4-BE49-F238E27FC236}">
+                <a16:creationId xmlns:a16="http://schemas.microsoft.com/office/drawing/2014/main" id="{5B203994-DAE7-5C5E-6B55-7ABD10AEB48D}"/>
+              </a:ext>
+            </a:extLst>
+          </p:cNvPr>
+          <p:cNvPicPr>
+            <a:picLocks noChangeAspect="1"/>
+          </p:cNvPicPr>
+          <p:nvPr/>
+        </p:nvPicPr>
+        <p:blipFill>
+          <a:blip r:embed="rId2"/>
+          <a:stretch>
+            <a:fillRect/>
+          </a:stretch>
+        </p:blipFill>
+        <p:spPr>
+          <a:xfrm>
+            <a:off x="642026" y="1799846"/>
+            <a:ext cx="3281120" cy="2525721"/>
+          </a:xfrm>
+          <a:prstGeom prst="rect">
+            <a:avLst/>
+          </a:prstGeom>
+        </p:spPr>
+      </p:pic>
+      <p:pic>
+        <p:nvPicPr>
+          <p:cNvPr id="9" name="図 8">
+            <a:extLst>
+              <a:ext uri="{FF2B5EF4-FFF2-40B4-BE49-F238E27FC236}">
+                <a16:creationId xmlns:a16="http://schemas.microsoft.com/office/drawing/2014/main" id="{61C8C29D-A58B-2410-81E0-DCB2F650FFF8}"/>
+              </a:ext>
+            </a:extLst>
+          </p:cNvPr>
+          <p:cNvPicPr>
+            <a:picLocks noChangeAspect="1"/>
+          </p:cNvPicPr>
+          <p:nvPr/>
+        </p:nvPicPr>
+        <p:blipFill>
+          <a:blip r:embed="rId3"/>
+          <a:stretch>
+            <a:fillRect/>
+          </a:stretch>
+        </p:blipFill>
+        <p:spPr>
+          <a:xfrm>
+            <a:off x="4388452" y="1799845"/>
+            <a:ext cx="3222151" cy="2525721"/>
+          </a:xfrm>
+          <a:prstGeom prst="rect">
+            <a:avLst/>
+          </a:prstGeom>
+        </p:spPr>
+      </p:pic>
+      <p:pic>
+        <p:nvPicPr>
+          <p:cNvPr id="11" name="図 10">
+            <a:extLst>
+              <a:ext uri="{FF2B5EF4-FFF2-40B4-BE49-F238E27FC236}">
+                <a16:creationId xmlns:a16="http://schemas.microsoft.com/office/drawing/2014/main" id="{04E79C9B-EBD5-BF60-7639-77D15A8D4473}"/>
+              </a:ext>
+            </a:extLst>
+          </p:cNvPr>
+          <p:cNvPicPr>
+            <a:picLocks noChangeAspect="1"/>
+          </p:cNvPicPr>
+          <p:nvPr/>
+        </p:nvPicPr>
+        <p:blipFill>
+          <a:blip r:embed="rId4"/>
+          <a:stretch>
+            <a:fillRect/>
+          </a:stretch>
+        </p:blipFill>
+        <p:spPr>
+          <a:xfrm>
+            <a:off x="8045020" y="1799845"/>
+            <a:ext cx="3179164" cy="2525721"/>
+          </a:xfrm>
+          <a:prstGeom prst="rect">
+            <a:avLst/>
+          </a:prstGeom>
+        </p:spPr>
+      </p:pic>
+      <p:pic>
+        <p:nvPicPr>
+          <p:cNvPr id="13" name="図 12">
+            <a:extLst>
+              <a:ext uri="{FF2B5EF4-FFF2-40B4-BE49-F238E27FC236}">
+                <a16:creationId xmlns:a16="http://schemas.microsoft.com/office/drawing/2014/main" id="{571BB25A-79E3-66E8-87CD-2BBD9CB40A83}"/>
+              </a:ext>
+            </a:extLst>
+          </p:cNvPr>
+          <p:cNvPicPr>
+            <a:picLocks noChangeAspect="1"/>
+          </p:cNvPicPr>
+          <p:nvPr/>
+        </p:nvPicPr>
+        <p:blipFill>
+          <a:blip r:embed="rId5"/>
+          <a:stretch>
+            <a:fillRect/>
+          </a:stretch>
+        </p:blipFill>
+        <p:spPr>
+          <a:xfrm>
+            <a:off x="2580901" y="4395086"/>
+            <a:ext cx="3113023" cy="2440179"/>
+          </a:xfrm>
+          <a:prstGeom prst="rect">
+            <a:avLst/>
+          </a:prstGeom>
+        </p:spPr>
+      </p:pic>
+      <p:pic>
+        <p:nvPicPr>
+          <p:cNvPr id="15" name="図 14">
+            <a:extLst>
+              <a:ext uri="{FF2B5EF4-FFF2-40B4-BE49-F238E27FC236}">
+                <a16:creationId xmlns:a16="http://schemas.microsoft.com/office/drawing/2014/main" id="{740743CB-E24A-61F8-EE7D-94CCC096D2C7}"/>
+              </a:ext>
+            </a:extLst>
+          </p:cNvPr>
+          <p:cNvPicPr>
+            <a:picLocks noChangeAspect="1"/>
+          </p:cNvPicPr>
+          <p:nvPr/>
+        </p:nvPicPr>
+        <p:blipFill>
+          <a:blip r:embed="rId6"/>
+          <a:stretch>
+            <a:fillRect/>
+          </a:stretch>
+        </p:blipFill>
+        <p:spPr>
+          <a:xfrm>
+            <a:off x="6221970" y="4395086"/>
+            <a:ext cx="3636736" cy="2334536"/>
+          </a:xfrm>
+          <a:prstGeom prst="rect">
+            <a:avLst/>
+          </a:prstGeom>
+        </p:spPr>
+      </p:pic>
+    </p:spTree>
+    <p:extLst>
+      <p:ext uri="{BB962C8B-B14F-4D97-AF65-F5344CB8AC3E}">
+        <p14:creationId xmlns:p14="http://schemas.microsoft.com/office/powerpoint/2010/main" val="1137678336"/>
+      </p:ext>
+    </p:extLst>
+  </p:cSld>
+  <p:clrMapOvr>
+    <a:masterClrMapping/>
+  </p:clrMapOvr>
+</p:sld>
+</file>
+
+<file path=ppt/slides/slide6.xml><?xml version="1.0" encoding="utf-8"?>
+<p:sld xmlns:a="http://schemas.openxmlformats.org/drawingml/2006/main" xmlns:r="http://schemas.openxmlformats.org/officeDocument/2006/relationships" xmlns:p="http://schemas.openxmlformats.org/presentationml/2006/main">
+  <p:cSld>
+    <p:spTree>
+      <p:nvGrpSpPr>
+        <p:cNvPr id="1" name=""/>
+        <p:cNvGrpSpPr/>
+        <p:nvPr/>
+      </p:nvGrpSpPr>
+      <p:grpSpPr>
+        <a:xfrm>
+          <a:off x="0" y="0"/>
+          <a:ext cx="0" cy="0"/>
+          <a:chOff x="0" y="0"/>
+          <a:chExt cx="0" cy="0"/>
+        </a:xfrm>
+      </p:grpSpPr>
+      <p:sp>
+        <p:nvSpPr>
+          <p:cNvPr id="3" name="コンテンツ プレースホルダー 2">
+            <a:extLst>
+              <a:ext uri="{FF2B5EF4-FFF2-40B4-BE49-F238E27FC236}">
+                <a16:creationId xmlns:a16="http://schemas.microsoft.com/office/drawing/2014/main" id="{A90ED321-3103-2663-2651-D7557EECE2B9}"/>
+              </a:ext>
+            </a:extLst>
+          </p:cNvPr>
+          <p:cNvSpPr>
+            <a:spLocks noGrp="1"/>
+          </p:cNvSpPr>
+          <p:nvPr>
+            <p:ph sz="quarter" idx="13"/>
+          </p:nvPr>
+        </p:nvSpPr>
+        <p:spPr/>
+        <p:txBody>
+          <a:bodyPr/>
+          <a:lstStyle/>
+          <a:p>
+            <a:pPr marL="285750" indent="-285750">
+              <a:buFont typeface="Arial" panose="020B0604020202020204" pitchFamily="34" charset="0"/>
+              <a:buChar char="•"/>
+            </a:pPr>
+            <a:r>
+              <a:rPr kumimoji="1" lang="ja-JP" altLang="en-US" dirty="0"/>
+              <a:t>観客数と‘年’</a:t>
+            </a:r>
+            <a:r>
+              <a:rPr kumimoji="1" lang="en-US" altLang="ja-JP" dirty="0"/>
+              <a:t>, ‘</a:t>
+            </a:r>
+            <a:r>
+              <a:rPr kumimoji="1" lang="ja-JP" altLang="en-US" dirty="0"/>
+              <a:t>曜日別</a:t>
+            </a:r>
+            <a:r>
+              <a:rPr kumimoji="1" lang="en-US" altLang="ja-JP" dirty="0"/>
+              <a:t>’</a:t>
+            </a:r>
+            <a:r>
+              <a:rPr kumimoji="1" lang="ja-JP" altLang="en-US" dirty="0"/>
+              <a:t>の散布図は以下</a:t>
+            </a:r>
+            <a:endParaRPr kumimoji="1" lang="en-US" altLang="ja-JP" dirty="0"/>
+          </a:p>
+          <a:p>
+            <a:pPr marL="285750" indent="-285750">
+              <a:buFont typeface="Arial" panose="020B0604020202020204" pitchFamily="34" charset="0"/>
+              <a:buChar char="•"/>
+            </a:pPr>
+            <a:endParaRPr kumimoji="1" lang="ja-JP" altLang="en-US" dirty="0"/>
+          </a:p>
+        </p:txBody>
+      </p:sp>
+      <p:sp>
+        <p:nvSpPr>
+          <p:cNvPr id="5" name="タイトル 1">
+            <a:extLst>
+              <a:ext uri="{FF2B5EF4-FFF2-40B4-BE49-F238E27FC236}">
+                <a16:creationId xmlns:a16="http://schemas.microsoft.com/office/drawing/2014/main" id="{39824C2C-EEFC-9C9E-0B3D-6F7A1C965E85}"/>
+              </a:ext>
+            </a:extLst>
+          </p:cNvPr>
+          <p:cNvSpPr>
+            <a:spLocks noGrp="1"/>
+          </p:cNvSpPr>
+          <p:nvPr>
+            <p:ph type="title"/>
+          </p:nvPr>
+        </p:nvSpPr>
+        <p:spPr>
+          <a:xfrm>
+            <a:off x="477043" y="530225"/>
+            <a:ext cx="11237913" cy="836612"/>
+          </a:xfrm>
+        </p:spPr>
+        <p:txBody>
+          <a:bodyPr>
+            <a:normAutofit/>
+          </a:bodyPr>
+          <a:lstStyle/>
+          <a:p>
+            <a:r>
+              <a:rPr kumimoji="1" lang="en-US" altLang="ja-JP" dirty="0">
+                <a:solidFill>
+                  <a:schemeClr val="accent6"/>
+                </a:solidFill>
+              </a:rPr>
+              <a:t>2. </a:t>
+            </a:r>
+            <a:r>
+              <a:rPr lang="en-US" altLang="ja-JP" dirty="0">
+                <a:sym typeface="Wingdings" panose="05000000000000000000" pitchFamily="2" charset="2"/>
+              </a:rPr>
+              <a:t>(</a:t>
+            </a:r>
+            <a:r>
+              <a:rPr lang="ja-JP" altLang="en-US" dirty="0">
+                <a:sym typeface="Wingdings" panose="05000000000000000000" pitchFamily="2" charset="2"/>
+              </a:rPr>
+              <a:t>提出後</a:t>
+            </a:r>
+            <a:r>
+              <a:rPr lang="en-US" altLang="ja-JP" dirty="0">
+                <a:sym typeface="Wingdings" panose="05000000000000000000" pitchFamily="2" charset="2"/>
+              </a:rPr>
+              <a:t>)</a:t>
+            </a:r>
+            <a:r>
+              <a:rPr kumimoji="1" lang="ja-JP" altLang="en-US" dirty="0"/>
+              <a:t>データの概要</a:t>
+            </a:r>
+          </a:p>
+        </p:txBody>
+      </p:sp>
+      <p:pic>
+        <p:nvPicPr>
+          <p:cNvPr id="7" name="図 6">
+            <a:extLst>
+              <a:ext uri="{FF2B5EF4-FFF2-40B4-BE49-F238E27FC236}">
+                <a16:creationId xmlns:a16="http://schemas.microsoft.com/office/drawing/2014/main" id="{B7878BF7-24EF-2197-BC91-8C2FAA8306D2}"/>
+              </a:ext>
+            </a:extLst>
+          </p:cNvPr>
+          <p:cNvPicPr>
+            <a:picLocks noChangeAspect="1"/>
+          </p:cNvPicPr>
+          <p:nvPr/>
+        </p:nvPicPr>
+        <p:blipFill>
+          <a:blip r:embed="rId3"/>
+          <a:stretch>
+            <a:fillRect/>
+          </a:stretch>
+        </p:blipFill>
+        <p:spPr>
+          <a:xfrm>
+            <a:off x="898137" y="2630636"/>
+            <a:ext cx="5384328" cy="4128993"/>
+          </a:xfrm>
+          <a:prstGeom prst="rect">
+            <a:avLst/>
+          </a:prstGeom>
+        </p:spPr>
+      </p:pic>
+      <p:pic>
+        <p:nvPicPr>
+          <p:cNvPr id="9" name="図 8">
+            <a:extLst>
+              <a:ext uri="{FF2B5EF4-FFF2-40B4-BE49-F238E27FC236}">
+                <a16:creationId xmlns:a16="http://schemas.microsoft.com/office/drawing/2014/main" id="{9F27EABF-B825-E1A4-6F16-4BCD4D2C5733}"/>
+              </a:ext>
+            </a:extLst>
+          </p:cNvPr>
+          <p:cNvPicPr>
+            <a:picLocks noChangeAspect="1"/>
+          </p:cNvPicPr>
+          <p:nvPr/>
+        </p:nvPicPr>
+        <p:blipFill>
+          <a:blip r:embed="rId4"/>
+          <a:stretch>
+            <a:fillRect/>
+          </a:stretch>
+        </p:blipFill>
+        <p:spPr>
+          <a:xfrm>
+            <a:off x="6406978" y="2630635"/>
+            <a:ext cx="5384328" cy="4113869"/>
+          </a:xfrm>
+          <a:prstGeom prst="rect">
+            <a:avLst/>
+          </a:prstGeom>
+        </p:spPr>
+      </p:pic>
+    </p:spTree>
+    <p:extLst>
+      <p:ext uri="{BB962C8B-B14F-4D97-AF65-F5344CB8AC3E}">
+        <p14:creationId xmlns:p14="http://schemas.microsoft.com/office/powerpoint/2010/main" val="3638500433"/>
+      </p:ext>
+    </p:extLst>
+  </p:cSld>
+  <p:clrMapOvr>
+    <a:masterClrMapping/>
+  </p:clrMapOvr>
+</p:sld>
+</file>
+
+<file path=ppt/slides/slide7.xml><?xml version="1.0" encoding="utf-8"?>
+<p:sld xmlns:a="http://schemas.openxmlformats.org/drawingml/2006/main" xmlns:r="http://schemas.openxmlformats.org/officeDocument/2006/relationships" xmlns:p="http://schemas.openxmlformats.org/presentationml/2006/main">
+  <p:cSld>
+    <p:spTree>
+      <p:nvGrpSpPr>
+        <p:cNvPr id="1" name=""/>
+        <p:cNvGrpSpPr/>
+        <p:nvPr/>
+      </p:nvGrpSpPr>
+      <p:grpSpPr>
+        <a:xfrm>
+          <a:off x="0" y="0"/>
+          <a:ext cx="0" cy="0"/>
+          <a:chOff x="0" y="0"/>
+          <a:chExt cx="0" cy="0"/>
+        </a:xfrm>
+      </p:grpSpPr>
+      <p:sp>
+        <p:nvSpPr>
+          <p:cNvPr id="2" name="タイトル 1">
+            <a:extLst>
+              <a:ext uri="{FF2B5EF4-FFF2-40B4-BE49-F238E27FC236}">
+                <a16:creationId xmlns:a16="http://schemas.microsoft.com/office/drawing/2014/main" id="{73723481-8627-CB4D-81B0-B488EA791718}"/>
+              </a:ext>
+            </a:extLst>
+          </p:cNvPr>
+          <p:cNvSpPr>
+            <a:spLocks noGrp="1"/>
+          </p:cNvSpPr>
+          <p:nvPr>
+            <p:ph type="title"/>
+          </p:nvPr>
+        </p:nvSpPr>
+        <p:spPr/>
+        <p:txBody>
+          <a:bodyPr>
+            <a:normAutofit/>
+          </a:bodyPr>
+          <a:lstStyle/>
+          <a:p>
+            <a:r>
+              <a:rPr kumimoji="1" lang="en-US" altLang="ja-JP" dirty="0">
+                <a:solidFill>
+                  <a:schemeClr val="accent6"/>
+                </a:solidFill>
+              </a:rPr>
+              <a:t>2. </a:t>
+            </a:r>
+            <a:r>
+              <a:rPr kumimoji="1" lang="ja-JP" altLang="en-US" dirty="0"/>
+              <a:t>データの概要：訓練・テスト別</a:t>
+            </a:r>
+          </a:p>
+        </p:txBody>
+      </p:sp>
+      <p:sp>
+        <p:nvSpPr>
+          <p:cNvPr id="3" name="コンテンツ プレースホルダー 2">
+            <a:extLst>
+              <a:ext uri="{FF2B5EF4-FFF2-40B4-BE49-F238E27FC236}">
+                <a16:creationId xmlns:a16="http://schemas.microsoft.com/office/drawing/2014/main" id="{563DA75C-FFE1-9EED-5832-BDB659CCE318}"/>
+              </a:ext>
+            </a:extLst>
+          </p:cNvPr>
+          <p:cNvSpPr>
+            <a:spLocks noGrp="1"/>
+          </p:cNvSpPr>
+          <p:nvPr>
+            <p:ph sz="quarter" idx="13"/>
+          </p:nvPr>
+        </p:nvSpPr>
+        <p:spPr>
+          <a:xfrm>
+            <a:off x="533401" y="1557288"/>
+            <a:ext cx="11125200" cy="4557761"/>
+          </a:xfrm>
+        </p:spPr>
+        <p:txBody>
+          <a:bodyPr/>
+          <a:lstStyle/>
+          <a:p>
+            <a:pPr marL="285750" indent="-285750">
+              <a:buFont typeface="Arial" panose="020B0604020202020204" pitchFamily="34" charset="0"/>
+              <a:buChar char="•"/>
+            </a:pPr>
+            <a:r>
+              <a:rPr kumimoji="1" lang="ja-JP" altLang="en-US" dirty="0"/>
+              <a:t>訓練用データとテストデータの分割割合は、</a:t>
+            </a:r>
+            <a:r>
+              <a:rPr kumimoji="1" lang="en-US" altLang="ja-JP" dirty="0"/>
+              <a:t>8:2</a:t>
+            </a:r>
+            <a:r>
+              <a:rPr kumimoji="1" lang="ja-JP" altLang="en-US" dirty="0"/>
+              <a:t>として分割した。</a:t>
+            </a:r>
+          </a:p>
+        </p:txBody>
+      </p:sp>
+      <p:pic>
+        <p:nvPicPr>
+          <p:cNvPr id="5" name="図 4">
+            <a:extLst>
+              <a:ext uri="{FF2B5EF4-FFF2-40B4-BE49-F238E27FC236}">
+                <a16:creationId xmlns:a16="http://schemas.microsoft.com/office/drawing/2014/main" id="{B167D483-93FA-A7D2-7C05-5BAECFFE23CF}"/>
+              </a:ext>
+            </a:extLst>
+          </p:cNvPr>
+          <p:cNvPicPr>
+            <a:picLocks noChangeAspect="1"/>
+          </p:cNvPicPr>
+          <p:nvPr/>
+        </p:nvPicPr>
+        <p:blipFill>
+          <a:blip r:embed="rId2"/>
+          <a:stretch>
+            <a:fillRect/>
+          </a:stretch>
+        </p:blipFill>
+        <p:spPr>
+          <a:xfrm>
+            <a:off x="947953" y="1998035"/>
+            <a:ext cx="3105583" cy="714475"/>
+          </a:xfrm>
+          <a:prstGeom prst="rect">
+            <a:avLst/>
+          </a:prstGeom>
+        </p:spPr>
+      </p:pic>
+      <p:sp>
+        <p:nvSpPr>
+          <p:cNvPr id="6" name="四角形: 角を丸くする 5">
+            <a:extLst>
+              <a:ext uri="{FF2B5EF4-FFF2-40B4-BE49-F238E27FC236}">
+                <a16:creationId xmlns:a16="http://schemas.microsoft.com/office/drawing/2014/main" id="{62CD721C-3ADB-2FD1-3021-CA5398B2E76A}"/>
+              </a:ext>
+            </a:extLst>
+          </p:cNvPr>
+          <p:cNvSpPr/>
+          <p:nvPr/>
+        </p:nvSpPr>
+        <p:spPr>
+          <a:xfrm>
+            <a:off x="533399" y="2971800"/>
+            <a:ext cx="5562601" cy="3528097"/>
+          </a:xfrm>
+          <a:prstGeom prst="roundRect">
+            <a:avLst/>
+          </a:prstGeom>
+        </p:spPr>
+        <p:style>
+          <a:lnRef idx="2">
+            <a:schemeClr val="accent1"/>
+          </a:lnRef>
+          <a:fillRef idx="1">
+            <a:schemeClr val="lt1"/>
+          </a:fillRef>
+          <a:effectRef idx="0">
+            <a:schemeClr val="accent1"/>
+          </a:effectRef>
+          <a:fontRef idx="minor">
+            <a:schemeClr val="dk1"/>
+          </a:fontRef>
+        </p:style>
+        <p:txBody>
+          <a:bodyPr rtlCol="0" anchor="t"/>
+          <a:lstStyle/>
+          <a:p>
+            <a:pPr algn="ctr"/>
+            <a:r>
+              <a:rPr kumimoji="1" lang="ja-JP" altLang="en-US" dirty="0"/>
+              <a:t>訓練用データ</a:t>
+            </a:r>
+            <a:endParaRPr kumimoji="1" lang="en-US" altLang="ja-JP" dirty="0"/>
+          </a:p>
+        </p:txBody>
+      </p:sp>
+      <p:sp>
+        <p:nvSpPr>
+          <p:cNvPr id="7" name="四角形: 角を丸くする 6">
+            <a:extLst>
+              <a:ext uri="{FF2B5EF4-FFF2-40B4-BE49-F238E27FC236}">
+                <a16:creationId xmlns:a16="http://schemas.microsoft.com/office/drawing/2014/main" id="{7CB03179-EADA-10E4-DDF7-2767195EC3DF}"/>
+              </a:ext>
+            </a:extLst>
+          </p:cNvPr>
+          <p:cNvSpPr/>
+          <p:nvPr/>
+        </p:nvSpPr>
+        <p:spPr>
+          <a:xfrm>
+            <a:off x="6262254" y="2971800"/>
+            <a:ext cx="5756563" cy="3636817"/>
+          </a:xfrm>
+          <a:prstGeom prst="roundRect">
+            <a:avLst/>
+          </a:prstGeom>
+        </p:spPr>
+        <p:style>
+          <a:lnRef idx="2">
+            <a:schemeClr val="accent2"/>
+          </a:lnRef>
+          <a:fillRef idx="1">
+            <a:schemeClr val="lt1"/>
+          </a:fillRef>
+          <a:effectRef idx="0">
+            <a:schemeClr val="accent2"/>
+          </a:effectRef>
+          <a:fontRef idx="minor">
+            <a:schemeClr val="dk1"/>
+          </a:fontRef>
+        </p:style>
+        <p:txBody>
+          <a:bodyPr rtlCol="0" anchor="t"/>
+          <a:lstStyle/>
+          <a:p>
+            <a:pPr algn="ctr"/>
+            <a:r>
+              <a:rPr kumimoji="1" lang="ja-JP" altLang="en-US" dirty="0"/>
+              <a:t>テスト用データ</a:t>
+            </a:r>
+            <a:endParaRPr kumimoji="1" lang="en-US" altLang="ja-JP" dirty="0"/>
+          </a:p>
+        </p:txBody>
+      </p:sp>
+      <p:pic>
+        <p:nvPicPr>
+          <p:cNvPr id="10" name="図 9">
+            <a:extLst>
+              <a:ext uri="{FF2B5EF4-FFF2-40B4-BE49-F238E27FC236}">
+                <a16:creationId xmlns:a16="http://schemas.microsoft.com/office/drawing/2014/main" id="{1291C3E1-5205-E7E0-5A1F-70F260BBD0F3}"/>
+              </a:ext>
+            </a:extLst>
+          </p:cNvPr>
+          <p:cNvPicPr>
+            <a:picLocks noChangeAspect="1"/>
+          </p:cNvPicPr>
+          <p:nvPr/>
+        </p:nvPicPr>
+        <p:blipFill>
+          <a:blip r:embed="rId3"/>
+          <a:stretch>
+            <a:fillRect/>
+          </a:stretch>
+        </p:blipFill>
+        <p:spPr>
+          <a:xfrm>
+            <a:off x="3589295" y="4180775"/>
+            <a:ext cx="2182278" cy="1710604"/>
+          </a:xfrm>
+          <a:prstGeom prst="rect">
+            <a:avLst/>
+          </a:prstGeom>
+        </p:spPr>
+      </p:pic>
+      <p:pic>
+        <p:nvPicPr>
+          <p:cNvPr id="12" name="図 11">
+            <a:extLst>
+              <a:ext uri="{FF2B5EF4-FFF2-40B4-BE49-F238E27FC236}">
+                <a16:creationId xmlns:a16="http://schemas.microsoft.com/office/drawing/2014/main" id="{27B054A2-00F3-232C-D315-EE99CB144029}"/>
+              </a:ext>
+            </a:extLst>
+          </p:cNvPr>
+          <p:cNvPicPr>
+            <a:picLocks noChangeAspect="1"/>
+          </p:cNvPicPr>
+          <p:nvPr/>
+        </p:nvPicPr>
+        <p:blipFill>
+          <a:blip r:embed="rId4"/>
+          <a:stretch>
+            <a:fillRect/>
+          </a:stretch>
+        </p:blipFill>
+        <p:spPr>
+          <a:xfrm>
+            <a:off x="891457" y="4180775"/>
+            <a:ext cx="2536086" cy="1627994"/>
+          </a:xfrm>
+          <a:prstGeom prst="rect">
+            <a:avLst/>
+          </a:prstGeom>
+        </p:spPr>
+      </p:pic>
+      <p:pic>
+        <p:nvPicPr>
+          <p:cNvPr id="14" name="図 13">
+            <a:extLst>
+              <a:ext uri="{FF2B5EF4-FFF2-40B4-BE49-F238E27FC236}">
+                <a16:creationId xmlns:a16="http://schemas.microsoft.com/office/drawing/2014/main" id="{2AD67CEA-FB13-F402-FBD8-6618F4AEC21B}"/>
+              </a:ext>
+            </a:extLst>
+          </p:cNvPr>
+          <p:cNvPicPr>
+            <a:picLocks noChangeAspect="1"/>
+          </p:cNvPicPr>
+          <p:nvPr/>
+        </p:nvPicPr>
+        <p:blipFill>
+          <a:blip r:embed="rId5"/>
+          <a:stretch>
+            <a:fillRect/>
+          </a:stretch>
+        </p:blipFill>
+        <p:spPr>
+          <a:xfrm>
+            <a:off x="9510156" y="4180775"/>
+            <a:ext cx="2185390" cy="1739392"/>
+          </a:xfrm>
+          <a:prstGeom prst="rect">
+            <a:avLst/>
+          </a:prstGeom>
+        </p:spPr>
+      </p:pic>
+      <p:pic>
+        <p:nvPicPr>
+          <p:cNvPr id="16" name="図 15">
+            <a:extLst>
+              <a:ext uri="{FF2B5EF4-FFF2-40B4-BE49-F238E27FC236}">
+                <a16:creationId xmlns:a16="http://schemas.microsoft.com/office/drawing/2014/main" id="{E39A3F2C-F37E-863D-F9BF-670841839DDF}"/>
+              </a:ext>
+            </a:extLst>
+          </p:cNvPr>
+          <p:cNvPicPr>
+            <a:picLocks noChangeAspect="1"/>
+          </p:cNvPicPr>
+          <p:nvPr/>
+        </p:nvPicPr>
+        <p:blipFill>
+          <a:blip r:embed="rId6"/>
+          <a:stretch>
+            <a:fillRect/>
+          </a:stretch>
+        </p:blipFill>
+        <p:spPr>
+          <a:xfrm>
+            <a:off x="6560128" y="4180774"/>
+            <a:ext cx="2652154" cy="1718697"/>
+          </a:xfrm>
+          <a:prstGeom prst="rect">
+            <a:avLst/>
+          </a:prstGeom>
+        </p:spPr>
+      </p:pic>
+    </p:spTree>
+    <p:extLst>
+      <p:ext uri="{BB962C8B-B14F-4D97-AF65-F5344CB8AC3E}">
+        <p14:creationId xmlns:p14="http://schemas.microsoft.com/office/powerpoint/2010/main" val="3670998295"/>
+      </p:ext>
+    </p:extLst>
+  </p:cSld>
+  <p:clrMapOvr>
+    <a:masterClrMapping/>
+  </p:clrMapOvr>
+</p:sld>
+</file>
+
+<file path=ppt/slides/slide8.xml><?xml version="1.0" encoding="utf-8"?>
+<p:sld xmlns:a="http://schemas.openxmlformats.org/drawingml/2006/main" xmlns:r="http://schemas.openxmlformats.org/officeDocument/2006/relationships" xmlns:p="http://schemas.openxmlformats.org/presentationml/2006/main">
+  <p:cSld>
+    <p:spTree>
+      <p:nvGrpSpPr>
+        <p:cNvPr id="1" name=""/>
+        <p:cNvGrpSpPr/>
+        <p:nvPr/>
+      </p:nvGrpSpPr>
+      <p:grpSpPr>
+        <a:xfrm>
+          <a:off x="0" y="0"/>
+          <a:ext cx="0" cy="0"/>
+          <a:chOff x="0" y="0"/>
+          <a:chExt cx="0" cy="0"/>
+        </a:xfrm>
+      </p:grpSpPr>
+      <p:sp>
+        <p:nvSpPr>
+          <p:cNvPr id="2" name="タイトル 1">
+            <a:extLst>
+              <a:ext uri="{FF2B5EF4-FFF2-40B4-BE49-F238E27FC236}">
+                <a16:creationId xmlns:a16="http://schemas.microsoft.com/office/drawing/2014/main" id="{8C3B321C-F834-183E-F3A3-BE299EE8D7D5}"/>
+              </a:ext>
+            </a:extLst>
+          </p:cNvPr>
+          <p:cNvSpPr>
+            <a:spLocks noGrp="1"/>
+          </p:cNvSpPr>
+          <p:nvPr>
+            <p:ph type="title"/>
+          </p:nvPr>
+        </p:nvSpPr>
+        <p:spPr/>
+        <p:txBody>
+          <a:bodyPr/>
+          <a:lstStyle/>
+          <a:p>
+            <a:r>
+              <a:rPr kumimoji="1" lang="en-US" altLang="ja-JP" dirty="0">
+                <a:solidFill>
+                  <a:schemeClr val="accent6"/>
+                </a:solidFill>
+              </a:rPr>
+              <a:t>3. </a:t>
+            </a:r>
+            <a:r>
+              <a:rPr kumimoji="1" lang="ja-JP" altLang="en-US" dirty="0"/>
+              <a:t>整形と前処理</a:t>
+            </a:r>
+          </a:p>
+        </p:txBody>
+      </p:sp>
+      <p:sp>
+        <p:nvSpPr>
+          <p:cNvPr id="3" name="コンテンツ プレースホルダー 2">
+            <a:extLst>
+              <a:ext uri="{FF2B5EF4-FFF2-40B4-BE49-F238E27FC236}">
+                <a16:creationId xmlns:a16="http://schemas.microsoft.com/office/drawing/2014/main" id="{786A9E2F-2D8B-4DBB-4141-CFFB381A25FE}"/>
+              </a:ext>
+            </a:extLst>
+          </p:cNvPr>
+          <p:cNvSpPr>
+            <a:spLocks noGrp="1"/>
+          </p:cNvSpPr>
+          <p:nvPr>
+            <p:ph sz="quarter" idx="13"/>
+          </p:nvPr>
+        </p:nvSpPr>
+        <p:spPr>
+          <a:xfrm>
+            <a:off x="533401" y="1440874"/>
+            <a:ext cx="11125200" cy="4674176"/>
+          </a:xfrm>
+        </p:spPr>
+        <p:txBody>
+          <a:bodyPr/>
+          <a:lstStyle/>
+          <a:p>
+            <a:pPr marL="285750" indent="-285750">
+              <a:buFont typeface="Arial" panose="020B0604020202020204" pitchFamily="34" charset="0"/>
+              <a:buChar char="•"/>
+            </a:pPr>
+            <a:r>
+              <a:rPr kumimoji="1" lang="ja-JP" altLang="en-US" dirty="0"/>
+              <a:t>中止ゲームについては、そのままでは欠損値として自動処理できなかったので、以下の修正を行った。</a:t>
+            </a:r>
+            <a:endParaRPr kumimoji="1" lang="en-US" altLang="ja-JP" dirty="0"/>
+          </a:p>
+          <a:p>
+            <a:pPr marL="742950" lvl="1" indent="-285750">
+              <a:buFont typeface="Arial" panose="020B0604020202020204" pitchFamily="34" charset="0"/>
+              <a:buChar char="•"/>
+            </a:pPr>
+            <a:r>
+              <a:rPr lang="ja-JP" altLang="en-US" dirty="0"/>
+              <a:t>勝敗   ：</a:t>
+            </a:r>
+            <a:r>
+              <a:rPr lang="en-US" altLang="ja-JP" dirty="0"/>
+              <a:t>’-’ </a:t>
+            </a:r>
+            <a:r>
+              <a:rPr lang="ja-JP" altLang="en-US" dirty="0"/>
+              <a:t>という値を、欠損値として扱い、</a:t>
+            </a:r>
+            <a:r>
+              <a:rPr lang="en-US" altLang="ja-JP" b="0" dirty="0" err="1">
+                <a:solidFill>
+                  <a:srgbClr val="4EC9B0"/>
+                </a:solidFill>
+                <a:effectLst/>
+                <a:highlight>
+                  <a:srgbClr val="1F1F1F"/>
+                </a:highlight>
+                <a:latin typeface="Consolas" panose="020B0609020204030204" pitchFamily="49" charset="0"/>
+              </a:rPr>
+              <a:t>np</a:t>
+            </a:r>
+            <a:r>
+              <a:rPr lang="en-US" altLang="ja-JP" b="0" dirty="0" err="1">
+                <a:solidFill>
+                  <a:srgbClr val="CCCCCC"/>
+                </a:solidFill>
+                <a:effectLst/>
+                <a:highlight>
+                  <a:srgbClr val="1F1F1F"/>
+                </a:highlight>
+                <a:latin typeface="Consolas" panose="020B0609020204030204" pitchFamily="49" charset="0"/>
+              </a:rPr>
+              <a:t>.</a:t>
+            </a:r>
+            <a:r>
+              <a:rPr lang="en-US" altLang="ja-JP" b="0" dirty="0" err="1">
+                <a:solidFill>
+                  <a:srgbClr val="9CDCFE"/>
+                </a:solidFill>
+                <a:effectLst/>
+                <a:highlight>
+                  <a:srgbClr val="1F1F1F"/>
+                </a:highlight>
+                <a:latin typeface="Consolas" panose="020B0609020204030204" pitchFamily="49" charset="0"/>
+              </a:rPr>
+              <a:t>nan</a:t>
+            </a:r>
+            <a:r>
+              <a:rPr lang="ja-JP" altLang="en-US" dirty="0"/>
+              <a:t>代入</a:t>
+            </a:r>
+            <a:endParaRPr lang="en-US" altLang="ja-JP" b="0" dirty="0">
+              <a:solidFill>
+                <a:srgbClr val="CCCCCC"/>
+              </a:solidFill>
+              <a:effectLst/>
+              <a:highlight>
+                <a:srgbClr val="1F1F1F"/>
+              </a:highlight>
+              <a:latin typeface="Consolas" panose="020B0609020204030204" pitchFamily="49" charset="0"/>
+            </a:endParaRPr>
+          </a:p>
+          <a:p>
+            <a:pPr marL="742950" lvl="1" indent="-285750">
+              <a:buFont typeface="Arial" panose="020B0604020202020204" pitchFamily="34" charset="0"/>
+              <a:buChar char="•"/>
+            </a:pPr>
+            <a:r>
+              <a:rPr kumimoji="1" lang="ja-JP" altLang="en-US" dirty="0"/>
+              <a:t>スコア：</a:t>
+            </a:r>
+            <a:r>
+              <a:rPr lang="en-US" altLang="ja-JP" dirty="0"/>
+              <a:t>’</a:t>
+            </a:r>
+            <a:r>
+              <a:rPr lang="ja-JP" altLang="en-US" dirty="0"/>
+              <a:t>中止</a:t>
+            </a:r>
+            <a:r>
+              <a:rPr lang="en-US" altLang="ja-JP" dirty="0"/>
+              <a:t>’</a:t>
+            </a:r>
+            <a:r>
+              <a:rPr lang="ja-JP" altLang="en-US" dirty="0"/>
+              <a:t>という値を、</a:t>
+            </a:r>
+            <a:r>
+              <a:rPr lang="en-US" altLang="ja-JP" dirty="0"/>
+              <a:t>〃</a:t>
+            </a:r>
+          </a:p>
+          <a:p>
+            <a:pPr marL="285750" indent="-285750">
+              <a:buFont typeface="Arial" panose="020B0604020202020204" pitchFamily="34" charset="0"/>
+              <a:buChar char="•"/>
+            </a:pPr>
+            <a:r>
+              <a:rPr kumimoji="1" lang="ja-JP" altLang="en-US" dirty="0"/>
+              <a:t>観客数のデータから、単位（人）を除去</a:t>
+            </a:r>
+            <a:endParaRPr kumimoji="1" lang="en-US" altLang="ja-JP" dirty="0"/>
+          </a:p>
+          <a:p>
+            <a:pPr marL="285750" indent="-285750">
+              <a:buFont typeface="Arial" panose="020B0604020202020204" pitchFamily="34" charset="0"/>
+              <a:buChar char="•"/>
+            </a:pPr>
+            <a:r>
+              <a:rPr kumimoji="1" lang="ja-JP" altLang="en-US" dirty="0"/>
+              <a:t>スコアを自軍スコアと相手スコアに分ける</a:t>
+            </a:r>
+            <a:endParaRPr kumimoji="1" lang="en-US" altLang="ja-JP" dirty="0"/>
+          </a:p>
+          <a:p>
+            <a:pPr marL="285750" indent="-285750">
+              <a:buFont typeface="Arial" panose="020B0604020202020204" pitchFamily="34" charset="0"/>
+              <a:buChar char="•"/>
+            </a:pPr>
+            <a:r>
+              <a:rPr kumimoji="1" lang="ja-JP" altLang="en-US" dirty="0"/>
+              <a:t>勝ち（○）</a:t>
+            </a:r>
+            <a:r>
+              <a:rPr kumimoji="1" lang="en-US" altLang="ja-JP" dirty="0"/>
+              <a:t>= true, </a:t>
+            </a:r>
+            <a:r>
+              <a:rPr kumimoji="1" lang="ja-JP" altLang="en-US" dirty="0"/>
+              <a:t>負け（●） </a:t>
+            </a:r>
+            <a:r>
+              <a:rPr kumimoji="1" lang="en-US" altLang="ja-JP" dirty="0"/>
+              <a:t>= false</a:t>
+            </a:r>
+            <a:r>
+              <a:rPr kumimoji="1" lang="ja-JP" altLang="en-US" dirty="0"/>
+              <a:t>としてエンコーディングする</a:t>
+            </a:r>
+            <a:endParaRPr kumimoji="1" lang="en-US" altLang="ja-JP" dirty="0"/>
+          </a:p>
+          <a:p>
+            <a:pPr marL="285750" indent="-285750">
+              <a:buFont typeface="Arial" panose="020B0604020202020204" pitchFamily="34" charset="0"/>
+              <a:buChar char="•"/>
+            </a:pPr>
+            <a:r>
+              <a:rPr kumimoji="1" lang="ja-JP" altLang="en-US" dirty="0"/>
+              <a:t>対戦相手と先発投手を</a:t>
+            </a:r>
+            <a:r>
+              <a:rPr kumimoji="1" lang="en-US" altLang="ja-JP" dirty="0"/>
+              <a:t>one-hot</a:t>
+            </a:r>
+            <a:r>
+              <a:rPr kumimoji="1" lang="ja-JP" altLang="en-US" dirty="0"/>
+              <a:t>エンコーディングする</a:t>
+            </a:r>
+            <a:endParaRPr kumimoji="1" lang="en-US" altLang="ja-JP" dirty="0"/>
+          </a:p>
+          <a:p>
+            <a:pPr marL="285750" indent="-285750">
+              <a:buFont typeface="Arial" panose="020B0604020202020204" pitchFamily="34" charset="0"/>
+              <a:buChar char="•"/>
+            </a:pPr>
+            <a:r>
+              <a:rPr lang="ja-JP" altLang="en-US" dirty="0"/>
+              <a:t>年、月、日、曜日、四半期のカラムを追加</a:t>
+            </a:r>
+            <a:endParaRPr kumimoji="1" lang="ja-JP" altLang="en-US" dirty="0"/>
+          </a:p>
+        </p:txBody>
+      </p:sp>
+      <p:pic>
+        <p:nvPicPr>
+          <p:cNvPr id="5" name="図 4">
+            <a:extLst>
+              <a:ext uri="{FF2B5EF4-FFF2-40B4-BE49-F238E27FC236}">
+                <a16:creationId xmlns:a16="http://schemas.microsoft.com/office/drawing/2014/main" id="{1B7B6676-7E66-BA37-41E1-671704EB0D2F}"/>
+              </a:ext>
+            </a:extLst>
+          </p:cNvPr>
+          <p:cNvPicPr>
+            <a:picLocks noChangeAspect="1"/>
+          </p:cNvPicPr>
+          <p:nvPr/>
+        </p:nvPicPr>
+        <p:blipFill>
+          <a:blip r:embed="rId2"/>
+          <a:stretch>
+            <a:fillRect/>
+          </a:stretch>
+        </p:blipFill>
+        <p:spPr>
+          <a:xfrm>
+            <a:off x="1223818" y="4435865"/>
+            <a:ext cx="9705109" cy="2303371"/>
+          </a:xfrm>
+          <a:prstGeom prst="rect">
+            <a:avLst/>
+          </a:prstGeom>
+        </p:spPr>
+      </p:pic>
+    </p:spTree>
+    <p:extLst>
+      <p:ext uri="{BB962C8B-B14F-4D97-AF65-F5344CB8AC3E}">
+        <p14:creationId xmlns:p14="http://schemas.microsoft.com/office/powerpoint/2010/main" val="405621275"/>
+      </p:ext>
+    </p:extLst>
+  </p:cSld>
+  <p:clrMapOvr>
+    <a:masterClrMapping/>
+  </p:clrMapOvr>
+</p:sld>
+</file>
+
+<file path=ppt/slides/slide9.xml><?xml version="1.0" encoding="utf-8"?>
+<p:sld xmlns:a="http://schemas.openxmlformats.org/drawingml/2006/main" xmlns:r="http://schemas.openxmlformats.org/officeDocument/2006/relationships" xmlns:p="http://schemas.openxmlformats.org/presentationml/2006/main">
+  <p:cSld>
+    <p:spTree>
+      <p:nvGrpSpPr>
+        <p:cNvPr id="1" name=""/>
+        <p:cNvGrpSpPr/>
+        <p:nvPr/>
+      </p:nvGrpSpPr>
+      <p:grpSpPr>
+        <a:xfrm>
+          <a:off x="0" y="0"/>
+          <a:ext cx="0" cy="0"/>
+          <a:chOff x="0" y="0"/>
+          <a:chExt cx="0" cy="0"/>
+        </a:xfrm>
+      </p:grpSpPr>
+      <p:sp>
+        <p:nvSpPr>
+          <p:cNvPr id="2" name="タイトル 1">
+            <a:extLst>
+              <a:ext uri="{FF2B5EF4-FFF2-40B4-BE49-F238E27FC236}">
+                <a16:creationId xmlns:a16="http://schemas.microsoft.com/office/drawing/2014/main" id="{9C4BF305-2084-601E-A745-8E912144BF92}"/>
+              </a:ext>
+            </a:extLst>
+          </p:cNvPr>
+          <p:cNvSpPr>
+            <a:spLocks noGrp="1"/>
+          </p:cNvSpPr>
+          <p:nvPr>
+            <p:ph type="title"/>
+          </p:nvPr>
+        </p:nvSpPr>
+        <p:spPr/>
+        <p:txBody>
+          <a:bodyPr/>
+          <a:lstStyle/>
+          <a:p>
+            <a:r>
+              <a:rPr kumimoji="1" lang="en-US" altLang="ja-JP" dirty="0">
+                <a:solidFill>
+                  <a:schemeClr val="accent6"/>
+                </a:solidFill>
+              </a:rPr>
+              <a:t>4. </a:t>
+            </a:r>
+            <a:r>
+              <a:rPr kumimoji="1" lang="ja-JP" altLang="en-US" dirty="0"/>
+              <a:t>使用したモデル</a:t>
+            </a:r>
+            <a:r>
+              <a:rPr kumimoji="1" lang="en-US" altLang="ja-JP" dirty="0"/>
+              <a:t> </a:t>
+            </a:r>
+            <a:endParaRPr kumimoji="1" lang="ja-JP" altLang="en-US" dirty="0"/>
+          </a:p>
+        </p:txBody>
+      </p:sp>
+      <p:sp>
+        <p:nvSpPr>
+          <p:cNvPr id="3" name="コンテンツ プレースホルダー 2">
+            <a:extLst>
+              <a:ext uri="{FF2B5EF4-FFF2-40B4-BE49-F238E27FC236}">
+                <a16:creationId xmlns:a16="http://schemas.microsoft.com/office/drawing/2014/main" id="{DC16D004-55E1-4E40-B806-62AD65867584}"/>
+              </a:ext>
+            </a:extLst>
+          </p:cNvPr>
+          <p:cNvSpPr>
+            <a:spLocks noGrp="1"/>
+          </p:cNvSpPr>
+          <p:nvPr>
+            <p:ph sz="quarter" idx="13"/>
+          </p:nvPr>
+        </p:nvSpPr>
+        <p:spPr/>
+        <p:txBody>
+          <a:bodyPr/>
+          <a:lstStyle/>
+          <a:p>
+            <a:pPr marL="285750" indent="-285750">
+              <a:buFont typeface="Arial" panose="020B0604020202020204" pitchFamily="34" charset="0"/>
+              <a:buChar char="•"/>
+            </a:pPr>
+            <a:r>
+              <a:rPr kumimoji="1" lang="ja-JP" altLang="en-US" dirty="0"/>
+              <a:t>決定木：</a:t>
+            </a:r>
+            <a:r>
+              <a:rPr lang="en-US" altLang="ja-JP" b="0" dirty="0">
+                <a:solidFill>
+                  <a:srgbClr val="4EC9B0"/>
+                </a:solidFill>
+                <a:effectLst/>
+                <a:highlight>
+                  <a:srgbClr val="1F1F1F"/>
+                </a:highlight>
+                <a:latin typeface="Consolas" panose="020B0609020204030204" pitchFamily="49" charset="0"/>
+              </a:rPr>
+              <a:t> </a:t>
+            </a:r>
+            <a:r>
+              <a:rPr lang="en-US" altLang="ja-JP" b="0" dirty="0" err="1">
+                <a:solidFill>
+                  <a:srgbClr val="4EC9B0"/>
+                </a:solidFill>
+                <a:effectLst/>
+                <a:highlight>
+                  <a:srgbClr val="1F1F1F"/>
+                </a:highlight>
+                <a:latin typeface="Consolas" panose="020B0609020204030204" pitchFamily="49" charset="0"/>
+              </a:rPr>
+              <a:t>DecisionTreeRegressor</a:t>
+            </a:r>
+            <a:r>
+              <a:rPr lang="en-US" altLang="ja-JP" b="0" dirty="0">
+                <a:solidFill>
+                  <a:srgbClr val="4EC9B0"/>
+                </a:solidFill>
+                <a:effectLst/>
+                <a:highlight>
+                  <a:srgbClr val="1F1F1F"/>
+                </a:highlight>
+                <a:latin typeface="Consolas" panose="020B0609020204030204" pitchFamily="49" charset="0"/>
+              </a:rPr>
+              <a:t> </a:t>
+            </a:r>
+            <a:endParaRPr kumimoji="1" lang="en-US" altLang="ja-JP" dirty="0"/>
+          </a:p>
+          <a:p>
+            <a:pPr marL="285750" indent="-285750">
+              <a:buFont typeface="Arial" panose="020B0604020202020204" pitchFamily="34" charset="0"/>
+              <a:buChar char="•"/>
+            </a:pPr>
+            <a:r>
+              <a:rPr kumimoji="1" lang="ja-JP" altLang="en-US" dirty="0"/>
+              <a:t>標準化と交差検証により適切なハイパーパラメータの探索を行い、精度向上を狙った。</a:t>
+            </a:r>
+            <a:endParaRPr kumimoji="1" lang="en-US" altLang="ja-JP" dirty="0"/>
+          </a:p>
+          <a:p>
+            <a:pPr marL="742950" lvl="1" indent="-285750">
+              <a:buFont typeface="Arial" panose="020B0604020202020204" pitchFamily="34" charset="0"/>
+              <a:buChar char="•"/>
+            </a:pPr>
+            <a:r>
+              <a:rPr kumimoji="1" lang="ja-JP" altLang="en-US" dirty="0"/>
+              <a:t>交差検証：</a:t>
+            </a:r>
+            <a:r>
+              <a:rPr lang="en-US" altLang="ja-JP" b="0" dirty="0">
+                <a:solidFill>
+                  <a:srgbClr val="4EC9B0"/>
+                </a:solidFill>
+                <a:effectLst/>
+                <a:highlight>
+                  <a:srgbClr val="1F1F1F"/>
+                </a:highlight>
+                <a:latin typeface="Consolas" panose="020B0609020204030204" pitchFamily="49" charset="0"/>
+              </a:rPr>
+              <a:t> </a:t>
+            </a:r>
+            <a:r>
+              <a:rPr lang="en-US" altLang="ja-JP" b="0" dirty="0" err="1">
+                <a:solidFill>
+                  <a:srgbClr val="4EC9B0"/>
+                </a:solidFill>
+                <a:effectLst/>
+                <a:highlight>
+                  <a:srgbClr val="1F1F1F"/>
+                </a:highlight>
+                <a:latin typeface="Consolas" panose="020B0609020204030204" pitchFamily="49" charset="0"/>
+              </a:rPr>
+              <a:t>GridSearchCV</a:t>
+            </a:r>
+            <a:r>
+              <a:rPr lang="en-US" altLang="ja-JP" b="0" dirty="0">
+                <a:solidFill>
+                  <a:srgbClr val="CCCCCC"/>
+                </a:solidFill>
+                <a:effectLst/>
+                <a:highlight>
+                  <a:srgbClr val="1F1F1F"/>
+                </a:highlight>
+                <a:latin typeface="Consolas" panose="020B0609020204030204" pitchFamily="49" charset="0"/>
+              </a:rPr>
+              <a:t>(…, </a:t>
+            </a:r>
+            <a:r>
+              <a:rPr lang="en-US" altLang="ja-JP" b="0" dirty="0">
+                <a:solidFill>
+                  <a:srgbClr val="9CDCFE"/>
+                </a:solidFill>
+                <a:effectLst/>
+                <a:highlight>
+                  <a:srgbClr val="1F1F1F"/>
+                </a:highlight>
+                <a:latin typeface="Consolas" panose="020B0609020204030204" pitchFamily="49" charset="0"/>
+              </a:rPr>
+              <a:t>cv</a:t>
+            </a:r>
+            <a:r>
+              <a:rPr lang="en-US" altLang="ja-JP" b="0" dirty="0">
+                <a:solidFill>
+                  <a:srgbClr val="D4D4D4"/>
+                </a:solidFill>
+                <a:effectLst/>
+                <a:highlight>
+                  <a:srgbClr val="1F1F1F"/>
+                </a:highlight>
+                <a:latin typeface="Consolas" panose="020B0609020204030204" pitchFamily="49" charset="0"/>
+              </a:rPr>
+              <a:t>=</a:t>
+            </a:r>
+            <a:r>
+              <a:rPr lang="en-US" altLang="ja-JP" b="0" dirty="0">
+                <a:solidFill>
+                  <a:srgbClr val="B5CEA8"/>
+                </a:solidFill>
+                <a:effectLst/>
+                <a:highlight>
+                  <a:srgbClr val="1F1F1F"/>
+                </a:highlight>
+                <a:latin typeface="Consolas" panose="020B0609020204030204" pitchFamily="49" charset="0"/>
+              </a:rPr>
+              <a:t>10</a:t>
+            </a:r>
+            <a:r>
+              <a:rPr lang="en-US" altLang="ja-JP" b="0" dirty="0">
+                <a:solidFill>
+                  <a:srgbClr val="CCCCCC"/>
+                </a:solidFill>
+                <a:effectLst/>
+                <a:highlight>
+                  <a:srgbClr val="1F1F1F"/>
+                </a:highlight>
+                <a:latin typeface="Consolas" panose="020B0609020204030204" pitchFamily="49" charset="0"/>
+              </a:rPr>
+              <a:t>, </a:t>
+            </a:r>
+            <a:r>
+              <a:rPr lang="en-US" altLang="ja-JP" b="0" dirty="0">
+                <a:solidFill>
+                  <a:srgbClr val="9CDCFE"/>
+                </a:solidFill>
+                <a:effectLst/>
+                <a:highlight>
+                  <a:srgbClr val="1F1F1F"/>
+                </a:highlight>
+                <a:latin typeface="Consolas" panose="020B0609020204030204" pitchFamily="49" charset="0"/>
+              </a:rPr>
+              <a:t>scoring</a:t>
+            </a:r>
+            <a:r>
+              <a:rPr lang="en-US" altLang="ja-JP" b="0" dirty="0">
+                <a:solidFill>
+                  <a:srgbClr val="D4D4D4"/>
+                </a:solidFill>
+                <a:effectLst/>
+                <a:highlight>
+                  <a:srgbClr val="1F1F1F"/>
+                </a:highlight>
+                <a:latin typeface="Consolas" panose="020B0609020204030204" pitchFamily="49" charset="0"/>
+              </a:rPr>
+              <a:t>=</a:t>
+            </a:r>
+            <a:r>
+              <a:rPr lang="en-US" altLang="ja-JP" b="0" dirty="0">
+                <a:solidFill>
+                  <a:srgbClr val="CE9178"/>
+                </a:solidFill>
+                <a:effectLst/>
+                <a:highlight>
+                  <a:srgbClr val="1F1F1F"/>
+                </a:highlight>
+                <a:latin typeface="Consolas" panose="020B0609020204030204" pitchFamily="49" charset="0"/>
+              </a:rPr>
+              <a:t>'r2'</a:t>
+            </a:r>
+            <a:r>
+              <a:rPr lang="en-US" altLang="ja-JP" b="0" dirty="0">
+                <a:solidFill>
+                  <a:srgbClr val="CCCCCC"/>
+                </a:solidFill>
+                <a:effectLst/>
+                <a:highlight>
+                  <a:srgbClr val="1F1F1F"/>
+                </a:highlight>
+                <a:latin typeface="Consolas" panose="020B0609020204030204" pitchFamily="49" charset="0"/>
+              </a:rPr>
+              <a:t>, </a:t>
+            </a:r>
+            <a:r>
+              <a:rPr lang="en-US" altLang="ja-JP" b="0" dirty="0" err="1">
+                <a:solidFill>
+                  <a:srgbClr val="9CDCFE"/>
+                </a:solidFill>
+                <a:effectLst/>
+                <a:highlight>
+                  <a:srgbClr val="1F1F1F"/>
+                </a:highlight>
+                <a:latin typeface="Consolas" panose="020B0609020204030204" pitchFamily="49" charset="0"/>
+              </a:rPr>
+              <a:t>n_jobs</a:t>
+            </a:r>
+            <a:r>
+              <a:rPr lang="en-US" altLang="ja-JP" b="0" dirty="0">
+                <a:solidFill>
+                  <a:srgbClr val="D4D4D4"/>
+                </a:solidFill>
+                <a:effectLst/>
+                <a:highlight>
+                  <a:srgbClr val="1F1F1F"/>
+                </a:highlight>
+                <a:latin typeface="Consolas" panose="020B0609020204030204" pitchFamily="49" charset="0"/>
+              </a:rPr>
+              <a:t>=-</a:t>
+            </a:r>
+            <a:r>
+              <a:rPr lang="en-US" altLang="ja-JP" b="0" dirty="0">
+                <a:solidFill>
+                  <a:srgbClr val="B5CEA8"/>
+                </a:solidFill>
+                <a:effectLst/>
+                <a:highlight>
+                  <a:srgbClr val="1F1F1F"/>
+                </a:highlight>
+                <a:latin typeface="Consolas" panose="020B0609020204030204" pitchFamily="49" charset="0"/>
+              </a:rPr>
+              <a:t>1</a:t>
+            </a:r>
+            <a:r>
+              <a:rPr lang="en-US" altLang="ja-JP" b="0" dirty="0">
+                <a:solidFill>
+                  <a:srgbClr val="CCCCCC"/>
+                </a:solidFill>
+                <a:effectLst/>
+                <a:highlight>
+                  <a:srgbClr val="1F1F1F"/>
+                </a:highlight>
+                <a:latin typeface="Consolas" panose="020B0609020204030204" pitchFamily="49" charset="0"/>
+              </a:rPr>
+              <a:t>)</a:t>
+            </a:r>
+            <a:endParaRPr kumimoji="1" lang="en-US" altLang="ja-JP" dirty="0"/>
+          </a:p>
+          <a:p>
+            <a:pPr marL="742950" lvl="1" indent="-285750">
+              <a:buFont typeface="Arial" panose="020B0604020202020204" pitchFamily="34" charset="0"/>
+              <a:buChar char="•"/>
+            </a:pPr>
+            <a:r>
+              <a:rPr kumimoji="1" lang="ja-JP" altLang="en-US" dirty="0"/>
+              <a:t>標準化   ：</a:t>
+            </a:r>
+            <a:r>
+              <a:rPr lang="en-US" altLang="ja-JP" b="0" dirty="0">
+                <a:solidFill>
+                  <a:srgbClr val="4EC9B0"/>
+                </a:solidFill>
+                <a:effectLst/>
+                <a:highlight>
+                  <a:srgbClr val="1F1F1F"/>
+                </a:highlight>
+                <a:latin typeface="Consolas" panose="020B0609020204030204" pitchFamily="49" charset="0"/>
+              </a:rPr>
+              <a:t> </a:t>
+            </a:r>
+            <a:r>
+              <a:rPr lang="en-US" altLang="ja-JP" b="0" dirty="0" err="1">
+                <a:solidFill>
+                  <a:srgbClr val="4EC9B0"/>
+                </a:solidFill>
+                <a:effectLst/>
+                <a:highlight>
+                  <a:srgbClr val="1F1F1F"/>
+                </a:highlight>
+                <a:latin typeface="Consolas" panose="020B0609020204030204" pitchFamily="49" charset="0"/>
+              </a:rPr>
+              <a:t>StandardScaler</a:t>
+            </a:r>
+            <a:endParaRPr lang="en-US" altLang="ja-JP" dirty="0"/>
+          </a:p>
+          <a:p>
+            <a:pPr marL="285750" indent="-285750">
+              <a:buFont typeface="Arial" panose="020B0604020202020204" pitchFamily="34" charset="0"/>
+              <a:buChar char="•"/>
+            </a:pPr>
+            <a:r>
+              <a:rPr kumimoji="1" lang="ja-JP" altLang="en-US" dirty="0"/>
+              <a:t>学習後に、学習過程を可視化して確認することで、過学習の有無を確認した。</a:t>
+            </a:r>
+          </a:p>
+        </p:txBody>
+      </p:sp>
+      <p:pic>
+        <p:nvPicPr>
+          <p:cNvPr id="5" name="図 4">
+            <a:extLst>
+              <a:ext uri="{FF2B5EF4-FFF2-40B4-BE49-F238E27FC236}">
+                <a16:creationId xmlns:a16="http://schemas.microsoft.com/office/drawing/2014/main" id="{9B81D4F7-1240-9C48-9FB7-D12F9A0B8BDD}"/>
+              </a:ext>
+            </a:extLst>
+          </p:cNvPr>
+          <p:cNvPicPr>
+            <a:picLocks noChangeAspect="1"/>
+          </p:cNvPicPr>
+          <p:nvPr/>
+        </p:nvPicPr>
+        <p:blipFill>
+          <a:blip r:embed="rId2">
+            <a:extLst>
+              <a:ext uri="{28A0092B-C50C-407E-A947-70E740481C1C}">
+                <a14:useLocalDpi xmlns:a14="http://schemas.microsoft.com/office/drawing/2010/main" val="0"/>
+              </a:ext>
+            </a:extLst>
+          </a:blip>
+          <a:srcRect/>
+          <a:stretch/>
+        </p:blipFill>
+        <p:spPr>
+          <a:xfrm>
+            <a:off x="1454728" y="3929493"/>
+            <a:ext cx="3636818" cy="2909455"/>
+          </a:xfrm>
+          <a:prstGeom prst="rect">
+            <a:avLst/>
+          </a:prstGeom>
+        </p:spPr>
+      </p:pic>
+      <p:pic>
+        <p:nvPicPr>
+          <p:cNvPr id="7" name="図 6">
+            <a:extLst>
+              <a:ext uri="{FF2B5EF4-FFF2-40B4-BE49-F238E27FC236}">
+                <a16:creationId xmlns:a16="http://schemas.microsoft.com/office/drawing/2014/main" id="{9E3B6111-7B29-7DAD-B047-F152BE555FBB}"/>
+              </a:ext>
+            </a:extLst>
+          </p:cNvPr>
+          <p:cNvPicPr>
+            <a:picLocks noChangeAspect="1"/>
+          </p:cNvPicPr>
+          <p:nvPr/>
+        </p:nvPicPr>
+        <p:blipFill>
+          <a:blip r:embed="rId3"/>
+          <a:stretch>
+            <a:fillRect/>
+          </a:stretch>
+        </p:blipFill>
+        <p:spPr>
+          <a:xfrm>
+            <a:off x="5226565" y="4869874"/>
+            <a:ext cx="6432034" cy="1245176"/>
+          </a:xfrm>
+          <a:prstGeom prst="rect">
+            <a:avLst/>
+          </a:prstGeom>
+        </p:spPr>
+      </p:pic>
+    </p:spTree>
+    <p:extLst>
+      <p:ext uri="{BB962C8B-B14F-4D97-AF65-F5344CB8AC3E}">
+        <p14:creationId xmlns:p14="http://schemas.microsoft.com/office/powerpoint/2010/main" val="1747345072"/>
       </p:ext>
     </p:extLst>
   </p:cSld>

--- a/最終課題用/report-23vr008n.pptx
+++ b/最終課題用/report-23vr008n.pptx
@@ -5,7 +5,7 @@
     <p:sldMasterId id="2147483660" r:id="rId1"/>
   </p:sldMasterIdLst>
   <p:notesMasterIdLst>
-    <p:notesMasterId r:id="rId17"/>
+    <p:notesMasterId r:id="rId18"/>
   </p:notesMasterIdLst>
   <p:sldIdLst>
     <p:sldId id="355" r:id="rId2"/>
@@ -21,8 +21,9 @@
     <p:sldId id="368" r:id="rId12"/>
     <p:sldId id="367" r:id="rId13"/>
     <p:sldId id="369" r:id="rId14"/>
-    <p:sldId id="370" r:id="rId15"/>
-    <p:sldId id="365" r:id="rId16"/>
+    <p:sldId id="371" r:id="rId15"/>
+    <p:sldId id="370" r:id="rId16"/>
+    <p:sldId id="365" r:id="rId17"/>
   </p:sldIdLst>
   <p:sldSz cx="12192000" cy="6858000"/>
   <p:notesSz cx="6858000" cy="9144000"/>
@@ -211,7 +212,7 @@
           <a:p>
             <a:fld id="{EDE1E143-EBBA-40ED-A0A5-1114E1AA7266}" type="datetimeFigureOut">
               <a:rPr kumimoji="1" lang="ja-JP" altLang="en-US" smtClean="0"/>
-              <a:t>2024/7/5</a:t>
+              <a:t>2024/7/6</a:t>
             </a:fld>
             <a:endParaRPr kumimoji="1" lang="ja-JP" altLang="en-US"/>
           </a:p>
@@ -1430,7 +1431,7 @@
           <a:p>
             <a:fld id="{AC5A8613-8163-4006-92EF-E9067108B09D}" type="datetimeFigureOut">
               <a:rPr kumimoji="1" lang="ja-JP" altLang="en-US" smtClean="0"/>
-              <a:t>2024/7/5</a:t>
+              <a:t>2024/7/6</a:t>
             </a:fld>
             <a:endParaRPr kumimoji="1" lang="ja-JP" altLang="en-US"/>
           </a:p>
@@ -2361,7 +2362,7 @@
           <a:p>
             <a:fld id="{AC5A8613-8163-4006-92EF-E9067108B09D}" type="datetimeFigureOut">
               <a:rPr kumimoji="1" lang="ja-JP" altLang="en-US" smtClean="0"/>
-              <a:t>2024/7/5</a:t>
+              <a:t>2024/7/6</a:t>
             </a:fld>
             <a:endParaRPr kumimoji="1" lang="ja-JP" altLang="en-US"/>
           </a:p>
@@ -3315,7 +3316,7 @@
           <a:p>
             <a:fld id="{AC5A8613-8163-4006-92EF-E9067108B09D}" type="datetimeFigureOut">
               <a:rPr kumimoji="1" lang="ja-JP" altLang="en-US" smtClean="0"/>
-              <a:t>2024/7/5</a:t>
+              <a:t>2024/7/6</a:t>
             </a:fld>
             <a:endParaRPr kumimoji="1" lang="ja-JP" altLang="en-US"/>
           </a:p>
@@ -4105,7 +4106,7 @@
           <a:p>
             <a:fld id="{AC5A8613-8163-4006-92EF-E9067108B09D}" type="datetimeFigureOut">
               <a:rPr kumimoji="1" lang="ja-JP" altLang="en-US" smtClean="0"/>
-              <a:t>2024/7/5</a:t>
+              <a:t>2024/7/6</a:t>
             </a:fld>
             <a:endParaRPr kumimoji="1" lang="ja-JP" altLang="en-US"/>
           </a:p>
@@ -4702,7 +4703,7 @@
           <a:p>
             <a:fld id="{AC5A8613-8163-4006-92EF-E9067108B09D}" type="datetimeFigureOut">
               <a:rPr kumimoji="1" lang="ja-JP" altLang="en-US" smtClean="0"/>
-              <a:t>2024/7/5</a:t>
+              <a:t>2024/7/6</a:t>
             </a:fld>
             <a:endParaRPr kumimoji="1" lang="ja-JP" altLang="en-US"/>
           </a:p>
@@ -4939,7 +4940,7 @@
           <a:p>
             <a:fld id="{AC5A8613-8163-4006-92EF-E9067108B09D}" type="datetimeFigureOut">
               <a:rPr kumimoji="1" lang="ja-JP" altLang="en-US" smtClean="0"/>
-              <a:t>2024/7/5</a:t>
+              <a:t>2024/7/6</a:t>
             </a:fld>
             <a:endParaRPr kumimoji="1" lang="ja-JP" altLang="en-US"/>
           </a:p>
@@ -6038,7 +6039,7 @@
           <a:p>
             <a:fld id="{AC5A8613-8163-4006-92EF-E9067108B09D}" type="datetimeFigureOut">
               <a:rPr kumimoji="1" lang="ja-JP" altLang="en-US" smtClean="0"/>
-              <a:t>2024/7/5</a:t>
+              <a:t>2024/7/6</a:t>
             </a:fld>
             <a:endParaRPr kumimoji="1" lang="ja-JP" altLang="en-US"/>
           </a:p>
@@ -6630,7 +6631,7 @@
           <a:p>
             <a:fld id="{AC5A8613-8163-4006-92EF-E9067108B09D}" type="datetimeFigureOut">
               <a:rPr kumimoji="1" lang="ja-JP" altLang="en-US" smtClean="0"/>
-              <a:t>2024/7/5</a:t>
+              <a:t>2024/7/6</a:t>
             </a:fld>
             <a:endParaRPr kumimoji="1" lang="ja-JP" altLang="en-US"/>
           </a:p>
@@ -7180,7 +7181,7 @@
           <a:p>
             <a:fld id="{AC5A8613-8163-4006-92EF-E9067108B09D}" type="datetimeFigureOut">
               <a:rPr kumimoji="1" lang="ja-JP" altLang="en-US" smtClean="0"/>
-              <a:t>2024/7/5</a:t>
+              <a:t>2024/7/6</a:t>
             </a:fld>
             <a:endParaRPr kumimoji="1" lang="ja-JP" altLang="en-US"/>
           </a:p>
@@ -7998,7 +7999,7 @@
           <a:p>
             <a:fld id="{AC5A8613-8163-4006-92EF-E9067108B09D}" type="datetimeFigureOut">
               <a:rPr kumimoji="1" lang="ja-JP" altLang="en-US" smtClean="0"/>
-              <a:t>2024/7/5</a:t>
+              <a:t>2024/7/6</a:t>
             </a:fld>
             <a:endParaRPr kumimoji="1" lang="ja-JP" altLang="en-US"/>
           </a:p>
@@ -8589,7 +8590,7 @@
           <a:p>
             <a:fld id="{AC5A8613-8163-4006-92EF-E9067108B09D}" type="datetimeFigureOut">
               <a:rPr kumimoji="1" lang="ja-JP" altLang="en-US" smtClean="0"/>
-              <a:t>2024/7/5</a:t>
+              <a:t>2024/7/6</a:t>
             </a:fld>
             <a:endParaRPr kumimoji="1" lang="ja-JP" altLang="en-US"/>
           </a:p>
@@ -8949,7 +8950,7 @@
           <a:p>
             <a:fld id="{AC5A8613-8163-4006-92EF-E9067108B09D}" type="datetimeFigureOut">
               <a:rPr kumimoji="1" lang="ja-JP" altLang="en-US" smtClean="0"/>
-              <a:t>2024/7/5</a:t>
+              <a:t>2024/7/6</a:t>
             </a:fld>
             <a:endParaRPr kumimoji="1" lang="ja-JP" altLang="en-US"/>
           </a:p>
@@ -9649,14 +9650,6 @@
           <a:p>
             <a:pPr rtl="0"/>
             <a:r>
-              <a:rPr lang="ja-JP" altLang="en-US" dirty="0">
-                <a:solidFill>
-                  <a:srgbClr val="FFFFFF"/>
-                </a:solidFill>
-              </a:rPr>
-              <a:t>三宅研 </a:t>
-            </a:r>
-            <a:r>
               <a:rPr lang="en-US" altLang="ja-JP" dirty="0">
                 <a:solidFill>
                   <a:srgbClr val="FFFFFF"/>
@@ -10354,7 +10347,7 @@
             </a:pPr>
             <a:r>
               <a:rPr lang="ja-JP" altLang="en-US" dirty="0"/>
-              <a:t>一応出力結果を散布図にプロットしてみると、ある程度は予測できていることを確認できる。</a:t>
+              <a:t>モデルの予測結果を散布図にプロットしてみると、ある程度は予測できていることを確認できた。</a:t>
             </a:r>
             <a:endParaRPr lang="en-US" altLang="ja-JP" dirty="0"/>
           </a:p>
@@ -10449,8 +10442,16 @@
           <a:lstStyle/>
           <a:p>
             <a:r>
+              <a:rPr kumimoji="1" lang="en-US" altLang="ja-JP" dirty="0">
+                <a:solidFill>
+                  <a:schemeClr val="accent6"/>
+                </a:solidFill>
+              </a:rPr>
+              <a:t>6. </a:t>
+            </a:r>
+            <a:r>
               <a:rPr kumimoji="1" lang="en-US" altLang="ja-JP" dirty="0"/>
-              <a:t>6. (</a:t>
+              <a:t>(</a:t>
             </a:r>
             <a:r>
               <a:rPr kumimoji="1" lang="ja-JP" altLang="en-US" dirty="0"/>
@@ -10494,7 +10495,15 @@
             </a:pPr>
             <a:r>
               <a:rPr kumimoji="1" lang="ja-JP" altLang="en-US" dirty="0"/>
-              <a:t>スコアは大きく悪化してしまった。観客数を予測する上で年数の情報は重要であるようだ。</a:t>
+              <a:t>スコアは大きく悪化してしまった。観客数を予測する上で年数の情報は重要</a:t>
+            </a:r>
+            <a:r>
+              <a:rPr lang="ja-JP" altLang="en-US" dirty="0"/>
+              <a:t>なキーとなる</a:t>
+            </a:r>
+            <a:r>
+              <a:rPr kumimoji="1" lang="ja-JP" altLang="en-US" dirty="0"/>
+              <a:t>。</a:t>
             </a:r>
             <a:endParaRPr kumimoji="1" lang="en-US" altLang="ja-JP" dirty="0"/>
           </a:p>
@@ -10561,8 +10570,8 @@
         </p:nvSpPr>
         <p:spPr>
           <a:xfrm>
-            <a:off x="1026103" y="3190397"/>
-            <a:ext cx="4631748" cy="1477328"/>
+            <a:off x="1026102" y="3094373"/>
+            <a:ext cx="4631748" cy="1015663"/>
           </a:xfrm>
           <a:prstGeom prst="rect">
             <a:avLst/>
@@ -10578,7 +10587,7 @@
           <a:lstStyle/>
           <a:p>
             <a:r>
-              <a:rPr lang="en-US" altLang="ja-JP" b="0" i="0" dirty="0">
+              <a:rPr lang="en-US" altLang="ja-JP" sz="1200" b="0" i="0" dirty="0">
                 <a:solidFill>
                   <a:srgbClr val="D4D4D4"/>
                 </a:solidFill>
@@ -10590,7 +10599,7 @@
           </a:p>
           <a:p>
             <a:r>
-              <a:rPr lang="en-US" altLang="ja-JP" b="0" i="0" dirty="0">
+              <a:rPr lang="en-US" altLang="ja-JP" sz="1200" b="0" i="0" dirty="0">
                 <a:solidFill>
                   <a:srgbClr val="D4D4D4"/>
                 </a:solidFill>
@@ -10600,7 +10609,7 @@
               <a:t>'regressor__</a:t>
             </a:r>
             <a:r>
-              <a:rPr lang="en-US" altLang="ja-JP" b="0" i="0" dirty="0" err="1">
+              <a:rPr lang="en-US" altLang="ja-JP" sz="1200" b="0" i="0" dirty="0" err="1">
                 <a:solidFill>
                   <a:srgbClr val="D4D4D4"/>
                 </a:solidFill>
@@ -10610,7 +10619,7 @@
               <a:t>max_depth</a:t>
             </a:r>
             <a:r>
-              <a:rPr lang="en-US" altLang="ja-JP" b="0" i="0" dirty="0">
+              <a:rPr lang="en-US" altLang="ja-JP" sz="1200" b="0" i="0" dirty="0">
                 <a:solidFill>
                   <a:srgbClr val="D4D4D4"/>
                 </a:solidFill>
@@ -10620,7 +10629,7 @@
               <a:t>': 8, 'regressor__</a:t>
             </a:r>
             <a:r>
-              <a:rPr lang="en-US" altLang="ja-JP" b="0" i="0" dirty="0" err="1">
+              <a:rPr lang="en-US" altLang="ja-JP" sz="1200" b="0" i="0" dirty="0" err="1">
                 <a:solidFill>
                   <a:srgbClr val="D4D4D4"/>
                 </a:solidFill>
@@ -10630,7 +10639,7 @@
               <a:t>min_samples_leaf</a:t>
             </a:r>
             <a:r>
-              <a:rPr lang="en-US" altLang="ja-JP" b="0" i="0" dirty="0">
+              <a:rPr lang="en-US" altLang="ja-JP" sz="1200" b="0" i="0" dirty="0">
                 <a:solidFill>
                   <a:srgbClr val="D4D4D4"/>
                 </a:solidFill>
@@ -10640,7 +10649,7 @@
               <a:t>': 8, 'regressor__</a:t>
             </a:r>
             <a:r>
-              <a:rPr lang="en-US" altLang="ja-JP" b="0" i="0" dirty="0" err="1">
+              <a:rPr lang="en-US" altLang="ja-JP" sz="1200" b="0" i="0" dirty="0" err="1">
                 <a:solidFill>
                   <a:srgbClr val="D4D4D4"/>
                 </a:solidFill>
@@ -10650,7 +10659,7 @@
               <a:t>min_samples_split</a:t>
             </a:r>
             <a:r>
-              <a:rPr lang="en-US" altLang="ja-JP" b="0" i="0" dirty="0">
+              <a:rPr lang="en-US" altLang="ja-JP" sz="1200" b="0" i="0" dirty="0">
                 <a:solidFill>
                   <a:srgbClr val="D4D4D4"/>
                 </a:solidFill>
@@ -10662,7 +10671,7 @@
           </a:p>
           <a:p>
             <a:r>
-              <a:rPr lang="en-US" altLang="ja-JP" b="0" i="0" dirty="0">
+              <a:rPr lang="en-US" altLang="ja-JP" sz="1200" b="0" i="0" dirty="0">
                 <a:solidFill>
                   <a:srgbClr val="D4D4D4"/>
                 </a:solidFill>
@@ -10671,7 +10680,7 @@
               </a:rPr>
               <a:t>}</a:t>
             </a:r>
-            <a:endParaRPr kumimoji="1" lang="ja-JP" altLang="en-US" dirty="0"/>
+            <a:endParaRPr kumimoji="1" lang="ja-JP" altLang="en-US" sz="1200" dirty="0"/>
           </a:p>
         </p:txBody>
       </p:sp>
@@ -10699,6 +10708,36 @@
           <a:xfrm>
             <a:off x="6534151" y="2628899"/>
             <a:ext cx="5105930" cy="3910011"/>
+          </a:xfrm>
+          <a:prstGeom prst="rect">
+            <a:avLst/>
+          </a:prstGeom>
+        </p:spPr>
+      </p:pic>
+      <p:pic>
+        <p:nvPicPr>
+          <p:cNvPr id="7" name="図 6">
+            <a:extLst>
+              <a:ext uri="{FF2B5EF4-FFF2-40B4-BE49-F238E27FC236}">
+                <a16:creationId xmlns:a16="http://schemas.microsoft.com/office/drawing/2014/main" id="{AB42F973-53A3-5153-CA6A-DD0496BDBCCC}"/>
+              </a:ext>
+            </a:extLst>
+          </p:cNvPr>
+          <p:cNvPicPr>
+            <a:picLocks noChangeAspect="1"/>
+          </p:cNvPicPr>
+          <p:nvPr/>
+        </p:nvPicPr>
+        <p:blipFill>
+          <a:blip r:embed="rId3"/>
+          <a:stretch>
+            <a:fillRect/>
+          </a:stretch>
+        </p:blipFill>
+        <p:spPr>
+          <a:xfrm>
+            <a:off x="1902515" y="4247724"/>
+            <a:ext cx="2902017" cy="2321614"/>
           </a:xfrm>
           <a:prstGeom prst="rect">
             <a:avLst/>
@@ -10757,7 +10796,11 @@
           <a:lstStyle/>
           <a:p>
             <a:r>
-              <a:rPr kumimoji="1" lang="en-US" altLang="ja-JP" dirty="0"/>
+              <a:rPr kumimoji="1" lang="en-US" altLang="ja-JP" dirty="0">
+                <a:solidFill>
+                  <a:schemeClr val="accent6"/>
+                </a:solidFill>
+              </a:rPr>
               <a:t>7. </a:t>
             </a:r>
             <a:r>
@@ -10807,7 +10850,15 @@
             </a:pPr>
             <a:r>
               <a:rPr kumimoji="1" lang="ja-JP" altLang="en-US" dirty="0"/>
-              <a:t>以下のデータを気象庁過去データベースから検索し、</a:t>
+              <a:t>以下の</a:t>
+            </a:r>
+            <a:r>
+              <a:rPr lang="ja-JP" altLang="en-US" dirty="0"/>
+              <a:t>横浜地方の気象</a:t>
+            </a:r>
+            <a:r>
+              <a:rPr kumimoji="1" lang="ja-JP" altLang="en-US" dirty="0"/>
+              <a:t>データを気象庁過去データベースから検索し、</a:t>
             </a:r>
             <a:r>
               <a:rPr lang="ja-JP" altLang="en-US" dirty="0"/>
@@ -10914,10 +10965,111 @@
               <a:rPr kumimoji="1" lang="en-US" altLang="ja-JP" dirty="0"/>
               <a:t>)</a:t>
             </a:r>
+          </a:p>
+          <a:p>
+            <a:pPr marL="285750" indent="-285750">
+              <a:buFont typeface="Arial" panose="020B0604020202020204" pitchFamily="34" charset="0"/>
+              <a:buChar char="•"/>
+            </a:pPr>
             <a:endParaRPr kumimoji="1" lang="ja-JP" altLang="en-US" dirty="0"/>
           </a:p>
         </p:txBody>
       </p:sp>
+      <p:pic>
+        <p:nvPicPr>
+          <p:cNvPr id="5" name="図 4">
+            <a:extLst>
+              <a:ext uri="{FF2B5EF4-FFF2-40B4-BE49-F238E27FC236}">
+                <a16:creationId xmlns:a16="http://schemas.microsoft.com/office/drawing/2014/main" id="{7C2849FA-727D-97A4-DFD2-6C4BA42CC535}"/>
+              </a:ext>
+            </a:extLst>
+          </p:cNvPr>
+          <p:cNvPicPr>
+            <a:picLocks noChangeAspect="1"/>
+          </p:cNvPicPr>
+          <p:nvPr/>
+        </p:nvPicPr>
+        <p:blipFill rotWithShape="1">
+          <a:blip r:embed="rId2"/>
+          <a:srcRect l="16304" r="16793" b="30607"/>
+          <a:stretch/>
+        </p:blipFill>
+        <p:spPr>
+          <a:xfrm>
+            <a:off x="6092349" y="2710070"/>
+            <a:ext cx="5523035" cy="3111883"/>
+          </a:xfrm>
+          <a:prstGeom prst="rect">
+            <a:avLst/>
+          </a:prstGeom>
+        </p:spPr>
+      </p:pic>
+      <p:sp>
+        <p:nvSpPr>
+          <p:cNvPr id="7" name="テキスト ボックス 6">
+            <a:extLst>
+              <a:ext uri="{FF2B5EF4-FFF2-40B4-BE49-F238E27FC236}">
+                <a16:creationId xmlns:a16="http://schemas.microsoft.com/office/drawing/2014/main" id="{14485E85-2DFA-E60E-F25F-DCF430B8221E}"/>
+              </a:ext>
+            </a:extLst>
+          </p:cNvPr>
+          <p:cNvSpPr txBox="1"/>
+          <p:nvPr/>
+        </p:nvSpPr>
+        <p:spPr>
+          <a:xfrm>
+            <a:off x="6685721" y="5862571"/>
+            <a:ext cx="4545496" cy="369332"/>
+          </a:xfrm>
+          <a:prstGeom prst="rect">
+            <a:avLst/>
+          </a:prstGeom>
+          <a:noFill/>
+        </p:spPr>
+        <p:txBody>
+          <a:bodyPr wrap="square">
+            <a:spAutoFit/>
+          </a:bodyPr>
+          <a:lstStyle/>
+          <a:p>
+            <a:r>
+              <a:rPr lang="en-US" altLang="ja-JP" dirty="0"/>
+              <a:t>https://www.data.jma.go.jp/gmd/risk/obsdl/#</a:t>
+            </a:r>
+            <a:endParaRPr lang="ja-JP" altLang="en-US" dirty="0"/>
+          </a:p>
+        </p:txBody>
+      </p:sp>
+      <p:pic>
+        <p:nvPicPr>
+          <p:cNvPr id="9" name="図 8">
+            <a:extLst>
+              <a:ext uri="{FF2B5EF4-FFF2-40B4-BE49-F238E27FC236}">
+                <a16:creationId xmlns:a16="http://schemas.microsoft.com/office/drawing/2014/main" id="{CD6F263A-B785-D984-14BA-50C1C6FD3EE0}"/>
+              </a:ext>
+            </a:extLst>
+          </p:cNvPr>
+          <p:cNvPicPr>
+            <a:picLocks noChangeAspect="1"/>
+          </p:cNvPicPr>
+          <p:nvPr/>
+        </p:nvPicPr>
+        <p:blipFill>
+          <a:blip r:embed="rId3"/>
+          <a:stretch>
+            <a:fillRect/>
+          </a:stretch>
+        </p:blipFill>
+        <p:spPr>
+          <a:xfrm>
+            <a:off x="960783" y="4365730"/>
+            <a:ext cx="4995924" cy="1681507"/>
+          </a:xfrm>
+          <a:prstGeom prst="rect">
+            <a:avLst/>
+          </a:prstGeom>
+        </p:spPr>
+      </p:pic>
     </p:spTree>
     <p:extLst>
       <p:ext uri="{BB962C8B-B14F-4D97-AF65-F5344CB8AC3E}">
@@ -10950,35 +11102,10 @@
       </p:grpSpPr>
       <p:sp>
         <p:nvSpPr>
-          <p:cNvPr id="2" name="タイトル 1">
-            <a:extLst>
-              <a:ext uri="{FF2B5EF4-FFF2-40B4-BE49-F238E27FC236}">
-                <a16:creationId xmlns:a16="http://schemas.microsoft.com/office/drawing/2014/main" id="{E3DBED08-8EDE-1273-E244-D19455E994B3}"/>
-              </a:ext>
-            </a:extLst>
-          </p:cNvPr>
-          <p:cNvSpPr>
-            <a:spLocks noGrp="1"/>
-          </p:cNvSpPr>
-          <p:nvPr>
-            <p:ph type="title"/>
-          </p:nvPr>
-        </p:nvSpPr>
-        <p:spPr/>
-        <p:txBody>
-          <a:bodyPr/>
-          <a:lstStyle/>
-          <a:p>
-            <a:endParaRPr kumimoji="1" lang="ja-JP" altLang="en-US" dirty="0"/>
-          </a:p>
-        </p:txBody>
-      </p:sp>
-      <p:sp>
-        <p:nvSpPr>
           <p:cNvPr id="3" name="コンテンツ プレースホルダー 2">
             <a:extLst>
               <a:ext uri="{FF2B5EF4-FFF2-40B4-BE49-F238E27FC236}">
-                <a16:creationId xmlns:a16="http://schemas.microsoft.com/office/drawing/2014/main" id="{7A16409E-437F-16B3-47AC-D8F2055AB0DB}"/>
+                <a16:creationId xmlns:a16="http://schemas.microsoft.com/office/drawing/2014/main" id="{69470E8F-100E-DB7B-AE8F-D725FB4F0578}"/>
               </a:ext>
             </a:extLst>
           </p:cNvPr>
@@ -10999,20 +11126,235 @@
               <a:buChar char="•"/>
             </a:pPr>
             <a:r>
+              <a:rPr kumimoji="1" lang="ja-JP" altLang="en-US" dirty="0"/>
+              <a:t>各データと観客数の分布は以下</a:t>
+            </a:r>
+            <a:endParaRPr kumimoji="1" lang="en-US" altLang="ja-JP" dirty="0"/>
+          </a:p>
+          <a:p>
+            <a:pPr marL="285750" indent="-285750">
+              <a:buFont typeface="Arial" panose="020B0604020202020204" pitchFamily="34" charset="0"/>
+              <a:buChar char="•"/>
+            </a:pPr>
+            <a:endParaRPr lang="en-US" altLang="ja-JP" dirty="0"/>
+          </a:p>
+          <a:p>
+            <a:pPr marL="285750" indent="-285750">
+              <a:buFont typeface="Arial" panose="020B0604020202020204" pitchFamily="34" charset="0"/>
+              <a:buChar char="•"/>
+            </a:pPr>
+            <a:endParaRPr kumimoji="1" lang="en-US" altLang="ja-JP" dirty="0"/>
+          </a:p>
+          <a:p>
+            <a:pPr marL="285750" indent="-285750">
+              <a:buFont typeface="Arial" panose="020B0604020202020204" pitchFamily="34" charset="0"/>
+              <a:buChar char="•"/>
+            </a:pPr>
+            <a:endParaRPr lang="en-US" altLang="ja-JP" dirty="0"/>
+          </a:p>
+          <a:p>
+            <a:pPr marL="285750" indent="-285750">
+              <a:buFont typeface="Arial" panose="020B0604020202020204" pitchFamily="34" charset="0"/>
+              <a:buChar char="•"/>
+            </a:pPr>
+            <a:endParaRPr kumimoji="1" lang="en-US" altLang="ja-JP" dirty="0"/>
+          </a:p>
+          <a:p>
+            <a:pPr marL="285750" indent="-285750">
+              <a:buFont typeface="Arial" panose="020B0604020202020204" pitchFamily="34" charset="0"/>
+              <a:buChar char="•"/>
+            </a:pPr>
+            <a:endParaRPr lang="en-US" altLang="ja-JP" dirty="0"/>
+          </a:p>
+          <a:p>
+            <a:pPr marL="285750" indent="-285750">
+              <a:buFont typeface="Arial" panose="020B0604020202020204" pitchFamily="34" charset="0"/>
+              <a:buChar char="•"/>
+            </a:pPr>
+            <a:endParaRPr kumimoji="1" lang="en-US" altLang="ja-JP" dirty="0"/>
+          </a:p>
+          <a:p>
+            <a:pPr marL="285750" indent="-285750">
+              <a:buFont typeface="Arial" panose="020B0604020202020204" pitchFamily="34" charset="0"/>
+              <a:buChar char="•"/>
+            </a:pPr>
+            <a:endParaRPr lang="en-US" altLang="ja-JP" dirty="0"/>
+          </a:p>
+          <a:p>
+            <a:pPr marL="285750" indent="-285750">
+              <a:buFont typeface="Arial" panose="020B0604020202020204" pitchFamily="34" charset="0"/>
+              <a:buChar char="•"/>
+            </a:pPr>
+            <a:endParaRPr kumimoji="1" lang="en-US" altLang="ja-JP" dirty="0"/>
+          </a:p>
+          <a:p>
+            <a:pPr marL="285750" indent="-285750">
+              <a:buFont typeface="Arial" panose="020B0604020202020204" pitchFamily="34" charset="0"/>
+              <a:buChar char="•"/>
+            </a:pPr>
+            <a:r>
+              <a:rPr kumimoji="1" lang="ja-JP" altLang="en-US" dirty="0"/>
+              <a:t>降水量と観客数の分布は、大きな偏りが見られたので、降水量 有り</a:t>
+            </a:r>
+            <a:r>
               <a:rPr kumimoji="1" lang="en-US" altLang="ja-JP" dirty="0"/>
-              <a:t>TODO:</a:t>
+              <a:t>/</a:t>
             </a:r>
             <a:r>
               <a:rPr kumimoji="1" lang="ja-JP" altLang="en-US" dirty="0"/>
-              <a:t>降水量あり・なしのモデル結果を乗せる</a:t>
+              <a:t>無し での比較を行った。</a:t>
             </a:r>
           </a:p>
         </p:txBody>
       </p:sp>
+      <p:sp>
+        <p:nvSpPr>
+          <p:cNvPr id="4" name="タイトル 1">
+            <a:extLst>
+              <a:ext uri="{FF2B5EF4-FFF2-40B4-BE49-F238E27FC236}">
+                <a16:creationId xmlns:a16="http://schemas.microsoft.com/office/drawing/2014/main" id="{EDB83290-DE5C-2D7F-8FBC-F64096FB3CBC}"/>
+              </a:ext>
+            </a:extLst>
+          </p:cNvPr>
+          <p:cNvSpPr>
+            <a:spLocks noGrp="1"/>
+          </p:cNvSpPr>
+          <p:nvPr>
+            <p:ph type="title"/>
+          </p:nvPr>
+        </p:nvSpPr>
+        <p:spPr>
+          <a:xfrm>
+            <a:off x="457200" y="544513"/>
+            <a:ext cx="11237913" cy="836612"/>
+          </a:xfrm>
+        </p:spPr>
+        <p:txBody>
+          <a:bodyPr/>
+          <a:lstStyle/>
+          <a:p>
+            <a:r>
+              <a:rPr kumimoji="1" lang="en-US" altLang="ja-JP" dirty="0">
+                <a:solidFill>
+                  <a:schemeClr val="accent6"/>
+                </a:solidFill>
+              </a:rPr>
+              <a:t>7. </a:t>
+            </a:r>
+            <a:r>
+              <a:rPr lang="en-US" altLang="ja-JP" dirty="0"/>
+              <a:t>(</a:t>
+            </a:r>
+            <a:r>
+              <a:rPr lang="ja-JP" altLang="en-US" dirty="0"/>
+              <a:t>提出後</a:t>
+            </a:r>
+            <a:r>
+              <a:rPr lang="en-US" altLang="ja-JP" dirty="0"/>
+              <a:t>)</a:t>
+            </a:r>
+            <a:r>
+              <a:rPr lang="ja-JP" altLang="en-US" dirty="0"/>
+              <a:t>気象情報を追加したモデル</a:t>
+            </a:r>
+            <a:endParaRPr kumimoji="1" lang="ja-JP" altLang="en-US" dirty="0"/>
+          </a:p>
+        </p:txBody>
+      </p:sp>
+      <p:pic>
+        <p:nvPicPr>
+          <p:cNvPr id="6" name="図 5">
+            <a:extLst>
+              <a:ext uri="{FF2B5EF4-FFF2-40B4-BE49-F238E27FC236}">
+                <a16:creationId xmlns:a16="http://schemas.microsoft.com/office/drawing/2014/main" id="{23A7FE5F-B818-5176-EF9D-48A0AD1A225E}"/>
+              </a:ext>
+            </a:extLst>
+          </p:cNvPr>
+          <p:cNvPicPr>
+            <a:picLocks noChangeAspect="1"/>
+          </p:cNvPicPr>
+          <p:nvPr/>
+        </p:nvPicPr>
+        <p:blipFill>
+          <a:blip r:embed="rId2"/>
+          <a:stretch>
+            <a:fillRect/>
+          </a:stretch>
+        </p:blipFill>
+        <p:spPr>
+          <a:xfrm>
+            <a:off x="784272" y="2626060"/>
+            <a:ext cx="3392984" cy="2601923"/>
+          </a:xfrm>
+          <a:prstGeom prst="rect">
+            <a:avLst/>
+          </a:prstGeom>
+        </p:spPr>
+      </p:pic>
+      <p:pic>
+        <p:nvPicPr>
+          <p:cNvPr id="8" name="図 7">
+            <a:extLst>
+              <a:ext uri="{FF2B5EF4-FFF2-40B4-BE49-F238E27FC236}">
+                <a16:creationId xmlns:a16="http://schemas.microsoft.com/office/drawing/2014/main" id="{3D20077A-144F-9E3C-1C2C-0E768B8F1588}"/>
+              </a:ext>
+            </a:extLst>
+          </p:cNvPr>
+          <p:cNvPicPr>
+            <a:picLocks noChangeAspect="1"/>
+          </p:cNvPicPr>
+          <p:nvPr/>
+        </p:nvPicPr>
+        <p:blipFill>
+          <a:blip r:embed="rId3"/>
+          <a:stretch>
+            <a:fillRect/>
+          </a:stretch>
+        </p:blipFill>
+        <p:spPr>
+          <a:xfrm>
+            <a:off x="4234499" y="2626060"/>
+            <a:ext cx="3392985" cy="2601924"/>
+          </a:xfrm>
+          <a:prstGeom prst="rect">
+            <a:avLst/>
+          </a:prstGeom>
+        </p:spPr>
+      </p:pic>
+      <p:pic>
+        <p:nvPicPr>
+          <p:cNvPr id="10" name="図 9">
+            <a:extLst>
+              <a:ext uri="{FF2B5EF4-FFF2-40B4-BE49-F238E27FC236}">
+                <a16:creationId xmlns:a16="http://schemas.microsoft.com/office/drawing/2014/main" id="{C218C1B8-0A83-95E2-BD1C-6075D781B1DA}"/>
+              </a:ext>
+            </a:extLst>
+          </p:cNvPr>
+          <p:cNvPicPr>
+            <a:picLocks noChangeAspect="1"/>
+          </p:cNvPicPr>
+          <p:nvPr/>
+        </p:nvPicPr>
+        <p:blipFill>
+          <a:blip r:embed="rId4"/>
+          <a:stretch>
+            <a:fillRect/>
+          </a:stretch>
+        </p:blipFill>
+        <p:spPr>
+          <a:xfrm>
+            <a:off x="7684727" y="2626058"/>
+            <a:ext cx="3392986" cy="2601925"/>
+          </a:xfrm>
+          <a:prstGeom prst="rect">
+            <a:avLst/>
+          </a:prstGeom>
+        </p:spPr>
+      </p:pic>
     </p:spTree>
     <p:extLst>
       <p:ext uri="{BB962C8B-B14F-4D97-AF65-F5344CB8AC3E}">
-        <p14:creationId xmlns:p14="http://schemas.microsoft.com/office/powerpoint/2010/main" val="3433607537"/>
+        <p14:creationId xmlns:p14="http://schemas.microsoft.com/office/powerpoint/2010/main" val="1602692381"/>
       </p:ext>
     </p:extLst>
   </p:cSld>
@@ -11041,10 +11383,55 @@
       </p:grpSpPr>
       <p:sp>
         <p:nvSpPr>
-          <p:cNvPr id="2" name="タイトル 1">
-            <a:extLst>
-              <a:ext uri="{FF2B5EF4-FFF2-40B4-BE49-F238E27FC236}">
-                <a16:creationId xmlns:a16="http://schemas.microsoft.com/office/drawing/2014/main" id="{6F709592-47F4-D909-37CF-98C6D4AEE7A0}"/>
+          <p:cNvPr id="3" name="コンテンツ プレースホルダー 2">
+            <a:extLst>
+              <a:ext uri="{FF2B5EF4-FFF2-40B4-BE49-F238E27FC236}">
+                <a16:creationId xmlns:a16="http://schemas.microsoft.com/office/drawing/2014/main" id="{7A16409E-437F-16B3-47AC-D8F2055AB0DB}"/>
+              </a:ext>
+            </a:extLst>
+          </p:cNvPr>
+          <p:cNvSpPr>
+            <a:spLocks noGrp="1"/>
+          </p:cNvSpPr>
+          <p:nvPr>
+            <p:ph sz="quarter" idx="13"/>
+          </p:nvPr>
+        </p:nvSpPr>
+        <p:spPr>
+          <a:xfrm>
+            <a:off x="533401" y="2105024"/>
+            <a:ext cx="5562599" cy="4010025"/>
+          </a:xfrm>
+        </p:spPr>
+        <p:txBody>
+          <a:bodyPr/>
+          <a:lstStyle/>
+          <a:p>
+            <a:pPr marL="285750" indent="-285750">
+              <a:buFont typeface="Arial" panose="020B0604020202020204" pitchFamily="34" charset="0"/>
+              <a:buChar char="•"/>
+            </a:pPr>
+            <a:r>
+              <a:rPr kumimoji="1" lang="ja-JP" altLang="en-US" dirty="0"/>
+              <a:t>降水量のデータありのモデル</a:t>
+            </a:r>
+            <a:endParaRPr kumimoji="1" lang="en-US" altLang="ja-JP" dirty="0"/>
+          </a:p>
+          <a:p>
+            <a:pPr marL="285750" indent="-285750">
+              <a:buFont typeface="Arial" panose="020B0604020202020204" pitchFamily="34" charset="0"/>
+              <a:buChar char="•"/>
+            </a:pPr>
+            <a:endParaRPr kumimoji="1" lang="ja-JP" altLang="en-US" dirty="0"/>
+          </a:p>
+        </p:txBody>
+      </p:sp>
+      <p:sp>
+        <p:nvSpPr>
+          <p:cNvPr id="5" name="タイトル 1">
+            <a:extLst>
+              <a:ext uri="{FF2B5EF4-FFF2-40B4-BE49-F238E27FC236}">
+                <a16:creationId xmlns:a16="http://schemas.microsoft.com/office/drawing/2014/main" id="{A988B613-B247-E46A-150B-FB4A996071FF}"/>
               </a:ext>
             </a:extLst>
           </p:cNvPr>
@@ -11055,7 +11442,12 @@
             <p:ph type="title"/>
           </p:nvPr>
         </p:nvSpPr>
-        <p:spPr/>
+        <p:spPr>
+          <a:xfrm>
+            <a:off x="457200" y="544513"/>
+            <a:ext cx="11237913" cy="836612"/>
+          </a:xfrm>
+        </p:spPr>
         <p:txBody>
           <a:bodyPr/>
           <a:lstStyle/>
@@ -11066,162 +11458,436 @@
                   <a:schemeClr val="accent6"/>
                 </a:solidFill>
               </a:rPr>
-              <a:t>6. </a:t>
-            </a:r>
-            <a:r>
-              <a:rPr kumimoji="1" lang="ja-JP" altLang="en-US" dirty="0"/>
-              <a:t>まとめ</a:t>
-            </a:r>
+              <a:t>7. </a:t>
+            </a:r>
+            <a:r>
+              <a:rPr lang="en-US" altLang="ja-JP" dirty="0"/>
+              <a:t>(</a:t>
+            </a:r>
+            <a:r>
+              <a:rPr lang="ja-JP" altLang="en-US" dirty="0"/>
+              <a:t>提出後</a:t>
+            </a:r>
+            <a:r>
+              <a:rPr lang="en-US" altLang="ja-JP" dirty="0"/>
+              <a:t>)</a:t>
+            </a:r>
+            <a:r>
+              <a:rPr lang="ja-JP" altLang="en-US" dirty="0"/>
+              <a:t>気象情報を追加したモデル</a:t>
+            </a:r>
+            <a:endParaRPr kumimoji="1" lang="ja-JP" altLang="en-US" dirty="0"/>
           </a:p>
         </p:txBody>
       </p:sp>
       <p:sp>
         <p:nvSpPr>
-          <p:cNvPr id="3" name="コンテンツ プレースホルダー 2">
-            <a:extLst>
-              <a:ext uri="{FF2B5EF4-FFF2-40B4-BE49-F238E27FC236}">
-                <a16:creationId xmlns:a16="http://schemas.microsoft.com/office/drawing/2014/main" id="{7764D337-3D53-2761-BAE7-50DFD6B2BD12}"/>
-              </a:ext>
-            </a:extLst>
-          </p:cNvPr>
-          <p:cNvSpPr>
-            <a:spLocks noGrp="1"/>
+          <p:cNvPr id="6" name="コンテンツ プレースホルダー 2">
+            <a:extLst>
+              <a:ext uri="{FF2B5EF4-FFF2-40B4-BE49-F238E27FC236}">
+                <a16:creationId xmlns:a16="http://schemas.microsoft.com/office/drawing/2014/main" id="{519B002F-AD00-8DF2-7D20-20638F089BBB}"/>
+              </a:ext>
+            </a:extLst>
+          </p:cNvPr>
+          <p:cNvSpPr txBox="1">
+            <a:spLocks/>
           </p:cNvSpPr>
-          <p:nvPr>
-            <p:ph sz="quarter" idx="13"/>
-          </p:nvPr>
+          <p:nvPr/>
         </p:nvSpPr>
-        <p:spPr/>
+        <p:spPr>
+          <a:xfrm>
+            <a:off x="6076156" y="2105023"/>
+            <a:ext cx="5562599" cy="4010025"/>
+          </a:xfrm>
+          <a:prstGeom prst="rect">
+            <a:avLst/>
+          </a:prstGeom>
+        </p:spPr>
         <p:txBody>
-          <a:bodyPr/>
-          <a:lstStyle/>
+          <a:bodyPr vert="horz" lIns="91440" tIns="45720" rIns="91440" bIns="45720" rtlCol="0">
+            <a:normAutofit/>
+          </a:bodyPr>
+          <a:lstStyle>
+            <a:lvl1pPr marL="0" indent="0" algn="l" defTabSz="914400" rtl="0" eaLnBrk="1" latinLnBrk="0" hangingPunct="1">
+              <a:lnSpc>
+                <a:spcPct val="90000"/>
+              </a:lnSpc>
+              <a:spcBef>
+                <a:spcPts val="1000"/>
+              </a:spcBef>
+              <a:buClr>
+                <a:schemeClr val="accent1"/>
+              </a:buClr>
+              <a:buFont typeface="Segoe UI" panose="020B0502040204020203" pitchFamily="34" charset="0"/>
+              <a:buNone/>
+              <a:defRPr kumimoji="1" sz="1800" kern="1200">
+                <a:solidFill>
+                  <a:schemeClr val="tx1"/>
+                </a:solidFill>
+                <a:latin typeface="游ゴシック Medium" panose="020B0500000000000000" pitchFamily="50" charset="-128"/>
+                <a:ea typeface="游ゴシック Medium" panose="020B0500000000000000" pitchFamily="50" charset="-128"/>
+                <a:cs typeface="+mn-cs"/>
+              </a:defRPr>
+            </a:lvl1pPr>
+            <a:lvl2pPr marL="457200" indent="0" algn="l" defTabSz="914400" rtl="0" eaLnBrk="1" latinLnBrk="0" hangingPunct="1">
+              <a:lnSpc>
+                <a:spcPct val="90000"/>
+              </a:lnSpc>
+              <a:spcBef>
+                <a:spcPts val="500"/>
+              </a:spcBef>
+              <a:buClr>
+                <a:schemeClr val="accent1"/>
+              </a:buClr>
+              <a:buFont typeface="Courier New" panose="02070309020205020404" pitchFamily="49" charset="0"/>
+              <a:buNone/>
+              <a:defRPr kumimoji="1" sz="1800" kern="1200">
+                <a:solidFill>
+                  <a:schemeClr val="tx1"/>
+                </a:solidFill>
+                <a:latin typeface="游ゴシック Medium" panose="020B0500000000000000" pitchFamily="50" charset="-128"/>
+                <a:ea typeface="游ゴシック Medium" panose="020B0500000000000000" pitchFamily="50" charset="-128"/>
+                <a:cs typeface="+mn-cs"/>
+              </a:defRPr>
+            </a:lvl2pPr>
+            <a:lvl3pPr marL="914400" indent="0" algn="l" defTabSz="914400" rtl="0" eaLnBrk="1" latinLnBrk="0" hangingPunct="1">
+              <a:lnSpc>
+                <a:spcPct val="90000"/>
+              </a:lnSpc>
+              <a:spcBef>
+                <a:spcPts val="500"/>
+              </a:spcBef>
+              <a:buClr>
+                <a:schemeClr val="accent1"/>
+              </a:buClr>
+              <a:buFont typeface="Segoe UI" panose="020B0502040204020203" pitchFamily="34" charset="0"/>
+              <a:buNone/>
+              <a:defRPr kumimoji="1" sz="1800" kern="1200">
+                <a:solidFill>
+                  <a:schemeClr val="tx1"/>
+                </a:solidFill>
+                <a:latin typeface="游ゴシック Medium" panose="020B0500000000000000" pitchFamily="50" charset="-128"/>
+                <a:ea typeface="游ゴシック Medium" panose="020B0500000000000000" pitchFamily="50" charset="-128"/>
+                <a:cs typeface="+mn-cs"/>
+              </a:defRPr>
+            </a:lvl3pPr>
+            <a:lvl4pPr marL="1371600" indent="0" algn="l" defTabSz="914400" rtl="0" eaLnBrk="1" latinLnBrk="0" hangingPunct="1">
+              <a:lnSpc>
+                <a:spcPct val="90000"/>
+              </a:lnSpc>
+              <a:spcBef>
+                <a:spcPts val="500"/>
+              </a:spcBef>
+              <a:buClr>
+                <a:schemeClr val="accent1"/>
+              </a:buClr>
+              <a:buFont typeface="Courier New" panose="02070309020205020404" pitchFamily="49" charset="0"/>
+              <a:buNone/>
+              <a:defRPr kumimoji="1" sz="1800" kern="1200">
+                <a:solidFill>
+                  <a:schemeClr val="tx1"/>
+                </a:solidFill>
+                <a:latin typeface="游ゴシック Medium" panose="020B0500000000000000" pitchFamily="50" charset="-128"/>
+                <a:ea typeface="游ゴシック Medium" panose="020B0500000000000000" pitchFamily="50" charset="-128"/>
+                <a:cs typeface="+mn-cs"/>
+              </a:defRPr>
+            </a:lvl4pPr>
+            <a:lvl5pPr marL="1828800" indent="0" algn="l" defTabSz="914400" rtl="0" eaLnBrk="1" latinLnBrk="0" hangingPunct="1">
+              <a:lnSpc>
+                <a:spcPct val="90000"/>
+              </a:lnSpc>
+              <a:spcBef>
+                <a:spcPts val="500"/>
+              </a:spcBef>
+              <a:buClr>
+                <a:schemeClr val="accent1"/>
+              </a:buClr>
+              <a:buFont typeface="Segoe UI" panose="020B0502040204020203" pitchFamily="34" charset="0"/>
+              <a:buNone/>
+              <a:defRPr kumimoji="1" sz="1800" kern="1200">
+                <a:solidFill>
+                  <a:schemeClr val="tx1"/>
+                </a:solidFill>
+                <a:latin typeface="游ゴシック Medium" panose="020B0500000000000000" pitchFamily="50" charset="-128"/>
+                <a:ea typeface="游ゴシック Medium" panose="020B0500000000000000" pitchFamily="50" charset="-128"/>
+                <a:cs typeface="+mn-cs"/>
+              </a:defRPr>
+            </a:lvl5pPr>
+            <a:lvl6pPr marL="2514600" indent="-228600" algn="l" defTabSz="914400" rtl="0" eaLnBrk="1" latinLnBrk="0" hangingPunct="1">
+              <a:lnSpc>
+                <a:spcPct val="90000"/>
+              </a:lnSpc>
+              <a:spcBef>
+                <a:spcPts val="500"/>
+              </a:spcBef>
+              <a:buFont typeface="Arial" panose="020B0604020202020204" pitchFamily="34" charset="0"/>
+              <a:buChar char="•"/>
+              <a:defRPr kumimoji="1" sz="1800" kern="1200">
+                <a:solidFill>
+                  <a:schemeClr val="tx1"/>
+                </a:solidFill>
+                <a:latin typeface="+mn-lt"/>
+                <a:ea typeface="+mn-ea"/>
+                <a:cs typeface="+mn-cs"/>
+              </a:defRPr>
+            </a:lvl6pPr>
+            <a:lvl7pPr marL="2971800" indent="-228600" algn="l" defTabSz="914400" rtl="0" eaLnBrk="1" latinLnBrk="0" hangingPunct="1">
+              <a:lnSpc>
+                <a:spcPct val="90000"/>
+              </a:lnSpc>
+              <a:spcBef>
+                <a:spcPts val="500"/>
+              </a:spcBef>
+              <a:buFont typeface="Arial" panose="020B0604020202020204" pitchFamily="34" charset="0"/>
+              <a:buChar char="•"/>
+              <a:defRPr kumimoji="1" sz="1800" kern="1200">
+                <a:solidFill>
+                  <a:schemeClr val="tx1"/>
+                </a:solidFill>
+                <a:latin typeface="+mn-lt"/>
+                <a:ea typeface="+mn-ea"/>
+                <a:cs typeface="+mn-cs"/>
+              </a:defRPr>
+            </a:lvl7pPr>
+            <a:lvl8pPr marL="3429000" indent="-228600" algn="l" defTabSz="914400" rtl="0" eaLnBrk="1" latinLnBrk="0" hangingPunct="1">
+              <a:lnSpc>
+                <a:spcPct val="90000"/>
+              </a:lnSpc>
+              <a:spcBef>
+                <a:spcPts val="500"/>
+              </a:spcBef>
+              <a:buFont typeface="Arial" panose="020B0604020202020204" pitchFamily="34" charset="0"/>
+              <a:buChar char="•"/>
+              <a:defRPr kumimoji="1" sz="1800" kern="1200">
+                <a:solidFill>
+                  <a:schemeClr val="tx1"/>
+                </a:solidFill>
+                <a:latin typeface="+mn-lt"/>
+                <a:ea typeface="+mn-ea"/>
+                <a:cs typeface="+mn-cs"/>
+              </a:defRPr>
+            </a:lvl8pPr>
+            <a:lvl9pPr marL="3886200" indent="-228600" algn="l" defTabSz="914400" rtl="0" eaLnBrk="1" latinLnBrk="0" hangingPunct="1">
+              <a:lnSpc>
+                <a:spcPct val="90000"/>
+              </a:lnSpc>
+              <a:spcBef>
+                <a:spcPts val="500"/>
+              </a:spcBef>
+              <a:buFont typeface="Arial" panose="020B0604020202020204" pitchFamily="34" charset="0"/>
+              <a:buChar char="•"/>
+              <a:defRPr kumimoji="1" sz="1800" kern="1200">
+                <a:solidFill>
+                  <a:schemeClr val="tx1"/>
+                </a:solidFill>
+                <a:latin typeface="+mn-lt"/>
+                <a:ea typeface="+mn-ea"/>
+                <a:cs typeface="+mn-cs"/>
+              </a:defRPr>
+            </a:lvl9pPr>
+          </a:lstStyle>
           <a:p>
             <a:pPr marL="285750" indent="-285750">
               <a:buFont typeface="Arial" panose="020B0604020202020204" pitchFamily="34" charset="0"/>
               <a:buChar char="•"/>
             </a:pPr>
             <a:r>
-              <a:rPr kumimoji="1" lang="ja-JP" altLang="en-US" dirty="0"/>
-              <a:t>横浜ベイスターズの</a:t>
-            </a:r>
-            <a:r>
-              <a:rPr kumimoji="1" lang="en-US" altLang="ja-JP" dirty="0"/>
-              <a:t>2009</a:t>
-            </a:r>
-            <a:r>
-              <a:rPr kumimoji="1" lang="ja-JP" altLang="en-US" dirty="0"/>
-              <a:t>年～</a:t>
-            </a:r>
-            <a:r>
-              <a:rPr kumimoji="1" lang="en-US" altLang="ja-JP" dirty="0"/>
-              <a:t>2023</a:t>
-            </a:r>
-            <a:r>
-              <a:rPr kumimoji="1" lang="ja-JP" altLang="en-US" dirty="0"/>
-              <a:t>年のホームゲームの観客数を予測する回帰モデルを作成した。</a:t>
-            </a:r>
-            <a:endParaRPr kumimoji="1" lang="en-US" altLang="ja-JP" dirty="0"/>
+              <a:rPr lang="ja-JP" altLang="en-US" dirty="0"/>
+              <a:t>降水量のデータなしのモデル</a:t>
+            </a:r>
+            <a:endParaRPr lang="en-US" altLang="ja-JP" dirty="0"/>
           </a:p>
           <a:p>
             <a:pPr marL="285750" indent="-285750">
               <a:buFont typeface="Arial" panose="020B0604020202020204" pitchFamily="34" charset="0"/>
               <a:buChar char="•"/>
             </a:pPr>
-            <a:r>
-              <a:rPr kumimoji="1" lang="ja-JP" altLang="en-US" dirty="0"/>
-              <a:t>決定木ベースのモデルを採用</a:t>
-            </a:r>
-            <a:endParaRPr kumimoji="1" lang="en-US" altLang="ja-JP" dirty="0"/>
-          </a:p>
-          <a:p>
-            <a:pPr marL="285750" indent="-285750">
-              <a:buFont typeface="Arial" panose="020B0604020202020204" pitchFamily="34" charset="0"/>
-              <a:buChar char="•"/>
-            </a:pPr>
-            <a:r>
-              <a:rPr lang="ja-JP" altLang="en-US" dirty="0"/>
-              <a:t>標準化と交差検証、グリッドサーチによるハイパーパラメータ探索で可能な限り精度向上に努めた。</a:t>
-            </a:r>
-            <a:endParaRPr lang="en-US" altLang="ja-JP" dirty="0"/>
-          </a:p>
-          <a:p>
-            <a:pPr marL="285750" indent="-285750">
-              <a:buFont typeface="Arial" panose="020B0604020202020204" pitchFamily="34" charset="0"/>
-              <a:buChar char="•"/>
-            </a:pPr>
-            <a:r>
-              <a:rPr kumimoji="1" lang="ja-JP" altLang="en-US" dirty="0"/>
-              <a:t>結果</a:t>
-            </a:r>
-            <a:r>
-              <a:rPr lang="ja-JP" altLang="en-US" dirty="0"/>
-              <a:t>、訓練時よりも、テスト時の</a:t>
-            </a:r>
-            <a:r>
-              <a:rPr lang="en-US" altLang="ja-JP" dirty="0"/>
-              <a:t>R2</a:t>
-            </a:r>
-            <a:r>
-              <a:rPr lang="ja-JP" altLang="en-US" dirty="0"/>
-              <a:t>スコアの方を高くすることができ、一定の精度を確保できた。</a:t>
-            </a:r>
-            <a:endParaRPr lang="en-US" altLang="ja-JP" dirty="0"/>
-          </a:p>
-          <a:p>
-            <a:pPr marL="285750" indent="-285750">
-              <a:buFont typeface="Arial" panose="020B0604020202020204" pitchFamily="34" charset="0"/>
-              <a:buChar char="•"/>
-            </a:pPr>
-            <a:r>
-              <a:rPr lang="ja-JP" altLang="en-US" dirty="0"/>
-              <a:t>特徴重要度の計算から、年数と曜日が結果に影響を与えていると推測。</a:t>
-            </a:r>
-            <a:endParaRPr lang="en-US" altLang="ja-JP" dirty="0"/>
-          </a:p>
-          <a:p>
-            <a:r>
-              <a:rPr lang="en-US" altLang="ja-JP" dirty="0"/>
-              <a:t>【</a:t>
-            </a:r>
-            <a:r>
-              <a:rPr lang="ja-JP" altLang="en-US" dirty="0"/>
-              <a:t>感想</a:t>
-            </a:r>
-            <a:r>
-              <a:rPr lang="en-US" altLang="ja-JP" dirty="0"/>
-              <a:t>】</a:t>
-            </a:r>
-          </a:p>
-          <a:p>
-            <a:pPr marL="285750" indent="-285750">
-              <a:buFont typeface="Arial" panose="020B0604020202020204" pitchFamily="34" charset="0"/>
-              <a:buChar char="•"/>
-            </a:pPr>
-            <a:r>
-              <a:rPr lang="ja-JP" altLang="en-US" dirty="0"/>
-              <a:t>データのサンプリングを行えば、もう少し精度を出せたかも</a:t>
-            </a:r>
-            <a:endParaRPr lang="en-US" altLang="ja-JP" dirty="0"/>
-          </a:p>
-          <a:p>
-            <a:pPr marL="285750" indent="-285750">
-              <a:buFont typeface="Arial" panose="020B0604020202020204" pitchFamily="34" charset="0"/>
-              <a:buChar char="•"/>
-            </a:pPr>
-            <a:r>
-              <a:rPr lang="ja-JP" altLang="en-US" dirty="0"/>
-              <a:t>生データ整形に時間がかかり、もっと適切な精度向上のため　　　　　　　　　　　　　　　　　　　　　　　　　　　　　　の前処理を組めたかもしれない。。。</a:t>
-            </a:r>
-            <a:endParaRPr kumimoji="1" lang="en-US" altLang="ja-JP" dirty="0"/>
+            <a:endParaRPr lang="ja-JP" altLang="en-US" dirty="0"/>
+          </a:p>
+        </p:txBody>
+      </p:sp>
+      <p:sp>
+        <p:nvSpPr>
+          <p:cNvPr id="8" name="テキスト ボックス 7">
+            <a:extLst>
+              <a:ext uri="{FF2B5EF4-FFF2-40B4-BE49-F238E27FC236}">
+                <a16:creationId xmlns:a16="http://schemas.microsoft.com/office/drawing/2014/main" id="{387334AF-1A00-569A-06A1-CA6F8BA81DB6}"/>
+              </a:ext>
+            </a:extLst>
+          </p:cNvPr>
+          <p:cNvSpPr txBox="1"/>
+          <p:nvPr/>
+        </p:nvSpPr>
+        <p:spPr>
+          <a:xfrm>
+            <a:off x="1386984" y="2525548"/>
+            <a:ext cx="3855432" cy="1277273"/>
+          </a:xfrm>
+          <a:prstGeom prst="rect">
+            <a:avLst/>
+          </a:prstGeom>
+          <a:solidFill>
+            <a:schemeClr val="tx1"/>
+          </a:solidFill>
+        </p:spPr>
+        <p:txBody>
+          <a:bodyPr wrap="square">
+            <a:spAutoFit/>
+          </a:bodyPr>
+          <a:lstStyle/>
+          <a:p>
+            <a:r>
+              <a:rPr lang="en-US" altLang="ja-JP" sz="1100" b="0" i="0" dirty="0">
+                <a:solidFill>
+                  <a:srgbClr val="CCCCCC"/>
+                </a:solidFill>
+                <a:effectLst/>
+                <a:latin typeface="Consolas" panose="020B0609020204030204" pitchFamily="49" charset="0"/>
+              </a:rPr>
+              <a:t>model param: {</a:t>
+            </a:r>
+          </a:p>
+          <a:p>
+            <a:r>
+              <a:rPr lang="en-US" altLang="ja-JP" sz="1100" b="0" i="0" dirty="0">
+                <a:solidFill>
+                  <a:srgbClr val="CCCCCC"/>
+                </a:solidFill>
+                <a:effectLst/>
+                <a:latin typeface="Consolas" panose="020B0609020204030204" pitchFamily="49" charset="0"/>
+              </a:rPr>
+              <a:t>'regressor__</a:t>
+            </a:r>
+            <a:r>
+              <a:rPr lang="en-US" altLang="ja-JP" sz="1100" b="0" i="0" dirty="0" err="1">
+                <a:solidFill>
+                  <a:srgbClr val="CCCCCC"/>
+                </a:solidFill>
+                <a:effectLst/>
+                <a:latin typeface="Consolas" panose="020B0609020204030204" pitchFamily="49" charset="0"/>
+              </a:rPr>
+              <a:t>max_depth</a:t>
+            </a:r>
+            <a:r>
+              <a:rPr lang="en-US" altLang="ja-JP" sz="1100" b="0" i="0" dirty="0">
+                <a:solidFill>
+                  <a:srgbClr val="CCCCCC"/>
+                </a:solidFill>
+                <a:effectLst/>
+                <a:latin typeface="Consolas" panose="020B0609020204030204" pitchFamily="49" charset="0"/>
+              </a:rPr>
+              <a:t>': 6, </a:t>
+            </a:r>
+          </a:p>
+          <a:p>
+            <a:r>
+              <a:rPr lang="en-US" altLang="ja-JP" sz="1100" b="0" i="0" dirty="0">
+                <a:solidFill>
+                  <a:srgbClr val="CCCCCC"/>
+                </a:solidFill>
+                <a:effectLst/>
+                <a:latin typeface="Consolas" panose="020B0609020204030204" pitchFamily="49" charset="0"/>
+              </a:rPr>
+              <a:t>'regressor__</a:t>
+            </a:r>
+            <a:r>
+              <a:rPr lang="en-US" altLang="ja-JP" sz="1100" b="0" i="0" dirty="0" err="1">
+                <a:solidFill>
+                  <a:srgbClr val="CCCCCC"/>
+                </a:solidFill>
+                <a:effectLst/>
+                <a:latin typeface="Consolas" panose="020B0609020204030204" pitchFamily="49" charset="0"/>
+              </a:rPr>
+              <a:t>min_samples_leaf</a:t>
+            </a:r>
+            <a:r>
+              <a:rPr lang="en-US" altLang="ja-JP" sz="1100" b="0" i="0" dirty="0">
+                <a:solidFill>
+                  <a:srgbClr val="CCCCCC"/>
+                </a:solidFill>
+                <a:effectLst/>
+                <a:latin typeface="Consolas" panose="020B0609020204030204" pitchFamily="49" charset="0"/>
+              </a:rPr>
+              <a:t>': 20, </a:t>
+            </a:r>
+          </a:p>
+          <a:p>
+            <a:r>
+              <a:rPr lang="en-US" altLang="ja-JP" sz="1100" b="0" i="0" dirty="0">
+                <a:solidFill>
+                  <a:srgbClr val="CCCCCC"/>
+                </a:solidFill>
+                <a:effectLst/>
+                <a:latin typeface="Consolas" panose="020B0609020204030204" pitchFamily="49" charset="0"/>
+              </a:rPr>
+              <a:t>'regressor__</a:t>
+            </a:r>
+            <a:r>
+              <a:rPr lang="en-US" altLang="ja-JP" sz="1100" b="0" i="0" dirty="0" err="1">
+                <a:solidFill>
+                  <a:srgbClr val="CCCCCC"/>
+                </a:solidFill>
+                <a:effectLst/>
+                <a:latin typeface="Consolas" panose="020B0609020204030204" pitchFamily="49" charset="0"/>
+              </a:rPr>
+              <a:t>min_samples_split</a:t>
+            </a:r>
+            <a:r>
+              <a:rPr lang="en-US" altLang="ja-JP" sz="1100" b="0" i="0" dirty="0">
+                <a:solidFill>
+                  <a:srgbClr val="CCCCCC"/>
+                </a:solidFill>
+                <a:effectLst/>
+                <a:latin typeface="Consolas" panose="020B0609020204030204" pitchFamily="49" charset="0"/>
+              </a:rPr>
+              <a:t>’: 2</a:t>
+            </a:r>
+          </a:p>
+          <a:p>
+            <a:r>
+              <a:rPr lang="en-US" altLang="ja-JP" sz="1100" b="0" i="0" dirty="0">
+                <a:solidFill>
+                  <a:srgbClr val="CCCCCC"/>
+                </a:solidFill>
+                <a:effectLst/>
+                <a:latin typeface="Consolas" panose="020B0609020204030204" pitchFamily="49" charset="0"/>
+              </a:rPr>
+              <a:t>} </a:t>
+            </a:r>
+          </a:p>
+          <a:p>
+            <a:r>
+              <a:rPr lang="en-US" altLang="ja-JP" sz="1100" b="0" i="0" dirty="0">
+                <a:solidFill>
+                  <a:srgbClr val="CCCCCC"/>
+                </a:solidFill>
+                <a:effectLst/>
+                <a:latin typeface="Consolas" panose="020B0609020204030204" pitchFamily="49" charset="0"/>
+              </a:rPr>
+              <a:t>model learning score: 0.7358692914752123 </a:t>
+            </a:r>
+          </a:p>
+          <a:p>
+            <a:r>
+              <a:rPr lang="en-US" altLang="ja-JP" sz="1100" b="0" i="0" dirty="0">
+                <a:solidFill>
+                  <a:srgbClr val="CCCCCC"/>
+                </a:solidFill>
+                <a:effectLst/>
+                <a:latin typeface="Consolas" panose="020B0609020204030204" pitchFamily="49" charset="0"/>
+              </a:rPr>
+              <a:t>TEST R2: 0.7325077504271601</a:t>
+            </a:r>
+            <a:endParaRPr lang="ja-JP" altLang="en-US" sz="1100" dirty="0"/>
           </a:p>
         </p:txBody>
       </p:sp>
       <p:pic>
         <p:nvPicPr>
-          <p:cNvPr id="4" name="図 3">
-            <a:extLst>
-              <a:ext uri="{FF2B5EF4-FFF2-40B4-BE49-F238E27FC236}">
-                <a16:creationId xmlns:a16="http://schemas.microsoft.com/office/drawing/2014/main" id="{AC7F926F-F60B-91C5-18A5-5D5584E15F32}"/>
+          <p:cNvPr id="10" name="図 9">
+            <a:extLst>
+              <a:ext uri="{FF2B5EF4-FFF2-40B4-BE49-F238E27FC236}">
+                <a16:creationId xmlns:a16="http://schemas.microsoft.com/office/drawing/2014/main" id="{B4FC6775-D518-275E-1F09-16AAB028B7A5}"/>
               </a:ext>
             </a:extLst>
           </p:cNvPr>
@@ -11238,8 +11904,459 @@
         </p:blipFill>
         <p:spPr>
           <a:xfrm>
-            <a:off x="7241449" y="4110036"/>
-            <a:ext cx="4454097" cy="2652440"/>
+            <a:off x="1565906" y="3939139"/>
+            <a:ext cx="3477745" cy="2782196"/>
+          </a:xfrm>
+          <a:prstGeom prst="rect">
+            <a:avLst/>
+          </a:prstGeom>
+        </p:spPr>
+      </p:pic>
+      <p:sp>
+        <p:nvSpPr>
+          <p:cNvPr id="11" name="テキスト ボックス 10">
+            <a:extLst>
+              <a:ext uri="{FF2B5EF4-FFF2-40B4-BE49-F238E27FC236}">
+                <a16:creationId xmlns:a16="http://schemas.microsoft.com/office/drawing/2014/main" id="{C673E8C4-617C-1604-5D53-D686B9982AF0}"/>
+              </a:ext>
+            </a:extLst>
+          </p:cNvPr>
+          <p:cNvSpPr txBox="1"/>
+          <p:nvPr/>
+        </p:nvSpPr>
+        <p:spPr>
+          <a:xfrm>
+            <a:off x="6919817" y="2525547"/>
+            <a:ext cx="3855432" cy="1277273"/>
+          </a:xfrm>
+          <a:prstGeom prst="rect">
+            <a:avLst/>
+          </a:prstGeom>
+          <a:solidFill>
+            <a:schemeClr val="tx1"/>
+          </a:solidFill>
+        </p:spPr>
+        <p:txBody>
+          <a:bodyPr wrap="square">
+            <a:spAutoFit/>
+          </a:bodyPr>
+          <a:lstStyle/>
+          <a:p>
+            <a:r>
+              <a:rPr lang="en-US" altLang="ja-JP" sz="1100" b="0" i="0" dirty="0">
+                <a:solidFill>
+                  <a:srgbClr val="CCCCCC"/>
+                </a:solidFill>
+                <a:effectLst/>
+                <a:latin typeface="Consolas" panose="020B0609020204030204" pitchFamily="49" charset="0"/>
+              </a:rPr>
+              <a:t>model param: {</a:t>
+            </a:r>
+          </a:p>
+          <a:p>
+            <a:r>
+              <a:rPr lang="en-US" altLang="ja-JP" sz="1100" b="0" i="0" dirty="0">
+                <a:solidFill>
+                  <a:srgbClr val="CCCCCC"/>
+                </a:solidFill>
+                <a:effectLst/>
+                <a:latin typeface="Consolas" panose="020B0609020204030204" pitchFamily="49" charset="0"/>
+              </a:rPr>
+              <a:t>'regressor__</a:t>
+            </a:r>
+            <a:r>
+              <a:rPr lang="en-US" altLang="ja-JP" sz="1100" b="0" i="0" dirty="0" err="1">
+                <a:solidFill>
+                  <a:srgbClr val="CCCCCC"/>
+                </a:solidFill>
+                <a:effectLst/>
+                <a:latin typeface="Consolas" panose="020B0609020204030204" pitchFamily="49" charset="0"/>
+              </a:rPr>
+              <a:t>max_depth</a:t>
+            </a:r>
+            <a:r>
+              <a:rPr lang="en-US" altLang="ja-JP" sz="1100" b="0" i="0" dirty="0">
+                <a:solidFill>
+                  <a:srgbClr val="CCCCCC"/>
+                </a:solidFill>
+                <a:effectLst/>
+                <a:latin typeface="Consolas" panose="020B0609020204030204" pitchFamily="49" charset="0"/>
+              </a:rPr>
+              <a:t>': 6, 'regressor__</a:t>
+            </a:r>
+            <a:r>
+              <a:rPr lang="en-US" altLang="ja-JP" sz="1100" b="0" i="0" dirty="0" err="1">
+                <a:solidFill>
+                  <a:srgbClr val="CCCCCC"/>
+                </a:solidFill>
+                <a:effectLst/>
+                <a:latin typeface="Consolas" panose="020B0609020204030204" pitchFamily="49" charset="0"/>
+              </a:rPr>
+              <a:t>min_samples_leaf</a:t>
+            </a:r>
+            <a:r>
+              <a:rPr lang="en-US" altLang="ja-JP" sz="1100" b="0" i="0" dirty="0">
+                <a:solidFill>
+                  <a:srgbClr val="CCCCCC"/>
+                </a:solidFill>
+                <a:effectLst/>
+                <a:latin typeface="Consolas" panose="020B0609020204030204" pitchFamily="49" charset="0"/>
+              </a:rPr>
+              <a:t>': 20, 'regressor__</a:t>
+            </a:r>
+            <a:r>
+              <a:rPr lang="en-US" altLang="ja-JP" sz="1100" b="0" i="0" dirty="0" err="1">
+                <a:solidFill>
+                  <a:srgbClr val="CCCCCC"/>
+                </a:solidFill>
+                <a:effectLst/>
+                <a:latin typeface="Consolas" panose="020B0609020204030204" pitchFamily="49" charset="0"/>
+              </a:rPr>
+              <a:t>min_samples_split</a:t>
+            </a:r>
+            <a:r>
+              <a:rPr lang="en-US" altLang="ja-JP" sz="1100" b="0" i="0" dirty="0">
+                <a:solidFill>
+                  <a:srgbClr val="CCCCCC"/>
+                </a:solidFill>
+                <a:effectLst/>
+                <a:latin typeface="Consolas" panose="020B0609020204030204" pitchFamily="49" charset="0"/>
+              </a:rPr>
+              <a:t>’: 2</a:t>
+            </a:r>
+          </a:p>
+          <a:p>
+            <a:r>
+              <a:rPr lang="en-US" altLang="ja-JP" sz="1100" b="0" i="0" dirty="0">
+                <a:solidFill>
+                  <a:srgbClr val="CCCCCC"/>
+                </a:solidFill>
+                <a:effectLst/>
+                <a:latin typeface="Consolas" panose="020B0609020204030204" pitchFamily="49" charset="0"/>
+              </a:rPr>
+              <a:t>}</a:t>
+            </a:r>
+          </a:p>
+          <a:p>
+            <a:r>
+              <a:rPr lang="en-US" altLang="ja-JP" sz="1100" b="0" i="0" dirty="0">
+                <a:solidFill>
+                  <a:srgbClr val="CCCCCC"/>
+                </a:solidFill>
+                <a:effectLst/>
+                <a:latin typeface="Consolas" panose="020B0609020204030204" pitchFamily="49" charset="0"/>
+              </a:rPr>
+              <a:t>model learning score: 0.747546249102552</a:t>
+            </a:r>
+          </a:p>
+          <a:p>
+            <a:r>
+              <a:rPr lang="en-US" altLang="ja-JP" sz="1100" b="0" i="0" dirty="0">
+                <a:solidFill>
+                  <a:srgbClr val="CCCCCC"/>
+                </a:solidFill>
+                <a:effectLst/>
+                <a:latin typeface="Consolas" panose="020B0609020204030204" pitchFamily="49" charset="0"/>
+              </a:rPr>
+              <a:t>TEST R2: 0.7357632421444691</a:t>
+            </a:r>
+            <a:endParaRPr lang="ja-JP" altLang="en-US" sz="1100" dirty="0"/>
+          </a:p>
+        </p:txBody>
+      </p:sp>
+      <p:pic>
+        <p:nvPicPr>
+          <p:cNvPr id="12" name="図 11">
+            <a:extLst>
+              <a:ext uri="{FF2B5EF4-FFF2-40B4-BE49-F238E27FC236}">
+                <a16:creationId xmlns:a16="http://schemas.microsoft.com/office/drawing/2014/main" id="{8B4CA298-D022-AECA-4673-D32DFEB4DD62}"/>
+              </a:ext>
+            </a:extLst>
+          </p:cNvPr>
+          <p:cNvPicPr>
+            <a:picLocks noChangeAspect="1"/>
+          </p:cNvPicPr>
+          <p:nvPr/>
+        </p:nvPicPr>
+        <p:blipFill>
+          <a:blip r:embed="rId3">
+            <a:extLst>
+              <a:ext uri="{28A0092B-C50C-407E-A947-70E740481C1C}">
+                <a14:useLocalDpi xmlns:a14="http://schemas.microsoft.com/office/drawing/2010/main" val="0"/>
+              </a:ext>
+            </a:extLst>
+          </a:blip>
+          <a:srcRect/>
+          <a:stretch/>
+        </p:blipFill>
+        <p:spPr>
+          <a:xfrm>
+            <a:off x="7108661" y="3939139"/>
+            <a:ext cx="3477745" cy="2782196"/>
+          </a:xfrm>
+          <a:prstGeom prst="rect">
+            <a:avLst/>
+          </a:prstGeom>
+        </p:spPr>
+      </p:pic>
+    </p:spTree>
+    <p:extLst>
+      <p:ext uri="{BB962C8B-B14F-4D97-AF65-F5344CB8AC3E}">
+        <p14:creationId xmlns:p14="http://schemas.microsoft.com/office/powerpoint/2010/main" val="3433607537"/>
+      </p:ext>
+    </p:extLst>
+  </p:cSld>
+  <p:clrMapOvr>
+    <a:masterClrMapping/>
+  </p:clrMapOvr>
+</p:sld>
+</file>
+
+<file path=ppt/slides/slide16.xml><?xml version="1.0" encoding="utf-8"?>
+<p:sld xmlns:a="http://schemas.openxmlformats.org/drawingml/2006/main" xmlns:r="http://schemas.openxmlformats.org/officeDocument/2006/relationships" xmlns:p="http://schemas.openxmlformats.org/presentationml/2006/main">
+  <p:cSld>
+    <p:spTree>
+      <p:nvGrpSpPr>
+        <p:cNvPr id="1" name=""/>
+        <p:cNvGrpSpPr/>
+        <p:nvPr/>
+      </p:nvGrpSpPr>
+      <p:grpSpPr>
+        <a:xfrm>
+          <a:off x="0" y="0"/>
+          <a:ext cx="0" cy="0"/>
+          <a:chOff x="0" y="0"/>
+          <a:chExt cx="0" cy="0"/>
+        </a:xfrm>
+      </p:grpSpPr>
+      <p:sp>
+        <p:nvSpPr>
+          <p:cNvPr id="2" name="タイトル 1">
+            <a:extLst>
+              <a:ext uri="{FF2B5EF4-FFF2-40B4-BE49-F238E27FC236}">
+                <a16:creationId xmlns:a16="http://schemas.microsoft.com/office/drawing/2014/main" id="{6F709592-47F4-D909-37CF-98C6D4AEE7A0}"/>
+              </a:ext>
+            </a:extLst>
+          </p:cNvPr>
+          <p:cNvSpPr>
+            <a:spLocks noGrp="1"/>
+          </p:cNvSpPr>
+          <p:nvPr>
+            <p:ph type="title"/>
+          </p:nvPr>
+        </p:nvSpPr>
+        <p:spPr/>
+        <p:txBody>
+          <a:bodyPr/>
+          <a:lstStyle/>
+          <a:p>
+            <a:r>
+              <a:rPr lang="en-US" altLang="ja-JP" dirty="0">
+                <a:solidFill>
+                  <a:schemeClr val="accent6"/>
+                </a:solidFill>
+              </a:rPr>
+              <a:t>8</a:t>
+            </a:r>
+            <a:r>
+              <a:rPr kumimoji="1" lang="en-US" altLang="ja-JP" dirty="0">
+                <a:solidFill>
+                  <a:schemeClr val="accent6"/>
+                </a:solidFill>
+              </a:rPr>
+              <a:t>. </a:t>
+            </a:r>
+            <a:r>
+              <a:rPr kumimoji="1" lang="ja-JP" altLang="en-US" dirty="0"/>
+              <a:t>まとめ</a:t>
+            </a:r>
+          </a:p>
+        </p:txBody>
+      </p:sp>
+      <p:sp>
+        <p:nvSpPr>
+          <p:cNvPr id="3" name="コンテンツ プレースホルダー 2">
+            <a:extLst>
+              <a:ext uri="{FF2B5EF4-FFF2-40B4-BE49-F238E27FC236}">
+                <a16:creationId xmlns:a16="http://schemas.microsoft.com/office/drawing/2014/main" id="{7764D337-3D53-2761-BAE7-50DFD6B2BD12}"/>
+              </a:ext>
+            </a:extLst>
+          </p:cNvPr>
+          <p:cNvSpPr>
+            <a:spLocks noGrp="1"/>
+          </p:cNvSpPr>
+          <p:nvPr>
+            <p:ph sz="quarter" idx="13"/>
+          </p:nvPr>
+        </p:nvSpPr>
+        <p:spPr/>
+        <p:txBody>
+          <a:bodyPr/>
+          <a:lstStyle/>
+          <a:p>
+            <a:pPr marL="285750" indent="-285750">
+              <a:buFont typeface="Arial" panose="020B0604020202020204" pitchFamily="34" charset="0"/>
+              <a:buChar char="•"/>
+            </a:pPr>
+            <a:r>
+              <a:rPr kumimoji="1" lang="ja-JP" altLang="en-US" dirty="0"/>
+              <a:t>横浜ベイスターズの</a:t>
+            </a:r>
+            <a:r>
+              <a:rPr kumimoji="1" lang="en-US" altLang="ja-JP" dirty="0"/>
+              <a:t>2009</a:t>
+            </a:r>
+            <a:r>
+              <a:rPr kumimoji="1" lang="ja-JP" altLang="en-US" dirty="0"/>
+              <a:t>年～</a:t>
+            </a:r>
+            <a:r>
+              <a:rPr kumimoji="1" lang="en-US" altLang="ja-JP" dirty="0"/>
+              <a:t>2023</a:t>
+            </a:r>
+            <a:r>
+              <a:rPr kumimoji="1" lang="ja-JP" altLang="en-US" dirty="0"/>
+              <a:t>年のホームゲームの観客数を予測する回帰モデルを作成した。</a:t>
+            </a:r>
+            <a:endParaRPr kumimoji="1" lang="en-US" altLang="ja-JP" dirty="0"/>
+          </a:p>
+          <a:p>
+            <a:pPr marL="285750" indent="-285750">
+              <a:buFont typeface="Arial" panose="020B0604020202020204" pitchFamily="34" charset="0"/>
+              <a:buChar char="•"/>
+            </a:pPr>
+            <a:r>
+              <a:rPr kumimoji="1" lang="ja-JP" altLang="en-US" dirty="0"/>
+              <a:t>決定木ベースのモデルを採用</a:t>
+            </a:r>
+            <a:endParaRPr kumimoji="1" lang="en-US" altLang="ja-JP" dirty="0"/>
+          </a:p>
+          <a:p>
+            <a:pPr marL="285750" indent="-285750">
+              <a:buFont typeface="Arial" panose="020B0604020202020204" pitchFamily="34" charset="0"/>
+              <a:buChar char="•"/>
+            </a:pPr>
+            <a:r>
+              <a:rPr lang="ja-JP" altLang="en-US" dirty="0"/>
+              <a:t>標準化と交差検証、グリッドサーチによるハイパーパラメータ探索で可能な限り精度向上に努めた。</a:t>
+            </a:r>
+            <a:endParaRPr lang="en-US" altLang="ja-JP" dirty="0"/>
+          </a:p>
+          <a:p>
+            <a:pPr marL="285750" indent="-285750">
+              <a:buFont typeface="Arial" panose="020B0604020202020204" pitchFamily="34" charset="0"/>
+              <a:buChar char="•"/>
+            </a:pPr>
+            <a:r>
+              <a:rPr kumimoji="1" lang="ja-JP" altLang="en-US" dirty="0"/>
+              <a:t>結果</a:t>
+            </a:r>
+            <a:r>
+              <a:rPr lang="ja-JP" altLang="en-US" dirty="0"/>
+              <a:t>、訓練時よりも、テスト時の</a:t>
+            </a:r>
+            <a:r>
+              <a:rPr lang="en-US" altLang="ja-JP" dirty="0"/>
+              <a:t>R2</a:t>
+            </a:r>
+            <a:r>
+              <a:rPr lang="ja-JP" altLang="en-US" dirty="0"/>
+              <a:t>スコアの方を高くすることができ、一定の精度を確保できた。</a:t>
+            </a:r>
+            <a:endParaRPr lang="en-US" altLang="ja-JP" dirty="0"/>
+          </a:p>
+          <a:p>
+            <a:pPr marL="285750" indent="-285750">
+              <a:buFont typeface="Arial" panose="020B0604020202020204" pitchFamily="34" charset="0"/>
+              <a:buChar char="•"/>
+            </a:pPr>
+            <a:r>
+              <a:rPr lang="ja-JP" altLang="en-US" dirty="0"/>
+              <a:t>特徴重要度の計算から、年数と曜日が結果に影響を与えていると推測。</a:t>
+            </a:r>
+            <a:endParaRPr lang="en-US" altLang="ja-JP" dirty="0"/>
+          </a:p>
+          <a:p>
+            <a:endParaRPr lang="en-US" altLang="ja-JP" dirty="0"/>
+          </a:p>
+          <a:p>
+            <a:r>
+              <a:rPr lang="en-US" altLang="ja-JP" dirty="0"/>
+              <a:t>【</a:t>
+            </a:r>
+            <a:r>
+              <a:rPr lang="ja-JP" altLang="en-US" dirty="0"/>
+              <a:t>感想</a:t>
+            </a:r>
+            <a:r>
+              <a:rPr lang="en-US" altLang="ja-JP" dirty="0"/>
+              <a:t>】</a:t>
+            </a:r>
+          </a:p>
+          <a:p>
+            <a:pPr marL="285750" indent="-285750">
+              <a:buFont typeface="Arial" panose="020B0604020202020204" pitchFamily="34" charset="0"/>
+              <a:buChar char="•"/>
+            </a:pPr>
+            <a:r>
+              <a:rPr lang="ja-JP" altLang="en-US" dirty="0"/>
+              <a:t>重要度の高い説明変数に絞れば、精度向上ができたか？</a:t>
+            </a:r>
+            <a:endParaRPr lang="en-US" altLang="ja-JP" dirty="0"/>
+          </a:p>
+          <a:p>
+            <a:pPr marL="285750" indent="-285750">
+              <a:buFont typeface="Arial" panose="020B0604020202020204" pitchFamily="34" charset="0"/>
+              <a:buChar char="•"/>
+            </a:pPr>
+            <a:r>
+              <a:rPr lang="ja-JP" altLang="en-US" dirty="0"/>
+              <a:t>データのサンプリングを行えば、もう少し精度を出せたかも</a:t>
+            </a:r>
+            <a:endParaRPr lang="en-US" altLang="ja-JP" dirty="0"/>
+          </a:p>
+          <a:p>
+            <a:pPr marL="285750" indent="-285750">
+              <a:buFont typeface="Arial" panose="020B0604020202020204" pitchFamily="34" charset="0"/>
+              <a:buChar char="•"/>
+            </a:pPr>
+            <a:r>
+              <a:rPr lang="ja-JP" altLang="en-US" dirty="0"/>
+              <a:t>生データ整形に時間がかかり、もっと適切な精度向上のため　　　　　　　　　　　　　　　　　　　　　　　　　　　　　　の前処理を組めたかもしれない。。。</a:t>
+            </a:r>
+            <a:endParaRPr kumimoji="1" lang="en-US" altLang="ja-JP" dirty="0"/>
+          </a:p>
+        </p:txBody>
+      </p:sp>
+      <p:pic>
+        <p:nvPicPr>
+          <p:cNvPr id="4" name="図 3">
+            <a:extLst>
+              <a:ext uri="{FF2B5EF4-FFF2-40B4-BE49-F238E27FC236}">
+                <a16:creationId xmlns:a16="http://schemas.microsoft.com/office/drawing/2014/main" id="{AC7F926F-F60B-91C5-18A5-5D5584E15F32}"/>
+              </a:ext>
+            </a:extLst>
+          </p:cNvPr>
+          <p:cNvPicPr>
+            <a:picLocks noChangeAspect="1"/>
+          </p:cNvPicPr>
+          <p:nvPr/>
+        </p:nvPicPr>
+        <p:blipFill>
+          <a:blip r:embed="rId2">
+            <a:extLst>
+              <a:ext uri="{28A0092B-C50C-407E-A947-70E740481C1C}">
+                <a14:useLocalDpi xmlns:a14="http://schemas.microsoft.com/office/drawing/2010/main" val="0"/>
+              </a:ext>
+            </a:extLst>
+          </a:blip>
+          <a:srcRect/>
+          <a:stretch/>
+        </p:blipFill>
+        <p:spPr>
+          <a:xfrm>
+            <a:off x="7241449" y="4112197"/>
+            <a:ext cx="4454097" cy="2648118"/>
           </a:xfrm>
           <a:prstGeom prst="rect">
             <a:avLst/>
@@ -11714,7 +12831,7 @@
             </a:pPr>
             <a:r>
               <a:rPr lang="ja-JP" altLang="en-US" dirty="0"/>
-              <a:t>説明変数</a:t>
+              <a:t>データから扱う説明変数</a:t>
             </a:r>
           </a:p>
           <a:p>
@@ -12745,8 +13862,8 @@
         </p:nvSpPr>
         <p:spPr>
           <a:xfrm>
-            <a:off x="6262254" y="2971800"/>
-            <a:ext cx="5756563" cy="3636817"/>
+            <a:off x="6456216" y="2971800"/>
+            <a:ext cx="5562601" cy="3528097"/>
           </a:xfrm>
           <a:prstGeom prst="roundRect">
             <a:avLst/>
@@ -12781,10 +13898,10 @@
       </p:sp>
       <p:pic>
         <p:nvPicPr>
-          <p:cNvPr id="10" name="図 9">
-            <a:extLst>
-              <a:ext uri="{FF2B5EF4-FFF2-40B4-BE49-F238E27FC236}">
-                <a16:creationId xmlns:a16="http://schemas.microsoft.com/office/drawing/2014/main" id="{1291C3E1-5205-E7E0-5A1F-70F260BBD0F3}"/>
+          <p:cNvPr id="12" name="図 11">
+            <a:extLst>
+              <a:ext uri="{FF2B5EF4-FFF2-40B4-BE49-F238E27FC236}">
+                <a16:creationId xmlns:a16="http://schemas.microsoft.com/office/drawing/2014/main" id="{27B054A2-00F3-232C-D315-EE99CB144029}"/>
               </a:ext>
             </a:extLst>
           </p:cNvPr>
@@ -12801,8 +13918,8 @@
         </p:blipFill>
         <p:spPr>
           <a:xfrm>
-            <a:off x="3589295" y="4180775"/>
-            <a:ext cx="2182278" cy="1710604"/>
+            <a:off x="1179866" y="3582244"/>
+            <a:ext cx="4260151" cy="2734726"/>
           </a:xfrm>
           <a:prstGeom prst="rect">
             <a:avLst/>
@@ -12811,10 +13928,10 @@
       </p:pic>
       <p:pic>
         <p:nvPicPr>
-          <p:cNvPr id="12" name="図 11">
-            <a:extLst>
-              <a:ext uri="{FF2B5EF4-FFF2-40B4-BE49-F238E27FC236}">
-                <a16:creationId xmlns:a16="http://schemas.microsoft.com/office/drawing/2014/main" id="{27B054A2-00F3-232C-D315-EE99CB144029}"/>
+          <p:cNvPr id="16" name="図 15">
+            <a:extLst>
+              <a:ext uri="{FF2B5EF4-FFF2-40B4-BE49-F238E27FC236}">
+                <a16:creationId xmlns:a16="http://schemas.microsoft.com/office/drawing/2014/main" id="{E39A3F2C-F37E-863D-F9BF-670841839DDF}"/>
               </a:ext>
             </a:extLst>
           </p:cNvPr>
@@ -12831,68 +13948,8 @@
         </p:blipFill>
         <p:spPr>
           <a:xfrm>
-            <a:off x="891457" y="4180775"/>
-            <a:ext cx="2536086" cy="1627994"/>
-          </a:xfrm>
-          <a:prstGeom prst="rect">
-            <a:avLst/>
-          </a:prstGeom>
-        </p:spPr>
-      </p:pic>
-      <p:pic>
-        <p:nvPicPr>
-          <p:cNvPr id="14" name="図 13">
-            <a:extLst>
-              <a:ext uri="{FF2B5EF4-FFF2-40B4-BE49-F238E27FC236}">
-                <a16:creationId xmlns:a16="http://schemas.microsoft.com/office/drawing/2014/main" id="{2AD67CEA-FB13-F402-FBD8-6618F4AEC21B}"/>
-              </a:ext>
-            </a:extLst>
-          </p:cNvPr>
-          <p:cNvPicPr>
-            <a:picLocks noChangeAspect="1"/>
-          </p:cNvPicPr>
-          <p:nvPr/>
-        </p:nvPicPr>
-        <p:blipFill>
-          <a:blip r:embed="rId5"/>
-          <a:stretch>
-            <a:fillRect/>
-          </a:stretch>
-        </p:blipFill>
-        <p:spPr>
-          <a:xfrm>
-            <a:off x="9510156" y="4180775"/>
-            <a:ext cx="2185390" cy="1739392"/>
-          </a:xfrm>
-          <a:prstGeom prst="rect">
-            <a:avLst/>
-          </a:prstGeom>
-        </p:spPr>
-      </p:pic>
-      <p:pic>
-        <p:nvPicPr>
-          <p:cNvPr id="16" name="図 15">
-            <a:extLst>
-              <a:ext uri="{FF2B5EF4-FFF2-40B4-BE49-F238E27FC236}">
-                <a16:creationId xmlns:a16="http://schemas.microsoft.com/office/drawing/2014/main" id="{E39A3F2C-F37E-863D-F9BF-670841839DDF}"/>
-              </a:ext>
-            </a:extLst>
-          </p:cNvPr>
-          <p:cNvPicPr>
-            <a:picLocks noChangeAspect="1"/>
-          </p:cNvPicPr>
-          <p:nvPr/>
-        </p:nvPicPr>
-        <p:blipFill>
-          <a:blip r:embed="rId6"/>
-          <a:stretch>
-            <a:fillRect/>
-          </a:stretch>
-        </p:blipFill>
-        <p:spPr>
-          <a:xfrm>
-            <a:off x="6560128" y="4180774"/>
-            <a:ext cx="2652154" cy="1718697"/>
+            <a:off x="7136295" y="3582244"/>
+            <a:ext cx="4214211" cy="2730970"/>
           </a:xfrm>
           <a:prstGeom prst="rect">
             <a:avLst/>
@@ -13138,8 +14195,20 @@
               <a:t>= true, </a:t>
             </a:r>
             <a:r>
+              <a:rPr lang="ja-JP" altLang="en-US" dirty="0"/>
+              <a:t>負け</a:t>
+            </a:r>
+            <a:r>
+              <a:rPr lang="en-US" altLang="ja-JP" dirty="0"/>
+              <a:t>and</a:t>
+            </a:r>
+            <a:r>
+              <a:rPr lang="ja-JP" altLang="en-US" dirty="0"/>
+              <a:t>引き分け</a:t>
+            </a:r>
+            <a:r>
               <a:rPr kumimoji="1" lang="ja-JP" altLang="en-US" dirty="0"/>
-              <a:t>負け（●） </a:t>
+              <a:t>（●） </a:t>
             </a:r>
             <a:r>
               <a:rPr kumimoji="1" lang="en-US" altLang="ja-JP" dirty="0"/>
@@ -13179,7 +14248,7 @@
               <a:rPr lang="ja-JP" altLang="en-US" dirty="0"/>
               <a:t>年、月、日、曜日、四半期のカラムを追加</a:t>
             </a:r>
-            <a:endParaRPr kumimoji="1" lang="ja-JP" altLang="en-US" dirty="0"/>
+            <a:endParaRPr lang="en-US" altLang="ja-JP" dirty="0"/>
           </a:p>
         </p:txBody>
       </p:sp>
@@ -13198,15 +14267,20 @@
           <p:nvPr/>
         </p:nvPicPr>
         <p:blipFill>
-          <a:blip r:embed="rId2"/>
-          <a:stretch>
-            <a:fillRect/>
-          </a:stretch>
+          <a:blip r:embed="rId2">
+            <a:extLst>
+              <a:ext uri="{28A0092B-C50C-407E-A947-70E740481C1C}">
+                <a14:useLocalDpi xmlns:a14="http://schemas.microsoft.com/office/drawing/2010/main" val="0"/>
+              </a:ext>
+            </a:extLst>
+          </a:blip>
+          <a:srcRect/>
+          <a:stretch/>
         </p:blipFill>
         <p:spPr>
           <a:xfrm>
-            <a:off x="1223818" y="4435865"/>
-            <a:ext cx="9705109" cy="2303371"/>
+            <a:off x="1259376" y="4389482"/>
+            <a:ext cx="9673246" cy="2303371"/>
           </a:xfrm>
           <a:prstGeom prst="rect">
             <a:avLst/>
@@ -13350,7 +14424,7 @@
                 </a:highlight>
                 <a:latin typeface="Consolas" panose="020B0609020204030204" pitchFamily="49" charset="0"/>
               </a:rPr>
-              <a:t> </a:t>
+              <a:t>  </a:t>
             </a:r>
             <a:endParaRPr kumimoji="1" lang="en-US" altLang="ja-JP" dirty="0"/>
           </a:p>
@@ -13372,7 +14446,7 @@
             </a:pPr>
             <a:r>
               <a:rPr kumimoji="1" lang="ja-JP" altLang="en-US" dirty="0"/>
-              <a:t>交差検証：</a:t>
+              <a:t>標準化   ：</a:t>
             </a:r>
             <a:r>
               <a:rPr lang="en-US" altLang="ja-JP" b="0" dirty="0">
@@ -13398,6 +14472,43 @@
                 </a:highlight>
                 <a:latin typeface="Consolas" panose="020B0609020204030204" pitchFamily="49" charset="0"/>
               </a:rPr>
+              <a:t>StandardScaler</a:t>
+            </a:r>
+            <a:endParaRPr lang="en-US" altLang="ja-JP" dirty="0"/>
+          </a:p>
+          <a:p>
+            <a:pPr marL="742950" lvl="1" indent="-285750">
+              <a:buFont typeface="Arial" panose="020B0604020202020204" pitchFamily="34" charset="0"/>
+              <a:buChar char="•"/>
+            </a:pPr>
+            <a:r>
+              <a:rPr kumimoji="1" lang="ja-JP" altLang="en-US" dirty="0"/>
+              <a:t>交差検証：</a:t>
+            </a:r>
+            <a:r>
+              <a:rPr lang="en-US" altLang="ja-JP" b="0" dirty="0">
+                <a:solidFill>
+                  <a:srgbClr val="4EC9B0"/>
+                </a:solidFill>
+                <a:effectLst/>
+                <a:highlight>
+                  <a:srgbClr val="1F1F1F"/>
+                </a:highlight>
+                <a:latin typeface="Consolas" panose="020B0609020204030204" pitchFamily="49" charset="0"/>
+              </a:rPr>
+              <a:t> </a:t>
+            </a:r>
+            <a:r>
+              <a:rPr lang="en-US" altLang="ja-JP" b="0" dirty="0" err="1">
+                <a:solidFill>
+                  <a:srgbClr val="4EC9B0"/>
+                </a:solidFill>
+                <a:effectLst/>
+                <a:highlight>
+                  <a:srgbClr val="1F1F1F"/>
+                </a:highlight>
+                <a:latin typeface="Consolas" panose="020B0609020204030204" pitchFamily="49" charset="0"/>
+              </a:rPr>
               <a:t>GridSearchCV</a:t>
             </a:r>
             <a:r>
@@ -13570,43 +14681,6 @@
               <a:t>)</a:t>
             </a:r>
             <a:endParaRPr kumimoji="1" lang="en-US" altLang="ja-JP" dirty="0"/>
-          </a:p>
-          <a:p>
-            <a:pPr marL="742950" lvl="1" indent="-285750">
-              <a:buFont typeface="Arial" panose="020B0604020202020204" pitchFamily="34" charset="0"/>
-              <a:buChar char="•"/>
-            </a:pPr>
-            <a:r>
-              <a:rPr kumimoji="1" lang="ja-JP" altLang="en-US" dirty="0"/>
-              <a:t>標準化   ：</a:t>
-            </a:r>
-            <a:r>
-              <a:rPr lang="en-US" altLang="ja-JP" b="0" dirty="0">
-                <a:solidFill>
-                  <a:srgbClr val="4EC9B0"/>
-                </a:solidFill>
-                <a:effectLst/>
-                <a:highlight>
-                  <a:srgbClr val="1F1F1F"/>
-                </a:highlight>
-                <a:latin typeface="Consolas" panose="020B0609020204030204" pitchFamily="49" charset="0"/>
-              </a:rPr>
-              <a:t> </a:t>
-            </a:r>
-            <a:r>
-              <a:rPr lang="en-US" altLang="ja-JP" b="0" dirty="0" err="1">
-                <a:solidFill>
-                  <a:srgbClr val="4EC9B0"/>
-                </a:solidFill>
-                <a:effectLst/>
-                <a:highlight>
-                  <a:srgbClr val="1F1F1F"/>
-                </a:highlight>
-                <a:latin typeface="Consolas" panose="020B0609020204030204" pitchFamily="49" charset="0"/>
-              </a:rPr>
-              <a:t>StandardScaler</a:t>
-            </a:r>
-            <a:endParaRPr lang="en-US" altLang="ja-JP" dirty="0"/>
           </a:p>
           <a:p>
             <a:pPr marL="285750" indent="-285750">
@@ -13677,7 +14751,7 @@
         </p:blipFill>
         <p:spPr>
           <a:xfrm>
-            <a:off x="5226565" y="4869874"/>
+            <a:off x="5159056" y="4110036"/>
             <a:ext cx="6432034" cy="1245176"/>
           </a:xfrm>
           <a:prstGeom prst="rect">
